--- a/Introduction To Neural Networks and AI.pptx
+++ b/Introduction To Neural Networks and AI.pptx
@@ -5,7 +5,7 @@
     <p:sldMasterId id="2147483648" r:id="rId3"/>
   </p:sldMasterIdLst>
   <p:notesMasterIdLst>
-    <p:notesMasterId r:id="rId35"/>
+    <p:notesMasterId r:id="rId36"/>
   </p:notesMasterIdLst>
   <p:sldIdLst>
     <p:sldId id="256" r:id="rId4"/>
@@ -33,12 +33,13 @@
     <p:sldId id="283" r:id="rId26"/>
     <p:sldId id="284" r:id="rId27"/>
     <p:sldId id="277" r:id="rId28"/>
-    <p:sldId id="278" r:id="rId29"/>
-    <p:sldId id="279" r:id="rId30"/>
-    <p:sldId id="280" r:id="rId31"/>
-    <p:sldId id="285" r:id="rId32"/>
-    <p:sldId id="286" r:id="rId33"/>
-    <p:sldId id="287" r:id="rId34"/>
+    <p:sldId id="288" r:id="rId29"/>
+    <p:sldId id="278" r:id="rId30"/>
+    <p:sldId id="279" r:id="rId31"/>
+    <p:sldId id="280" r:id="rId32"/>
+    <p:sldId id="285" r:id="rId33"/>
+    <p:sldId id="286" r:id="rId34"/>
+    <p:sldId id="287" r:id="rId35"/>
   </p:sldIdLst>
   <p:sldSz cx="12192000" cy="6858000"/>
   <p:notesSz cx="6858000" cy="9144000"/>
@@ -235,7 +236,7 @@
           <a:p>
             <a:fld id="{5AB62516-B39C-4B83-B17D-6AC3DDBA5C2D}" type="datetimeFigureOut">
               <a:rPr lang="en-US" smtClean="0"/>
-              <a:t>4/12/2024</a:t>
+              <a:t>10/2/2024</a:t>
             </a:fld>
             <a:endParaRPr lang="en-US"/>
           </a:p>
@@ -651,7 +652,7 @@
           <a:p>
             <a:fld id="{28E627C4-8EBF-403B-AE19-F9A1CE4B216A}" type="datetimeFigureOut">
               <a:rPr lang="en-CA" smtClean="0"/>
-              <a:t>2024-04-12</a:t>
+              <a:t>2024-10-02</a:t>
             </a:fld>
             <a:endParaRPr lang="en-CA"/>
           </a:p>
@@ -851,7 +852,7 @@
           <a:p>
             <a:fld id="{28E627C4-8EBF-403B-AE19-F9A1CE4B216A}" type="datetimeFigureOut">
               <a:rPr lang="en-CA" smtClean="0"/>
-              <a:t>2024-04-12</a:t>
+              <a:t>2024-10-02</a:t>
             </a:fld>
             <a:endParaRPr lang="en-CA"/>
           </a:p>
@@ -1061,7 +1062,7 @@
           <a:p>
             <a:fld id="{28E627C4-8EBF-403B-AE19-F9A1CE4B216A}" type="datetimeFigureOut">
               <a:rPr lang="en-CA" smtClean="0"/>
-              <a:t>2024-04-12</a:t>
+              <a:t>2024-10-02</a:t>
             </a:fld>
             <a:endParaRPr lang="en-CA"/>
           </a:p>
@@ -1261,7 +1262,7 @@
           <a:p>
             <a:fld id="{28E627C4-8EBF-403B-AE19-F9A1CE4B216A}" type="datetimeFigureOut">
               <a:rPr lang="en-CA" smtClean="0"/>
-              <a:t>2024-04-12</a:t>
+              <a:t>2024-10-02</a:t>
             </a:fld>
             <a:endParaRPr lang="en-CA"/>
           </a:p>
@@ -1537,7 +1538,7 @@
           <a:p>
             <a:fld id="{28E627C4-8EBF-403B-AE19-F9A1CE4B216A}" type="datetimeFigureOut">
               <a:rPr lang="en-CA" smtClean="0"/>
-              <a:t>2024-04-12</a:t>
+              <a:t>2024-10-02</a:t>
             </a:fld>
             <a:endParaRPr lang="en-CA"/>
           </a:p>
@@ -1805,7 +1806,7 @@
           <a:p>
             <a:fld id="{28E627C4-8EBF-403B-AE19-F9A1CE4B216A}" type="datetimeFigureOut">
               <a:rPr lang="en-CA" smtClean="0"/>
-              <a:t>2024-04-12</a:t>
+              <a:t>2024-10-02</a:t>
             </a:fld>
             <a:endParaRPr lang="en-CA"/>
           </a:p>
@@ -2220,7 +2221,7 @@
           <a:p>
             <a:fld id="{28E627C4-8EBF-403B-AE19-F9A1CE4B216A}" type="datetimeFigureOut">
               <a:rPr lang="en-CA" smtClean="0"/>
-              <a:t>2024-04-12</a:t>
+              <a:t>2024-10-02</a:t>
             </a:fld>
             <a:endParaRPr lang="en-CA"/>
           </a:p>
@@ -2362,7 +2363,7 @@
           <a:p>
             <a:fld id="{28E627C4-8EBF-403B-AE19-F9A1CE4B216A}" type="datetimeFigureOut">
               <a:rPr lang="en-CA" smtClean="0"/>
-              <a:t>2024-04-12</a:t>
+              <a:t>2024-10-02</a:t>
             </a:fld>
             <a:endParaRPr lang="en-CA"/>
           </a:p>
@@ -2475,7 +2476,7 @@
           <a:p>
             <a:fld id="{28E627C4-8EBF-403B-AE19-F9A1CE4B216A}" type="datetimeFigureOut">
               <a:rPr lang="en-CA" smtClean="0"/>
-              <a:t>2024-04-12</a:t>
+              <a:t>2024-10-02</a:t>
             </a:fld>
             <a:endParaRPr lang="en-CA"/>
           </a:p>
@@ -2788,7 +2789,7 @@
           <a:p>
             <a:fld id="{28E627C4-8EBF-403B-AE19-F9A1CE4B216A}" type="datetimeFigureOut">
               <a:rPr lang="en-CA" smtClean="0"/>
-              <a:t>2024-04-12</a:t>
+              <a:t>2024-10-02</a:t>
             </a:fld>
             <a:endParaRPr lang="en-CA"/>
           </a:p>
@@ -3077,7 +3078,7 @@
           <a:p>
             <a:fld id="{28E627C4-8EBF-403B-AE19-F9A1CE4B216A}" type="datetimeFigureOut">
               <a:rPr lang="en-CA" smtClean="0"/>
-              <a:t>2024-04-12</a:t>
+              <a:t>2024-10-02</a:t>
             </a:fld>
             <a:endParaRPr lang="en-CA"/>
           </a:p>
@@ -3320,7 +3321,7 @@
           <a:p>
             <a:fld id="{28E627C4-8EBF-403B-AE19-F9A1CE4B216A}" type="datetimeFigureOut">
               <a:rPr lang="en-CA" smtClean="0"/>
-              <a:t>2024-04-12</a:t>
+              <a:t>2024-10-02</a:t>
             </a:fld>
             <a:endParaRPr lang="en-CA"/>
           </a:p>
@@ -10012,6 +10013,26 @@
               <a:t>We also need to decide on how wide a given hidden layer will need to be.</a:t>
             </a:r>
           </a:p>
+          <a:p>
+            <a:r>
+              <a:rPr lang="en-US" dirty="0"/>
+              <a:t>If there are too many hidden layers this will lead to over fitting of the neural network. Ideally we only have 1 hidden layer in neural network whose width is carefully configured to be optimal.</a:t>
+            </a:r>
+          </a:p>
+          <a:p>
+            <a:r>
+              <a:rPr lang="en-US" dirty="0"/>
+              <a:t>In deep learning neural networks we have may hidden layers but they are put alongside other type of layers like convolution/pool/</a:t>
+            </a:r>
+            <a:r>
+              <a:rPr lang="en-US" dirty="0" err="1"/>
+              <a:t>etc</a:t>
+            </a:r>
+            <a:r>
+              <a:rPr lang="en-US" dirty="0"/>
+              <a:t>…</a:t>
+            </a:r>
+          </a:p>
         </p:txBody>
       </p:sp>
     </p:spTree>
@@ -10049,6 +10070,164 @@
           <p:cNvPr id="2" name="Title 1">
             <a:extLst>
               <a:ext uri="{FF2B5EF4-FFF2-40B4-BE49-F238E27FC236}">
+                <a16:creationId xmlns:a16="http://schemas.microsoft.com/office/drawing/2014/main" id="{B26F0EE6-EB1F-1DDB-F707-BA66891E28D0}"/>
+              </a:ext>
+            </a:extLst>
+          </p:cNvPr>
+          <p:cNvSpPr>
+            <a:spLocks noGrp="1"/>
+          </p:cNvSpPr>
+          <p:nvPr>
+            <p:ph type="title"/>
+          </p:nvPr>
+        </p:nvSpPr>
+        <p:spPr/>
+        <p:txBody>
+          <a:bodyPr/>
+          <a:lstStyle/>
+          <a:p>
+            <a:r>
+              <a:rPr lang="en-CA" dirty="0"/>
+              <a:t>Kinds of layers in a Neural Network.</a:t>
+            </a:r>
+          </a:p>
+        </p:txBody>
+      </p:sp>
+      <p:sp>
+        <p:nvSpPr>
+          <p:cNvPr id="3" name="Content Placeholder 2">
+            <a:extLst>
+              <a:ext uri="{FF2B5EF4-FFF2-40B4-BE49-F238E27FC236}">
+                <a16:creationId xmlns:a16="http://schemas.microsoft.com/office/drawing/2014/main" id="{2D72AE6F-A3E5-6643-FDDB-11E212202987}"/>
+              </a:ext>
+            </a:extLst>
+          </p:cNvPr>
+          <p:cNvSpPr>
+            <a:spLocks noGrp="1"/>
+          </p:cNvSpPr>
+          <p:nvPr>
+            <p:ph idx="1"/>
+          </p:nvPr>
+        </p:nvSpPr>
+        <p:spPr/>
+        <p:txBody>
+          <a:bodyPr>
+            <a:normAutofit fontScale="92500" lnSpcReduction="10000"/>
+          </a:bodyPr>
+          <a:lstStyle/>
+          <a:p>
+            <a:r>
+              <a:rPr lang="en-CA" dirty="0"/>
+              <a:t>3 connected layers as Input-&gt;Hidden-&gt;Output creates a dense neural network and is the original kind of neural network.</a:t>
+            </a:r>
+          </a:p>
+          <a:p>
+            <a:r>
+              <a:rPr lang="en-CA" dirty="0"/>
+              <a:t>There are other kinds of layers which can be placed either at the start or in between multiple hidden layers to create a deep learning neural network.</a:t>
+            </a:r>
+          </a:p>
+          <a:p>
+            <a:r>
+              <a:rPr lang="en-CA" dirty="0"/>
+              <a:t>The different kinds of layers are.</a:t>
+            </a:r>
+          </a:p>
+          <a:p>
+            <a:r>
+              <a:rPr lang="en-CA" b="1" i="0" dirty="0">
+                <a:solidFill>
+                  <a:srgbClr val="111111"/>
+                </a:solidFill>
+                <a:effectLst/>
+                <a:latin typeface="-apple-system"/>
+              </a:rPr>
+              <a:t>Convolutional Layers</a:t>
+            </a:r>
+          </a:p>
+          <a:p>
+            <a:r>
+              <a:rPr lang="en-CA" b="1" i="0" dirty="0">
+                <a:solidFill>
+                  <a:srgbClr val="111111"/>
+                </a:solidFill>
+                <a:effectLst/>
+                <a:latin typeface="-apple-system"/>
+              </a:rPr>
+              <a:t>Recurrent Layers</a:t>
+            </a:r>
+            <a:endParaRPr lang="en-CA" b="1" dirty="0">
+              <a:solidFill>
+                <a:srgbClr val="111111"/>
+              </a:solidFill>
+              <a:latin typeface="-apple-system"/>
+            </a:endParaRPr>
+          </a:p>
+          <a:p>
+            <a:r>
+              <a:rPr lang="en-CA" b="1" dirty="0">
+                <a:solidFill>
+                  <a:srgbClr val="111111"/>
+                </a:solidFill>
+                <a:latin typeface="-apple-system"/>
+              </a:rPr>
+              <a:t>Pool Layer</a:t>
+            </a:r>
+          </a:p>
+          <a:p>
+            <a:r>
+              <a:rPr lang="en-CA" b="1" dirty="0">
+                <a:solidFill>
+                  <a:srgbClr val="111111"/>
+                </a:solidFill>
+                <a:latin typeface="-apple-system"/>
+              </a:rPr>
+              <a:t>Batch normalization layer</a:t>
+            </a:r>
+          </a:p>
+          <a:p>
+            <a:r>
+              <a:rPr lang="en-CA" b="1" dirty="0"/>
+              <a:t>Dropout layer</a:t>
+            </a:r>
+          </a:p>
+        </p:txBody>
+      </p:sp>
+    </p:spTree>
+    <p:extLst>
+      <p:ext uri="{BB962C8B-B14F-4D97-AF65-F5344CB8AC3E}">
+        <p14:creationId xmlns:p14="http://schemas.microsoft.com/office/powerpoint/2010/main" val="2442566154"/>
+      </p:ext>
+    </p:extLst>
+  </p:cSld>
+  <p:clrMapOvr>
+    <a:masterClrMapping/>
+  </p:clrMapOvr>
+</p:sld>
+</file>
+
+<file path=ppt/slides/slide27.xml><?xml version="1.0" encoding="utf-8"?>
+<p:sld xmlns:a="http://schemas.openxmlformats.org/drawingml/2006/main" xmlns:r="http://schemas.openxmlformats.org/officeDocument/2006/relationships" xmlns:p="http://schemas.openxmlformats.org/presentationml/2006/main">
+  <p:cSld>
+    <p:spTree>
+      <p:nvGrpSpPr>
+        <p:cNvPr id="1" name=""/>
+        <p:cNvGrpSpPr/>
+        <p:nvPr/>
+      </p:nvGrpSpPr>
+      <p:grpSpPr>
+        <a:xfrm>
+          <a:off x="0" y="0"/>
+          <a:ext cx="0" cy="0"/>
+          <a:chOff x="0" y="0"/>
+          <a:chExt cx="0" cy="0"/>
+        </a:xfrm>
+      </p:grpSpPr>
+      <p:sp>
+        <p:nvSpPr>
+          <p:cNvPr id="2" name="Title 1">
+            <a:extLst>
+              <a:ext uri="{FF2B5EF4-FFF2-40B4-BE49-F238E27FC236}">
                 <a16:creationId xmlns:a16="http://schemas.microsoft.com/office/drawing/2014/main" id="{84EC1A39-7015-28C1-54D0-88FA902DBCFA}"/>
               </a:ext>
             </a:extLst>
@@ -10151,7 +10330,7 @@
 </p:sld>
 </file>
 
-<file path=ppt/slides/slide27.xml><?xml version="1.0" encoding="utf-8"?>
+<file path=ppt/slides/slide28.xml><?xml version="1.0" encoding="utf-8"?>
 <p:sld xmlns:a="http://schemas.openxmlformats.org/drawingml/2006/main" xmlns:r="http://schemas.openxmlformats.org/officeDocument/2006/relationships" xmlns:p="http://schemas.openxmlformats.org/presentationml/2006/main">
   <p:cSld>
     <p:spTree>
@@ -11136,1506 +11315,6 @@
 </p:sld>
 </file>
 
-<file path=ppt/slides/slide28.xml><?xml version="1.0" encoding="utf-8"?>
-<p:sld xmlns:a="http://schemas.openxmlformats.org/drawingml/2006/main" xmlns:r="http://schemas.openxmlformats.org/officeDocument/2006/relationships" xmlns:p="http://schemas.openxmlformats.org/presentationml/2006/main">
-  <p:cSld>
-    <p:spTree>
-      <p:nvGrpSpPr>
-        <p:cNvPr id="1" name=""/>
-        <p:cNvGrpSpPr/>
-        <p:nvPr/>
-      </p:nvGrpSpPr>
-      <p:grpSpPr>
-        <a:xfrm>
-          <a:off x="0" y="0"/>
-          <a:ext cx="0" cy="0"/>
-          <a:chOff x="0" y="0"/>
-          <a:chExt cx="0" cy="0"/>
-        </a:xfrm>
-      </p:grpSpPr>
-      <p:sp>
-        <p:nvSpPr>
-          <p:cNvPr id="2" name="Title 1">
-            <a:extLst>
-              <a:ext uri="{FF2B5EF4-FFF2-40B4-BE49-F238E27FC236}">
-                <a16:creationId xmlns:a16="http://schemas.microsoft.com/office/drawing/2014/main" id="{A28EF932-EB0E-DE97-D25F-B3FABD13B344}"/>
-              </a:ext>
-            </a:extLst>
-          </p:cNvPr>
-          <p:cNvSpPr>
-            <a:spLocks noGrp="1"/>
-          </p:cNvSpPr>
-          <p:nvPr>
-            <p:ph type="title"/>
-          </p:nvPr>
-        </p:nvSpPr>
-        <p:spPr/>
-        <p:txBody>
-          <a:bodyPr/>
-          <a:lstStyle/>
-          <a:p>
-            <a:r>
-              <a:rPr lang="en-US" dirty="0"/>
-              <a:t>Categorizing Age groups</a:t>
-            </a:r>
-          </a:p>
-        </p:txBody>
-      </p:sp>
-      <p:sp>
-        <p:nvSpPr>
-          <p:cNvPr id="5" name="Oval 4">
-            <a:extLst>
-              <a:ext uri="{FF2B5EF4-FFF2-40B4-BE49-F238E27FC236}">
-                <a16:creationId xmlns:a16="http://schemas.microsoft.com/office/drawing/2014/main" id="{A6CA453F-66A9-3A54-E573-81751D62EFE0}"/>
-              </a:ext>
-            </a:extLst>
-          </p:cNvPr>
-          <p:cNvSpPr/>
-          <p:nvPr/>
-        </p:nvSpPr>
-        <p:spPr>
-          <a:xfrm>
-            <a:off x="1298691" y="2689779"/>
-            <a:ext cx="1769165" cy="745435"/>
-          </a:xfrm>
-          <a:prstGeom prst="ellipse">
-            <a:avLst/>
-          </a:prstGeom>
-        </p:spPr>
-        <p:style>
-          <a:lnRef idx="2">
-            <a:schemeClr val="accent5">
-              <a:shade val="15000"/>
-            </a:schemeClr>
-          </a:lnRef>
-          <a:fillRef idx="1">
-            <a:schemeClr val="accent5"/>
-          </a:fillRef>
-          <a:effectRef idx="0">
-            <a:schemeClr val="accent5"/>
-          </a:effectRef>
-          <a:fontRef idx="minor">
-            <a:schemeClr val="lt1"/>
-          </a:fontRef>
-        </p:style>
-        <p:txBody>
-          <a:bodyPr rtlCol="0" anchor="ctr"/>
-          <a:lstStyle/>
-          <a:p>
-            <a:pPr algn="ctr"/>
-            <a:r>
-              <a:rPr lang="en-US" dirty="0"/>
-              <a:t>Weight</a:t>
-            </a:r>
-          </a:p>
-        </p:txBody>
-      </p:sp>
-      <p:sp>
-        <p:nvSpPr>
-          <p:cNvPr id="6" name="Oval 5">
-            <a:extLst>
-              <a:ext uri="{FF2B5EF4-FFF2-40B4-BE49-F238E27FC236}">
-                <a16:creationId xmlns:a16="http://schemas.microsoft.com/office/drawing/2014/main" id="{AD03C6AF-2EAB-C5E0-A8EB-AA64B75964C4}"/>
-              </a:ext>
-            </a:extLst>
-          </p:cNvPr>
-          <p:cNvSpPr/>
-          <p:nvPr/>
-        </p:nvSpPr>
-        <p:spPr>
-          <a:xfrm>
-            <a:off x="4702862" y="2581034"/>
-            <a:ext cx="844827" cy="745435"/>
-          </a:xfrm>
-          <a:prstGeom prst="ellipse">
-            <a:avLst/>
-          </a:prstGeom>
-        </p:spPr>
-        <p:style>
-          <a:lnRef idx="2">
-            <a:schemeClr val="accent1">
-              <a:shade val="15000"/>
-            </a:schemeClr>
-          </a:lnRef>
-          <a:fillRef idx="1">
-            <a:schemeClr val="accent1"/>
-          </a:fillRef>
-          <a:effectRef idx="0">
-            <a:schemeClr val="accent1"/>
-          </a:effectRef>
-          <a:fontRef idx="minor">
-            <a:schemeClr val="lt1"/>
-          </a:fontRef>
-        </p:style>
-        <p:txBody>
-          <a:bodyPr rtlCol="0" anchor="ctr"/>
-          <a:lstStyle/>
-          <a:p>
-            <a:pPr algn="ctr"/>
-            <a:endParaRPr lang="en-US" dirty="0"/>
-          </a:p>
-        </p:txBody>
-      </p:sp>
-      <p:sp>
-        <p:nvSpPr>
-          <p:cNvPr id="7" name="Oval 6">
-            <a:extLst>
-              <a:ext uri="{FF2B5EF4-FFF2-40B4-BE49-F238E27FC236}">
-                <a16:creationId xmlns:a16="http://schemas.microsoft.com/office/drawing/2014/main" id="{23180C21-BE91-86E8-61A3-6F8815FEB178}"/>
-              </a:ext>
-            </a:extLst>
-          </p:cNvPr>
-          <p:cNvSpPr/>
-          <p:nvPr/>
-        </p:nvSpPr>
-        <p:spPr>
-          <a:xfrm>
-            <a:off x="4709884" y="3866323"/>
-            <a:ext cx="844827" cy="745435"/>
-          </a:xfrm>
-          <a:prstGeom prst="ellipse">
-            <a:avLst/>
-          </a:prstGeom>
-        </p:spPr>
-        <p:style>
-          <a:lnRef idx="2">
-            <a:schemeClr val="accent1">
-              <a:shade val="15000"/>
-            </a:schemeClr>
-          </a:lnRef>
-          <a:fillRef idx="1">
-            <a:schemeClr val="accent1"/>
-          </a:fillRef>
-          <a:effectRef idx="0">
-            <a:schemeClr val="accent1"/>
-          </a:effectRef>
-          <a:fontRef idx="minor">
-            <a:schemeClr val="lt1"/>
-          </a:fontRef>
-        </p:style>
-        <p:txBody>
-          <a:bodyPr rtlCol="0" anchor="ctr"/>
-          <a:lstStyle/>
-          <a:p>
-            <a:pPr algn="ctr"/>
-            <a:endParaRPr lang="en-US" dirty="0"/>
-          </a:p>
-        </p:txBody>
-      </p:sp>
-      <p:sp>
-        <p:nvSpPr>
-          <p:cNvPr id="8" name="Oval 7">
-            <a:extLst>
-              <a:ext uri="{FF2B5EF4-FFF2-40B4-BE49-F238E27FC236}">
-                <a16:creationId xmlns:a16="http://schemas.microsoft.com/office/drawing/2014/main" id="{E7F55B46-2259-AABB-D4BF-FBEF07D780E8}"/>
-              </a:ext>
-            </a:extLst>
-          </p:cNvPr>
-          <p:cNvSpPr/>
-          <p:nvPr/>
-        </p:nvSpPr>
-        <p:spPr>
-          <a:xfrm>
-            <a:off x="8189840" y="2751556"/>
-            <a:ext cx="1620081" cy="745435"/>
-          </a:xfrm>
-          <a:prstGeom prst="ellipse">
-            <a:avLst/>
-          </a:prstGeom>
-        </p:spPr>
-        <p:style>
-          <a:lnRef idx="2">
-            <a:schemeClr val="accent1">
-              <a:shade val="15000"/>
-            </a:schemeClr>
-          </a:lnRef>
-          <a:fillRef idx="1">
-            <a:schemeClr val="accent1"/>
-          </a:fillRef>
-          <a:effectRef idx="0">
-            <a:schemeClr val="accent1"/>
-          </a:effectRef>
-          <a:fontRef idx="minor">
-            <a:schemeClr val="lt1"/>
-          </a:fontRef>
-        </p:style>
-        <p:txBody>
-          <a:bodyPr rtlCol="0" anchor="ctr"/>
-          <a:lstStyle/>
-          <a:p>
-            <a:pPr algn="ctr"/>
-            <a:r>
-              <a:rPr lang="en-US" dirty="0"/>
-              <a:t>Age Grp1</a:t>
-            </a:r>
-          </a:p>
-        </p:txBody>
-      </p:sp>
-      <p:sp>
-        <p:nvSpPr>
-          <p:cNvPr id="9" name="Oval 8">
-            <a:extLst>
-              <a:ext uri="{FF2B5EF4-FFF2-40B4-BE49-F238E27FC236}">
-                <a16:creationId xmlns:a16="http://schemas.microsoft.com/office/drawing/2014/main" id="{F4F90FC8-14A8-ECFE-D9A9-66B17D7EA547}"/>
-              </a:ext>
-            </a:extLst>
-          </p:cNvPr>
-          <p:cNvSpPr/>
-          <p:nvPr/>
-        </p:nvSpPr>
-        <p:spPr>
-          <a:xfrm>
-            <a:off x="8220486" y="3762999"/>
-            <a:ext cx="1620081" cy="745435"/>
-          </a:xfrm>
-          <a:prstGeom prst="ellipse">
-            <a:avLst/>
-          </a:prstGeom>
-        </p:spPr>
-        <p:style>
-          <a:lnRef idx="2">
-            <a:schemeClr val="accent1">
-              <a:shade val="15000"/>
-            </a:schemeClr>
-          </a:lnRef>
-          <a:fillRef idx="1">
-            <a:schemeClr val="accent1"/>
-          </a:fillRef>
-          <a:effectRef idx="0">
-            <a:schemeClr val="accent1"/>
-          </a:effectRef>
-          <a:fontRef idx="minor">
-            <a:schemeClr val="lt1"/>
-          </a:fontRef>
-        </p:style>
-        <p:txBody>
-          <a:bodyPr rtlCol="0" anchor="ctr"/>
-          <a:lstStyle/>
-          <a:p>
-            <a:pPr algn="ctr"/>
-            <a:r>
-              <a:rPr lang="en-US" dirty="0"/>
-              <a:t>Age Grp2</a:t>
-            </a:r>
-          </a:p>
-        </p:txBody>
-      </p:sp>
-      <p:cxnSp>
-        <p:nvCxnSpPr>
-          <p:cNvPr id="10" name="Straight Arrow Connector 9">
-            <a:extLst>
-              <a:ext uri="{FF2B5EF4-FFF2-40B4-BE49-F238E27FC236}">
-                <a16:creationId xmlns:a16="http://schemas.microsoft.com/office/drawing/2014/main" id="{F9883ED4-AB35-B560-F863-98904CA6A7F9}"/>
-              </a:ext>
-            </a:extLst>
-          </p:cNvPr>
-          <p:cNvCxnSpPr>
-            <a:stCxn id="5" idx="6"/>
-            <a:endCxn id="6" idx="2"/>
-          </p:cNvCxnSpPr>
-          <p:nvPr/>
-        </p:nvCxnSpPr>
-        <p:spPr>
-          <a:xfrm flipV="1">
-            <a:off x="3067856" y="2953752"/>
-            <a:ext cx="1635006" cy="108745"/>
-          </a:xfrm>
-          <a:prstGeom prst="straightConnector1">
-            <a:avLst/>
-          </a:prstGeom>
-          <a:ln>
-            <a:tailEnd type="triangle"/>
-          </a:ln>
-        </p:spPr>
-        <p:style>
-          <a:lnRef idx="1">
-            <a:schemeClr val="accent1"/>
-          </a:lnRef>
-          <a:fillRef idx="0">
-            <a:schemeClr val="accent1"/>
-          </a:fillRef>
-          <a:effectRef idx="0">
-            <a:schemeClr val="accent1"/>
-          </a:effectRef>
-          <a:fontRef idx="minor">
-            <a:schemeClr val="tx1"/>
-          </a:fontRef>
-        </p:style>
-      </p:cxnSp>
-      <p:cxnSp>
-        <p:nvCxnSpPr>
-          <p:cNvPr id="11" name="Straight Arrow Connector 10">
-            <a:extLst>
-              <a:ext uri="{FF2B5EF4-FFF2-40B4-BE49-F238E27FC236}">
-                <a16:creationId xmlns:a16="http://schemas.microsoft.com/office/drawing/2014/main" id="{FCC874CA-EA9A-9311-AC1D-0FF1EA4A9BFD}"/>
-              </a:ext>
-            </a:extLst>
-          </p:cNvPr>
-          <p:cNvCxnSpPr>
-            <a:cxnSpLocks/>
-            <a:stCxn id="6" idx="6"/>
-            <a:endCxn id="8" idx="2"/>
-          </p:cNvCxnSpPr>
-          <p:nvPr/>
-        </p:nvCxnSpPr>
-        <p:spPr>
-          <a:xfrm>
-            <a:off x="5547689" y="2953752"/>
-            <a:ext cx="2642151" cy="170522"/>
-          </a:xfrm>
-          <a:prstGeom prst="straightConnector1">
-            <a:avLst/>
-          </a:prstGeom>
-          <a:ln>
-            <a:tailEnd type="triangle"/>
-          </a:ln>
-        </p:spPr>
-        <p:style>
-          <a:lnRef idx="1">
-            <a:schemeClr val="accent1"/>
-          </a:lnRef>
-          <a:fillRef idx="0">
-            <a:schemeClr val="accent1"/>
-          </a:fillRef>
-          <a:effectRef idx="0">
-            <a:schemeClr val="accent1"/>
-          </a:effectRef>
-          <a:fontRef idx="minor">
-            <a:schemeClr val="tx1"/>
-          </a:fontRef>
-        </p:style>
-      </p:cxnSp>
-      <p:cxnSp>
-        <p:nvCxnSpPr>
-          <p:cNvPr id="12" name="Straight Arrow Connector 11">
-            <a:extLst>
-              <a:ext uri="{FF2B5EF4-FFF2-40B4-BE49-F238E27FC236}">
-                <a16:creationId xmlns:a16="http://schemas.microsoft.com/office/drawing/2014/main" id="{B693DD0B-24E3-938F-6B2B-878DB608C0D3}"/>
-              </a:ext>
-            </a:extLst>
-          </p:cNvPr>
-          <p:cNvCxnSpPr>
-            <a:cxnSpLocks/>
-            <a:stCxn id="6" idx="6"/>
-            <a:endCxn id="9" idx="2"/>
-          </p:cNvCxnSpPr>
-          <p:nvPr/>
-        </p:nvCxnSpPr>
-        <p:spPr>
-          <a:xfrm>
-            <a:off x="5547689" y="2953752"/>
-            <a:ext cx="2672797" cy="1181965"/>
-          </a:xfrm>
-          <a:prstGeom prst="straightConnector1">
-            <a:avLst/>
-          </a:prstGeom>
-          <a:ln>
-            <a:tailEnd type="triangle"/>
-          </a:ln>
-        </p:spPr>
-        <p:style>
-          <a:lnRef idx="1">
-            <a:schemeClr val="accent1"/>
-          </a:lnRef>
-          <a:fillRef idx="0">
-            <a:schemeClr val="accent1"/>
-          </a:fillRef>
-          <a:effectRef idx="0">
-            <a:schemeClr val="accent1"/>
-          </a:effectRef>
-          <a:fontRef idx="minor">
-            <a:schemeClr val="tx1"/>
-          </a:fontRef>
-        </p:style>
-      </p:cxnSp>
-      <p:cxnSp>
-        <p:nvCxnSpPr>
-          <p:cNvPr id="13" name="Straight Arrow Connector 12">
-            <a:extLst>
-              <a:ext uri="{FF2B5EF4-FFF2-40B4-BE49-F238E27FC236}">
-                <a16:creationId xmlns:a16="http://schemas.microsoft.com/office/drawing/2014/main" id="{2A878B0A-A4BE-A1C6-9114-2F6A4DF47A5F}"/>
-              </a:ext>
-            </a:extLst>
-          </p:cNvPr>
-          <p:cNvCxnSpPr>
-            <a:cxnSpLocks/>
-            <a:stCxn id="19" idx="6"/>
-            <a:endCxn id="8" idx="2"/>
-          </p:cNvCxnSpPr>
-          <p:nvPr/>
-        </p:nvCxnSpPr>
-        <p:spPr>
-          <a:xfrm flipV="1">
-            <a:off x="5558851" y="3124274"/>
-            <a:ext cx="2630989" cy="2395605"/>
-          </a:xfrm>
-          <a:prstGeom prst="straightConnector1">
-            <a:avLst/>
-          </a:prstGeom>
-          <a:ln>
-            <a:tailEnd type="triangle"/>
-          </a:ln>
-        </p:spPr>
-        <p:style>
-          <a:lnRef idx="1">
-            <a:schemeClr val="accent1"/>
-          </a:lnRef>
-          <a:fillRef idx="0">
-            <a:schemeClr val="accent1"/>
-          </a:fillRef>
-          <a:effectRef idx="0">
-            <a:schemeClr val="accent1"/>
-          </a:effectRef>
-          <a:fontRef idx="minor">
-            <a:schemeClr val="tx1"/>
-          </a:fontRef>
-        </p:style>
-      </p:cxnSp>
-      <p:cxnSp>
-        <p:nvCxnSpPr>
-          <p:cNvPr id="14" name="Straight Arrow Connector 13">
-            <a:extLst>
-              <a:ext uri="{FF2B5EF4-FFF2-40B4-BE49-F238E27FC236}">
-                <a16:creationId xmlns:a16="http://schemas.microsoft.com/office/drawing/2014/main" id="{C4A1893F-0AA3-CE5E-184D-C3CDF39C580C}"/>
-              </a:ext>
-            </a:extLst>
-          </p:cNvPr>
-          <p:cNvCxnSpPr>
-            <a:cxnSpLocks/>
-            <a:stCxn id="19" idx="6"/>
-            <a:endCxn id="9" idx="2"/>
-          </p:cNvCxnSpPr>
-          <p:nvPr/>
-        </p:nvCxnSpPr>
-        <p:spPr>
-          <a:xfrm flipV="1">
-            <a:off x="5558851" y="4135717"/>
-            <a:ext cx="2661635" cy="1384162"/>
-          </a:xfrm>
-          <a:prstGeom prst="straightConnector1">
-            <a:avLst/>
-          </a:prstGeom>
-          <a:ln>
-            <a:tailEnd type="triangle"/>
-          </a:ln>
-        </p:spPr>
-        <p:style>
-          <a:lnRef idx="1">
-            <a:schemeClr val="accent1"/>
-          </a:lnRef>
-          <a:fillRef idx="0">
-            <a:schemeClr val="accent1"/>
-          </a:fillRef>
-          <a:effectRef idx="0">
-            <a:schemeClr val="accent1"/>
-          </a:effectRef>
-          <a:fontRef idx="minor">
-            <a:schemeClr val="tx1"/>
-          </a:fontRef>
-        </p:style>
-      </p:cxnSp>
-      <p:cxnSp>
-        <p:nvCxnSpPr>
-          <p:cNvPr id="15" name="Straight Arrow Connector 14">
-            <a:extLst>
-              <a:ext uri="{FF2B5EF4-FFF2-40B4-BE49-F238E27FC236}">
-                <a16:creationId xmlns:a16="http://schemas.microsoft.com/office/drawing/2014/main" id="{34D8749B-AD87-FDFB-40F7-7FB6D6CD47C3}"/>
-              </a:ext>
-            </a:extLst>
-          </p:cNvPr>
-          <p:cNvCxnSpPr>
-            <a:stCxn id="5" idx="6"/>
-            <a:endCxn id="7" idx="2"/>
-          </p:cNvCxnSpPr>
-          <p:nvPr/>
-        </p:nvCxnSpPr>
-        <p:spPr>
-          <a:xfrm>
-            <a:off x="3067856" y="3062497"/>
-            <a:ext cx="1642028" cy="1176544"/>
-          </a:xfrm>
-          <a:prstGeom prst="straightConnector1">
-            <a:avLst/>
-          </a:prstGeom>
-          <a:ln>
-            <a:tailEnd type="triangle"/>
-          </a:ln>
-        </p:spPr>
-        <p:style>
-          <a:lnRef idx="1">
-            <a:schemeClr val="accent1"/>
-          </a:lnRef>
-          <a:fillRef idx="0">
-            <a:schemeClr val="accent1"/>
-          </a:fillRef>
-          <a:effectRef idx="0">
-            <a:schemeClr val="accent1"/>
-          </a:effectRef>
-          <a:fontRef idx="minor">
-            <a:schemeClr val="tx1"/>
-          </a:fontRef>
-        </p:style>
-      </p:cxnSp>
-      <p:sp>
-        <p:nvSpPr>
-          <p:cNvPr id="16" name="TextBox 15">
-            <a:extLst>
-              <a:ext uri="{FF2B5EF4-FFF2-40B4-BE49-F238E27FC236}">
-                <a16:creationId xmlns:a16="http://schemas.microsoft.com/office/drawing/2014/main" id="{5BA8DAB8-35D8-3FCF-8E67-C052F64563ED}"/>
-              </a:ext>
-            </a:extLst>
-          </p:cNvPr>
-          <p:cNvSpPr txBox="1"/>
-          <p:nvPr/>
-        </p:nvSpPr>
-        <p:spPr>
-          <a:xfrm>
-            <a:off x="4263145" y="1911234"/>
-            <a:ext cx="1441916" cy="646331"/>
-          </a:xfrm>
-          <a:prstGeom prst="rect">
-            <a:avLst/>
-          </a:prstGeom>
-          <a:noFill/>
-        </p:spPr>
-        <p:txBody>
-          <a:bodyPr wrap="square" rtlCol="0">
-            <a:spAutoFit/>
-          </a:bodyPr>
-          <a:lstStyle/>
-          <a:p>
-            <a:r>
-              <a:rPr lang="en-US" dirty="0"/>
-              <a:t>Hidden Layer (how Wide?)</a:t>
-            </a:r>
-          </a:p>
-        </p:txBody>
-      </p:sp>
-      <p:sp>
-        <p:nvSpPr>
-          <p:cNvPr id="17" name="TextBox 16">
-            <a:extLst>
-              <a:ext uri="{FF2B5EF4-FFF2-40B4-BE49-F238E27FC236}">
-                <a16:creationId xmlns:a16="http://schemas.microsoft.com/office/drawing/2014/main" id="{E305F6E4-48B0-AA57-03E4-7D7BD35826A5}"/>
-              </a:ext>
-            </a:extLst>
-          </p:cNvPr>
-          <p:cNvSpPr txBox="1"/>
-          <p:nvPr/>
-        </p:nvSpPr>
-        <p:spPr>
-          <a:xfrm>
-            <a:off x="8189841" y="2091779"/>
-            <a:ext cx="988088" cy="369332"/>
-          </a:xfrm>
-          <a:prstGeom prst="rect">
-            <a:avLst/>
-          </a:prstGeom>
-          <a:noFill/>
-        </p:spPr>
-        <p:txBody>
-          <a:bodyPr wrap="square" rtlCol="0">
-            <a:spAutoFit/>
-          </a:bodyPr>
-          <a:lstStyle/>
-          <a:p>
-            <a:r>
-              <a:rPr lang="en-US" dirty="0"/>
-              <a:t>Output</a:t>
-            </a:r>
-          </a:p>
-        </p:txBody>
-      </p:sp>
-      <p:sp>
-        <p:nvSpPr>
-          <p:cNvPr id="18" name="Oval 17">
-            <a:extLst>
-              <a:ext uri="{FF2B5EF4-FFF2-40B4-BE49-F238E27FC236}">
-                <a16:creationId xmlns:a16="http://schemas.microsoft.com/office/drawing/2014/main" id="{A3C84104-BF1C-A9B6-5F79-1C86806B25AC}"/>
-              </a:ext>
-            </a:extLst>
-          </p:cNvPr>
-          <p:cNvSpPr/>
-          <p:nvPr/>
-        </p:nvSpPr>
-        <p:spPr>
-          <a:xfrm>
-            <a:off x="1321462" y="4024632"/>
-            <a:ext cx="1769165" cy="745435"/>
-          </a:xfrm>
-          <a:prstGeom prst="ellipse">
-            <a:avLst/>
-          </a:prstGeom>
-        </p:spPr>
-        <p:style>
-          <a:lnRef idx="2">
-            <a:schemeClr val="accent5">
-              <a:shade val="15000"/>
-            </a:schemeClr>
-          </a:lnRef>
-          <a:fillRef idx="1">
-            <a:schemeClr val="accent5"/>
-          </a:fillRef>
-          <a:effectRef idx="0">
-            <a:schemeClr val="accent5"/>
-          </a:effectRef>
-          <a:fontRef idx="minor">
-            <a:schemeClr val="lt1"/>
-          </a:fontRef>
-        </p:style>
-        <p:txBody>
-          <a:bodyPr rtlCol="0" anchor="ctr"/>
-          <a:lstStyle/>
-          <a:p>
-            <a:pPr algn="ctr"/>
-            <a:r>
-              <a:rPr lang="en-US" dirty="0"/>
-              <a:t>Height</a:t>
-            </a:r>
-          </a:p>
-        </p:txBody>
-      </p:sp>
-      <p:sp>
-        <p:nvSpPr>
-          <p:cNvPr id="19" name="Oval 18">
-            <a:extLst>
-              <a:ext uri="{FF2B5EF4-FFF2-40B4-BE49-F238E27FC236}">
-                <a16:creationId xmlns:a16="http://schemas.microsoft.com/office/drawing/2014/main" id="{F6EA78A9-3F75-6027-97D3-E242919D6F7F}"/>
-              </a:ext>
-            </a:extLst>
-          </p:cNvPr>
-          <p:cNvSpPr/>
-          <p:nvPr/>
-        </p:nvSpPr>
-        <p:spPr>
-          <a:xfrm>
-            <a:off x="4714024" y="5147161"/>
-            <a:ext cx="844827" cy="745435"/>
-          </a:xfrm>
-          <a:prstGeom prst="ellipse">
-            <a:avLst/>
-          </a:prstGeom>
-        </p:spPr>
-        <p:style>
-          <a:lnRef idx="2">
-            <a:schemeClr val="accent1">
-              <a:shade val="15000"/>
-            </a:schemeClr>
-          </a:lnRef>
-          <a:fillRef idx="1">
-            <a:schemeClr val="accent1"/>
-          </a:fillRef>
-          <a:effectRef idx="0">
-            <a:schemeClr val="accent1"/>
-          </a:effectRef>
-          <a:fontRef idx="minor">
-            <a:schemeClr val="lt1"/>
-          </a:fontRef>
-        </p:style>
-        <p:txBody>
-          <a:bodyPr rtlCol="0" anchor="ctr"/>
-          <a:lstStyle/>
-          <a:p>
-            <a:pPr algn="ctr"/>
-            <a:endParaRPr lang="en-US" dirty="0"/>
-          </a:p>
-        </p:txBody>
-      </p:sp>
-      <p:cxnSp>
-        <p:nvCxnSpPr>
-          <p:cNvPr id="20" name="Straight Arrow Connector 19">
-            <a:extLst>
-              <a:ext uri="{FF2B5EF4-FFF2-40B4-BE49-F238E27FC236}">
-                <a16:creationId xmlns:a16="http://schemas.microsoft.com/office/drawing/2014/main" id="{1256EF03-2A83-571B-A411-DA5DE72C9049}"/>
-              </a:ext>
-            </a:extLst>
-          </p:cNvPr>
-          <p:cNvCxnSpPr>
-            <a:stCxn id="18" idx="6"/>
-            <a:endCxn id="19" idx="2"/>
-          </p:cNvCxnSpPr>
-          <p:nvPr/>
-        </p:nvCxnSpPr>
-        <p:spPr>
-          <a:xfrm>
-            <a:off x="3090627" y="4397350"/>
-            <a:ext cx="1623397" cy="1122529"/>
-          </a:xfrm>
-          <a:prstGeom prst="straightConnector1">
-            <a:avLst/>
-          </a:prstGeom>
-          <a:ln>
-            <a:tailEnd type="triangle"/>
-          </a:ln>
-        </p:spPr>
-        <p:style>
-          <a:lnRef idx="1">
-            <a:schemeClr val="accent1"/>
-          </a:lnRef>
-          <a:fillRef idx="0">
-            <a:schemeClr val="accent1"/>
-          </a:fillRef>
-          <a:effectRef idx="0">
-            <a:schemeClr val="accent1"/>
-          </a:effectRef>
-          <a:fontRef idx="minor">
-            <a:schemeClr val="tx1"/>
-          </a:fontRef>
-        </p:style>
-      </p:cxnSp>
-      <p:cxnSp>
-        <p:nvCxnSpPr>
-          <p:cNvPr id="21" name="Straight Arrow Connector 20">
-            <a:extLst>
-              <a:ext uri="{FF2B5EF4-FFF2-40B4-BE49-F238E27FC236}">
-                <a16:creationId xmlns:a16="http://schemas.microsoft.com/office/drawing/2014/main" id="{0B7CE338-4AA1-8003-DF1E-620ED5E3889A}"/>
-              </a:ext>
-            </a:extLst>
-          </p:cNvPr>
-          <p:cNvCxnSpPr>
-            <a:cxnSpLocks/>
-            <a:stCxn id="7" idx="6"/>
-            <a:endCxn id="8" idx="2"/>
-          </p:cNvCxnSpPr>
-          <p:nvPr/>
-        </p:nvCxnSpPr>
-        <p:spPr>
-          <a:xfrm flipV="1">
-            <a:off x="5554711" y="3124274"/>
-            <a:ext cx="2635129" cy="1114767"/>
-          </a:xfrm>
-          <a:prstGeom prst="straightConnector1">
-            <a:avLst/>
-          </a:prstGeom>
-          <a:ln>
-            <a:tailEnd type="triangle"/>
-          </a:ln>
-        </p:spPr>
-        <p:style>
-          <a:lnRef idx="1">
-            <a:schemeClr val="accent1"/>
-          </a:lnRef>
-          <a:fillRef idx="0">
-            <a:schemeClr val="accent1"/>
-          </a:fillRef>
-          <a:effectRef idx="0">
-            <a:schemeClr val="accent1"/>
-          </a:effectRef>
-          <a:fontRef idx="minor">
-            <a:schemeClr val="tx1"/>
-          </a:fontRef>
-        </p:style>
-      </p:cxnSp>
-      <p:cxnSp>
-        <p:nvCxnSpPr>
-          <p:cNvPr id="22" name="Straight Arrow Connector 21">
-            <a:extLst>
-              <a:ext uri="{FF2B5EF4-FFF2-40B4-BE49-F238E27FC236}">
-                <a16:creationId xmlns:a16="http://schemas.microsoft.com/office/drawing/2014/main" id="{71FF53A2-80DE-F70E-8A33-3867CF9F47EF}"/>
-              </a:ext>
-            </a:extLst>
-          </p:cNvPr>
-          <p:cNvCxnSpPr>
-            <a:cxnSpLocks/>
-            <a:stCxn id="7" idx="6"/>
-            <a:endCxn id="9" idx="2"/>
-          </p:cNvCxnSpPr>
-          <p:nvPr/>
-        </p:nvCxnSpPr>
-        <p:spPr>
-          <a:xfrm flipV="1">
-            <a:off x="5554711" y="4135717"/>
-            <a:ext cx="2665775" cy="103324"/>
-          </a:xfrm>
-          <a:prstGeom prst="straightConnector1">
-            <a:avLst/>
-          </a:prstGeom>
-          <a:ln>
-            <a:tailEnd type="triangle"/>
-          </a:ln>
-        </p:spPr>
-        <p:style>
-          <a:lnRef idx="1">
-            <a:schemeClr val="accent1"/>
-          </a:lnRef>
-          <a:fillRef idx="0">
-            <a:schemeClr val="accent1"/>
-          </a:fillRef>
-          <a:effectRef idx="0">
-            <a:schemeClr val="accent1"/>
-          </a:effectRef>
-          <a:fontRef idx="minor">
-            <a:schemeClr val="tx1"/>
-          </a:fontRef>
-        </p:style>
-      </p:cxnSp>
-      <p:cxnSp>
-        <p:nvCxnSpPr>
-          <p:cNvPr id="23" name="Straight Arrow Connector 22">
-            <a:extLst>
-              <a:ext uri="{FF2B5EF4-FFF2-40B4-BE49-F238E27FC236}">
-                <a16:creationId xmlns:a16="http://schemas.microsoft.com/office/drawing/2014/main" id="{B0A7232E-6E33-2922-941A-B4FCA023CAAC}"/>
-              </a:ext>
-            </a:extLst>
-          </p:cNvPr>
-          <p:cNvCxnSpPr>
-            <a:stCxn id="18" idx="6"/>
-            <a:endCxn id="6" idx="2"/>
-          </p:cNvCxnSpPr>
-          <p:nvPr/>
-        </p:nvCxnSpPr>
-        <p:spPr>
-          <a:xfrm flipV="1">
-            <a:off x="3090627" y="2953752"/>
-            <a:ext cx="1612235" cy="1443598"/>
-          </a:xfrm>
-          <a:prstGeom prst="straightConnector1">
-            <a:avLst/>
-          </a:prstGeom>
-          <a:ln>
-            <a:tailEnd type="triangle"/>
-          </a:ln>
-        </p:spPr>
-        <p:style>
-          <a:lnRef idx="1">
-            <a:schemeClr val="accent1"/>
-          </a:lnRef>
-          <a:fillRef idx="0">
-            <a:schemeClr val="accent1"/>
-          </a:fillRef>
-          <a:effectRef idx="0">
-            <a:schemeClr val="accent1"/>
-          </a:effectRef>
-          <a:fontRef idx="minor">
-            <a:schemeClr val="tx1"/>
-          </a:fontRef>
-        </p:style>
-      </p:cxnSp>
-      <p:cxnSp>
-        <p:nvCxnSpPr>
-          <p:cNvPr id="24" name="Straight Arrow Connector 23">
-            <a:extLst>
-              <a:ext uri="{FF2B5EF4-FFF2-40B4-BE49-F238E27FC236}">
-                <a16:creationId xmlns:a16="http://schemas.microsoft.com/office/drawing/2014/main" id="{181867C6-C1C1-E83F-7B9C-B98861490C4E}"/>
-              </a:ext>
-            </a:extLst>
-          </p:cNvPr>
-          <p:cNvCxnSpPr>
-            <a:stCxn id="5" idx="6"/>
-            <a:endCxn id="19" idx="2"/>
-          </p:cNvCxnSpPr>
-          <p:nvPr/>
-        </p:nvCxnSpPr>
-        <p:spPr>
-          <a:xfrm>
-            <a:off x="3067856" y="3062497"/>
-            <a:ext cx="1646168" cy="2457382"/>
-          </a:xfrm>
-          <a:prstGeom prst="straightConnector1">
-            <a:avLst/>
-          </a:prstGeom>
-          <a:ln>
-            <a:tailEnd type="triangle"/>
-          </a:ln>
-        </p:spPr>
-        <p:style>
-          <a:lnRef idx="1">
-            <a:schemeClr val="accent1"/>
-          </a:lnRef>
-          <a:fillRef idx="0">
-            <a:schemeClr val="accent1"/>
-          </a:fillRef>
-          <a:effectRef idx="0">
-            <a:schemeClr val="accent1"/>
-          </a:effectRef>
-          <a:fontRef idx="minor">
-            <a:schemeClr val="tx1"/>
-          </a:fontRef>
-        </p:style>
-      </p:cxnSp>
-      <p:cxnSp>
-        <p:nvCxnSpPr>
-          <p:cNvPr id="25" name="Straight Arrow Connector 24">
-            <a:extLst>
-              <a:ext uri="{FF2B5EF4-FFF2-40B4-BE49-F238E27FC236}">
-                <a16:creationId xmlns:a16="http://schemas.microsoft.com/office/drawing/2014/main" id="{CD6B4A31-3C82-2878-25C2-2DB8C2AEE967}"/>
-              </a:ext>
-            </a:extLst>
-          </p:cNvPr>
-          <p:cNvCxnSpPr>
-            <a:stCxn id="18" idx="6"/>
-            <a:endCxn id="7" idx="2"/>
-          </p:cNvCxnSpPr>
-          <p:nvPr/>
-        </p:nvCxnSpPr>
-        <p:spPr>
-          <a:xfrm flipV="1">
-            <a:off x="3090627" y="4239041"/>
-            <a:ext cx="1619257" cy="158309"/>
-          </a:xfrm>
-          <a:prstGeom prst="straightConnector1">
-            <a:avLst/>
-          </a:prstGeom>
-          <a:ln>
-            <a:tailEnd type="triangle"/>
-          </a:ln>
-        </p:spPr>
-        <p:style>
-          <a:lnRef idx="1">
-            <a:schemeClr val="accent1"/>
-          </a:lnRef>
-          <a:fillRef idx="0">
-            <a:schemeClr val="accent1"/>
-          </a:fillRef>
-          <a:effectRef idx="0">
-            <a:schemeClr val="accent1"/>
-          </a:effectRef>
-          <a:fontRef idx="minor">
-            <a:schemeClr val="tx1"/>
-          </a:fontRef>
-        </p:style>
-      </p:cxnSp>
-      <p:sp>
-        <p:nvSpPr>
-          <p:cNvPr id="29" name="Oval 28">
-            <a:extLst>
-              <a:ext uri="{FF2B5EF4-FFF2-40B4-BE49-F238E27FC236}">
-                <a16:creationId xmlns:a16="http://schemas.microsoft.com/office/drawing/2014/main" id="{C9083F45-7DF7-62E6-675C-0A52B595E707}"/>
-              </a:ext>
-            </a:extLst>
-          </p:cNvPr>
-          <p:cNvSpPr/>
-          <p:nvPr/>
-        </p:nvSpPr>
-        <p:spPr>
-          <a:xfrm>
-            <a:off x="1330979" y="5201176"/>
-            <a:ext cx="1769165" cy="745435"/>
-          </a:xfrm>
-          <a:prstGeom prst="ellipse">
-            <a:avLst/>
-          </a:prstGeom>
-        </p:spPr>
-        <p:style>
-          <a:lnRef idx="2">
-            <a:schemeClr val="accent5">
-              <a:shade val="15000"/>
-            </a:schemeClr>
-          </a:lnRef>
-          <a:fillRef idx="1">
-            <a:schemeClr val="accent5"/>
-          </a:fillRef>
-          <a:effectRef idx="0">
-            <a:schemeClr val="accent5"/>
-          </a:effectRef>
-          <a:fontRef idx="minor">
-            <a:schemeClr val="lt1"/>
-          </a:fontRef>
-        </p:style>
-        <p:txBody>
-          <a:bodyPr rtlCol="0" anchor="ctr"/>
-          <a:lstStyle/>
-          <a:p>
-            <a:pPr algn="ctr"/>
-            <a:r>
-              <a:rPr lang="en-US" dirty="0"/>
-              <a:t>Gender</a:t>
-            </a:r>
-          </a:p>
-        </p:txBody>
-      </p:sp>
-      <p:cxnSp>
-        <p:nvCxnSpPr>
-          <p:cNvPr id="58" name="Straight Arrow Connector 57">
-            <a:extLst>
-              <a:ext uri="{FF2B5EF4-FFF2-40B4-BE49-F238E27FC236}">
-                <a16:creationId xmlns:a16="http://schemas.microsoft.com/office/drawing/2014/main" id="{57D4B414-6F2B-21C8-B3E5-9057503D4501}"/>
-              </a:ext>
-            </a:extLst>
-          </p:cNvPr>
-          <p:cNvCxnSpPr>
-            <a:cxnSpLocks/>
-            <a:stCxn id="29" idx="6"/>
-            <a:endCxn id="6" idx="2"/>
-          </p:cNvCxnSpPr>
-          <p:nvPr/>
-        </p:nvCxnSpPr>
-        <p:spPr>
-          <a:xfrm flipV="1">
-            <a:off x="3100144" y="2953752"/>
-            <a:ext cx="1602718" cy="2620142"/>
-          </a:xfrm>
-          <a:prstGeom prst="straightConnector1">
-            <a:avLst/>
-          </a:prstGeom>
-          <a:ln>
-            <a:tailEnd type="triangle"/>
-          </a:ln>
-        </p:spPr>
-        <p:style>
-          <a:lnRef idx="1">
-            <a:schemeClr val="accent1"/>
-          </a:lnRef>
-          <a:fillRef idx="0">
-            <a:schemeClr val="accent1"/>
-          </a:fillRef>
-          <a:effectRef idx="0">
-            <a:schemeClr val="accent1"/>
-          </a:effectRef>
-          <a:fontRef idx="minor">
-            <a:schemeClr val="tx1"/>
-          </a:fontRef>
-        </p:style>
-      </p:cxnSp>
-      <p:cxnSp>
-        <p:nvCxnSpPr>
-          <p:cNvPr id="61" name="Straight Arrow Connector 60">
-            <a:extLst>
-              <a:ext uri="{FF2B5EF4-FFF2-40B4-BE49-F238E27FC236}">
-                <a16:creationId xmlns:a16="http://schemas.microsoft.com/office/drawing/2014/main" id="{8E3F962A-5E95-D9BC-DFF9-60CDF11B5F75}"/>
-              </a:ext>
-            </a:extLst>
-          </p:cNvPr>
-          <p:cNvCxnSpPr>
-            <a:stCxn id="29" idx="6"/>
-            <a:endCxn id="7" idx="2"/>
-          </p:cNvCxnSpPr>
-          <p:nvPr/>
-        </p:nvCxnSpPr>
-        <p:spPr>
-          <a:xfrm flipV="1">
-            <a:off x="3100144" y="4239041"/>
-            <a:ext cx="1609740" cy="1334853"/>
-          </a:xfrm>
-          <a:prstGeom prst="straightConnector1">
-            <a:avLst/>
-          </a:prstGeom>
-          <a:ln>
-            <a:tailEnd type="triangle"/>
-          </a:ln>
-        </p:spPr>
-        <p:style>
-          <a:lnRef idx="1">
-            <a:schemeClr val="accent1"/>
-          </a:lnRef>
-          <a:fillRef idx="0">
-            <a:schemeClr val="accent1"/>
-          </a:fillRef>
-          <a:effectRef idx="0">
-            <a:schemeClr val="accent1"/>
-          </a:effectRef>
-          <a:fontRef idx="minor">
-            <a:schemeClr val="tx1"/>
-          </a:fontRef>
-        </p:style>
-      </p:cxnSp>
-      <p:cxnSp>
-        <p:nvCxnSpPr>
-          <p:cNvPr id="63" name="Straight Arrow Connector 62">
-            <a:extLst>
-              <a:ext uri="{FF2B5EF4-FFF2-40B4-BE49-F238E27FC236}">
-                <a16:creationId xmlns:a16="http://schemas.microsoft.com/office/drawing/2014/main" id="{DE699506-CF49-BAA3-7F17-A965466F4830}"/>
-              </a:ext>
-            </a:extLst>
-          </p:cNvPr>
-          <p:cNvCxnSpPr>
-            <a:stCxn id="29" idx="6"/>
-            <a:endCxn id="19" idx="2"/>
-          </p:cNvCxnSpPr>
-          <p:nvPr/>
-        </p:nvCxnSpPr>
-        <p:spPr>
-          <a:xfrm flipV="1">
-            <a:off x="3100144" y="5519879"/>
-            <a:ext cx="1613880" cy="54015"/>
-          </a:xfrm>
-          <a:prstGeom prst="straightConnector1">
-            <a:avLst/>
-          </a:prstGeom>
-          <a:ln>
-            <a:tailEnd type="triangle"/>
-          </a:ln>
-        </p:spPr>
-        <p:style>
-          <a:lnRef idx="1">
-            <a:schemeClr val="accent1"/>
-          </a:lnRef>
-          <a:fillRef idx="0">
-            <a:schemeClr val="accent1"/>
-          </a:fillRef>
-          <a:effectRef idx="0">
-            <a:schemeClr val="accent1"/>
-          </a:effectRef>
-          <a:fontRef idx="minor">
-            <a:schemeClr val="tx1"/>
-          </a:fontRef>
-        </p:style>
-      </p:cxnSp>
-      <p:sp>
-        <p:nvSpPr>
-          <p:cNvPr id="64" name="Oval 63">
-            <a:extLst>
-              <a:ext uri="{FF2B5EF4-FFF2-40B4-BE49-F238E27FC236}">
-                <a16:creationId xmlns:a16="http://schemas.microsoft.com/office/drawing/2014/main" id="{3D3FF444-91AB-4C49-2C02-AC4FB512143F}"/>
-              </a:ext>
-            </a:extLst>
-          </p:cNvPr>
-          <p:cNvSpPr/>
-          <p:nvPr/>
-        </p:nvSpPr>
-        <p:spPr>
-          <a:xfrm>
-            <a:off x="8281816" y="4759287"/>
-            <a:ext cx="1620081" cy="745435"/>
-          </a:xfrm>
-          <a:prstGeom prst="ellipse">
-            <a:avLst/>
-          </a:prstGeom>
-        </p:spPr>
-        <p:style>
-          <a:lnRef idx="2">
-            <a:schemeClr val="accent1">
-              <a:shade val="15000"/>
-            </a:schemeClr>
-          </a:lnRef>
-          <a:fillRef idx="1">
-            <a:schemeClr val="accent1"/>
-          </a:fillRef>
-          <a:effectRef idx="0">
-            <a:schemeClr val="accent1"/>
-          </a:effectRef>
-          <a:fontRef idx="minor">
-            <a:schemeClr val="lt1"/>
-          </a:fontRef>
-        </p:style>
-        <p:txBody>
-          <a:bodyPr rtlCol="0" anchor="ctr"/>
-          <a:lstStyle/>
-          <a:p>
-            <a:pPr algn="ctr"/>
-            <a:r>
-              <a:rPr lang="en-US" dirty="0"/>
-              <a:t>Age Grp3</a:t>
-            </a:r>
-          </a:p>
-        </p:txBody>
-      </p:sp>
-      <p:sp>
-        <p:nvSpPr>
-          <p:cNvPr id="68" name="Oval 67">
-            <a:extLst>
-              <a:ext uri="{FF2B5EF4-FFF2-40B4-BE49-F238E27FC236}">
-                <a16:creationId xmlns:a16="http://schemas.microsoft.com/office/drawing/2014/main" id="{7749938B-F58E-80EF-E9B2-C24683EA4E2F}"/>
-              </a:ext>
-            </a:extLst>
-          </p:cNvPr>
-          <p:cNvSpPr/>
-          <p:nvPr/>
-        </p:nvSpPr>
-        <p:spPr>
-          <a:xfrm>
-            <a:off x="8281816" y="5773349"/>
-            <a:ext cx="1620081" cy="745435"/>
-          </a:xfrm>
-          <a:prstGeom prst="ellipse">
-            <a:avLst/>
-          </a:prstGeom>
-        </p:spPr>
-        <p:style>
-          <a:lnRef idx="2">
-            <a:schemeClr val="accent1">
-              <a:shade val="15000"/>
-            </a:schemeClr>
-          </a:lnRef>
-          <a:fillRef idx="1">
-            <a:schemeClr val="accent1"/>
-          </a:fillRef>
-          <a:effectRef idx="0">
-            <a:schemeClr val="accent1"/>
-          </a:effectRef>
-          <a:fontRef idx="minor">
-            <a:schemeClr val="lt1"/>
-          </a:fontRef>
-        </p:style>
-        <p:txBody>
-          <a:bodyPr rtlCol="0" anchor="ctr"/>
-          <a:lstStyle/>
-          <a:p>
-            <a:pPr algn="ctr"/>
-            <a:r>
-              <a:rPr lang="en-US" dirty="0"/>
-              <a:t>Age Grp4</a:t>
-            </a:r>
-          </a:p>
-        </p:txBody>
-      </p:sp>
-      <p:cxnSp>
-        <p:nvCxnSpPr>
-          <p:cNvPr id="73" name="Straight Arrow Connector 72">
-            <a:extLst>
-              <a:ext uri="{FF2B5EF4-FFF2-40B4-BE49-F238E27FC236}">
-                <a16:creationId xmlns:a16="http://schemas.microsoft.com/office/drawing/2014/main" id="{E83CC8DE-C404-CC14-CBEB-8DB744046AB3}"/>
-              </a:ext>
-            </a:extLst>
-          </p:cNvPr>
-          <p:cNvCxnSpPr>
-            <a:cxnSpLocks/>
-            <a:stCxn id="6" idx="6"/>
-            <a:endCxn id="64" idx="2"/>
-          </p:cNvCxnSpPr>
-          <p:nvPr/>
-        </p:nvCxnSpPr>
-        <p:spPr>
-          <a:xfrm>
-            <a:off x="5547689" y="2953752"/>
-            <a:ext cx="2734127" cy="2178253"/>
-          </a:xfrm>
-          <a:prstGeom prst="straightConnector1">
-            <a:avLst/>
-          </a:prstGeom>
-          <a:ln>
-            <a:tailEnd type="triangle"/>
-          </a:ln>
-        </p:spPr>
-        <p:style>
-          <a:lnRef idx="1">
-            <a:schemeClr val="accent1"/>
-          </a:lnRef>
-          <a:fillRef idx="0">
-            <a:schemeClr val="accent1"/>
-          </a:fillRef>
-          <a:effectRef idx="0">
-            <a:schemeClr val="accent1"/>
-          </a:effectRef>
-          <a:fontRef idx="minor">
-            <a:schemeClr val="tx1"/>
-          </a:fontRef>
-        </p:style>
-      </p:cxnSp>
-      <p:cxnSp>
-        <p:nvCxnSpPr>
-          <p:cNvPr id="76" name="Straight Arrow Connector 75">
-            <a:extLst>
-              <a:ext uri="{FF2B5EF4-FFF2-40B4-BE49-F238E27FC236}">
-                <a16:creationId xmlns:a16="http://schemas.microsoft.com/office/drawing/2014/main" id="{716B1740-0A3D-B93F-7B7C-0A30933447FF}"/>
-              </a:ext>
-            </a:extLst>
-          </p:cNvPr>
-          <p:cNvCxnSpPr>
-            <a:cxnSpLocks/>
-            <a:stCxn id="6" idx="6"/>
-            <a:endCxn id="68" idx="2"/>
-          </p:cNvCxnSpPr>
-          <p:nvPr/>
-        </p:nvCxnSpPr>
-        <p:spPr>
-          <a:xfrm>
-            <a:off x="5547689" y="2953752"/>
-            <a:ext cx="2734127" cy="3192315"/>
-          </a:xfrm>
-          <a:prstGeom prst="straightConnector1">
-            <a:avLst/>
-          </a:prstGeom>
-          <a:ln>
-            <a:tailEnd type="triangle"/>
-          </a:ln>
-        </p:spPr>
-        <p:style>
-          <a:lnRef idx="1">
-            <a:schemeClr val="accent1"/>
-          </a:lnRef>
-          <a:fillRef idx="0">
-            <a:schemeClr val="accent1"/>
-          </a:fillRef>
-          <a:effectRef idx="0">
-            <a:schemeClr val="accent1"/>
-          </a:effectRef>
-          <a:fontRef idx="minor">
-            <a:schemeClr val="tx1"/>
-          </a:fontRef>
-        </p:style>
-      </p:cxnSp>
-      <p:cxnSp>
-        <p:nvCxnSpPr>
-          <p:cNvPr id="79" name="Straight Arrow Connector 78">
-            <a:extLst>
-              <a:ext uri="{FF2B5EF4-FFF2-40B4-BE49-F238E27FC236}">
-                <a16:creationId xmlns:a16="http://schemas.microsoft.com/office/drawing/2014/main" id="{C3248468-26F1-45CF-7222-8879AFE418C9}"/>
-              </a:ext>
-            </a:extLst>
-          </p:cNvPr>
-          <p:cNvCxnSpPr>
-            <a:stCxn id="7" idx="6"/>
-            <a:endCxn id="64" idx="2"/>
-          </p:cNvCxnSpPr>
-          <p:nvPr/>
-        </p:nvCxnSpPr>
-        <p:spPr>
-          <a:xfrm>
-            <a:off x="5554711" y="4239041"/>
-            <a:ext cx="2727105" cy="892964"/>
-          </a:xfrm>
-          <a:prstGeom prst="straightConnector1">
-            <a:avLst/>
-          </a:prstGeom>
-          <a:ln>
-            <a:tailEnd type="triangle"/>
-          </a:ln>
-        </p:spPr>
-        <p:style>
-          <a:lnRef idx="1">
-            <a:schemeClr val="accent1"/>
-          </a:lnRef>
-          <a:fillRef idx="0">
-            <a:schemeClr val="accent1"/>
-          </a:fillRef>
-          <a:effectRef idx="0">
-            <a:schemeClr val="accent1"/>
-          </a:effectRef>
-          <a:fontRef idx="minor">
-            <a:schemeClr val="tx1"/>
-          </a:fontRef>
-        </p:style>
-      </p:cxnSp>
-      <p:cxnSp>
-        <p:nvCxnSpPr>
-          <p:cNvPr id="81" name="Straight Arrow Connector 80">
-            <a:extLst>
-              <a:ext uri="{FF2B5EF4-FFF2-40B4-BE49-F238E27FC236}">
-                <a16:creationId xmlns:a16="http://schemas.microsoft.com/office/drawing/2014/main" id="{F9A2F7A3-53F4-4DFA-A48B-5C99BB4A2139}"/>
-              </a:ext>
-            </a:extLst>
-          </p:cNvPr>
-          <p:cNvCxnSpPr>
-            <a:stCxn id="7" idx="6"/>
-            <a:endCxn id="68" idx="2"/>
-          </p:cNvCxnSpPr>
-          <p:nvPr/>
-        </p:nvCxnSpPr>
-        <p:spPr>
-          <a:xfrm>
-            <a:off x="5554711" y="4239041"/>
-            <a:ext cx="2727105" cy="1907026"/>
-          </a:xfrm>
-          <a:prstGeom prst="straightConnector1">
-            <a:avLst/>
-          </a:prstGeom>
-          <a:ln>
-            <a:tailEnd type="triangle"/>
-          </a:ln>
-        </p:spPr>
-        <p:style>
-          <a:lnRef idx="1">
-            <a:schemeClr val="accent1"/>
-          </a:lnRef>
-          <a:fillRef idx="0">
-            <a:schemeClr val="accent1"/>
-          </a:fillRef>
-          <a:effectRef idx="0">
-            <a:schemeClr val="accent1"/>
-          </a:effectRef>
-          <a:fontRef idx="minor">
-            <a:schemeClr val="tx1"/>
-          </a:fontRef>
-        </p:style>
-      </p:cxnSp>
-      <p:cxnSp>
-        <p:nvCxnSpPr>
-          <p:cNvPr id="83" name="Straight Arrow Connector 82">
-            <a:extLst>
-              <a:ext uri="{FF2B5EF4-FFF2-40B4-BE49-F238E27FC236}">
-                <a16:creationId xmlns:a16="http://schemas.microsoft.com/office/drawing/2014/main" id="{E178B251-0EE9-797F-B06A-336D84DC45D3}"/>
-              </a:ext>
-            </a:extLst>
-          </p:cNvPr>
-          <p:cNvCxnSpPr>
-            <a:stCxn id="19" idx="6"/>
-            <a:endCxn id="64" idx="2"/>
-          </p:cNvCxnSpPr>
-          <p:nvPr/>
-        </p:nvCxnSpPr>
-        <p:spPr>
-          <a:xfrm flipV="1">
-            <a:off x="5558851" y="5132005"/>
-            <a:ext cx="2722965" cy="387874"/>
-          </a:xfrm>
-          <a:prstGeom prst="straightConnector1">
-            <a:avLst/>
-          </a:prstGeom>
-          <a:ln>
-            <a:tailEnd type="triangle"/>
-          </a:ln>
-        </p:spPr>
-        <p:style>
-          <a:lnRef idx="1">
-            <a:schemeClr val="accent1"/>
-          </a:lnRef>
-          <a:fillRef idx="0">
-            <a:schemeClr val="accent1"/>
-          </a:fillRef>
-          <a:effectRef idx="0">
-            <a:schemeClr val="accent1"/>
-          </a:effectRef>
-          <a:fontRef idx="minor">
-            <a:schemeClr val="tx1"/>
-          </a:fontRef>
-        </p:style>
-      </p:cxnSp>
-      <p:cxnSp>
-        <p:nvCxnSpPr>
-          <p:cNvPr id="85" name="Straight Arrow Connector 84">
-            <a:extLst>
-              <a:ext uri="{FF2B5EF4-FFF2-40B4-BE49-F238E27FC236}">
-                <a16:creationId xmlns:a16="http://schemas.microsoft.com/office/drawing/2014/main" id="{F8A4DF1E-203C-8C23-9229-C8A30C7AEB7D}"/>
-              </a:ext>
-            </a:extLst>
-          </p:cNvPr>
-          <p:cNvCxnSpPr>
-            <a:stCxn id="19" idx="6"/>
-            <a:endCxn id="68" idx="2"/>
-          </p:cNvCxnSpPr>
-          <p:nvPr/>
-        </p:nvCxnSpPr>
-        <p:spPr>
-          <a:xfrm>
-            <a:off x="5558851" y="5519879"/>
-            <a:ext cx="2722965" cy="626188"/>
-          </a:xfrm>
-          <a:prstGeom prst="straightConnector1">
-            <a:avLst/>
-          </a:prstGeom>
-          <a:ln>
-            <a:tailEnd type="triangle"/>
-          </a:ln>
-        </p:spPr>
-        <p:style>
-          <a:lnRef idx="1">
-            <a:schemeClr val="accent1"/>
-          </a:lnRef>
-          <a:fillRef idx="0">
-            <a:schemeClr val="accent1"/>
-          </a:fillRef>
-          <a:effectRef idx="0">
-            <a:schemeClr val="accent1"/>
-          </a:effectRef>
-          <a:fontRef idx="minor">
-            <a:schemeClr val="tx1"/>
-          </a:fontRef>
-        </p:style>
-      </p:cxnSp>
-    </p:spTree>
-    <p:extLst>
-      <p:ext uri="{BB962C8B-B14F-4D97-AF65-F5344CB8AC3E}">
-        <p14:creationId xmlns:p14="http://schemas.microsoft.com/office/powerpoint/2010/main" val="4175192429"/>
-      </p:ext>
-    </p:extLst>
-  </p:cSld>
-  <p:clrMapOvr>
-    <a:masterClrMapping/>
-  </p:clrMapOvr>
-</p:sld>
-</file>
-
 <file path=ppt/slides/slide29.xml><?xml version="1.0" encoding="utf-8"?>
 <p:sld xmlns:a="http://schemas.openxmlformats.org/drawingml/2006/main" xmlns:r="http://schemas.openxmlformats.org/officeDocument/2006/relationships" xmlns:p="http://schemas.openxmlformats.org/presentationml/2006/main">
   <p:cSld>
@@ -12658,7 +11337,7 @@
           <p:cNvPr id="2" name="Title 1">
             <a:extLst>
               <a:ext uri="{FF2B5EF4-FFF2-40B4-BE49-F238E27FC236}">
-                <a16:creationId xmlns:a16="http://schemas.microsoft.com/office/drawing/2014/main" id="{289AA22B-5900-746A-C4D4-F46F14C1B546}"/>
+                <a16:creationId xmlns:a16="http://schemas.microsoft.com/office/drawing/2014/main" id="{A28EF932-EB0E-DE97-D25F-B3FABD13B344}"/>
               </a:ext>
             </a:extLst>
           </p:cNvPr>
@@ -12676,58 +11355,1457 @@
           <a:p>
             <a:r>
               <a:rPr lang="en-US" dirty="0"/>
-              <a:t>Max Pool Layer</a:t>
-            </a:r>
-          </a:p>
-        </p:txBody>
-      </p:sp>
-      <p:sp>
-        <p:nvSpPr>
-          <p:cNvPr id="3" name="Content Placeholder 2">
-            <a:extLst>
-              <a:ext uri="{FF2B5EF4-FFF2-40B4-BE49-F238E27FC236}">
-                <a16:creationId xmlns:a16="http://schemas.microsoft.com/office/drawing/2014/main" id="{42816BB4-0471-2374-B799-BC38D2A1E376}"/>
-              </a:ext>
-            </a:extLst>
-          </p:cNvPr>
-          <p:cNvSpPr>
-            <a:spLocks noGrp="1"/>
-          </p:cNvSpPr>
-          <p:nvPr>
-            <p:ph idx="1"/>
-          </p:nvPr>
-        </p:nvSpPr>
-        <p:spPr/>
-        <p:txBody>
-          <a:bodyPr/>
-          <a:lstStyle/>
-          <a:p>
+              <a:t>Categorizing Age groups</a:t>
+            </a:r>
+          </a:p>
+        </p:txBody>
+      </p:sp>
+      <p:sp>
+        <p:nvSpPr>
+          <p:cNvPr id="5" name="Oval 4">
+            <a:extLst>
+              <a:ext uri="{FF2B5EF4-FFF2-40B4-BE49-F238E27FC236}">
+                <a16:creationId xmlns:a16="http://schemas.microsoft.com/office/drawing/2014/main" id="{A6CA453F-66A9-3A54-E573-81751D62EFE0}"/>
+              </a:ext>
+            </a:extLst>
+          </p:cNvPr>
+          <p:cNvSpPr/>
+          <p:nvPr/>
+        </p:nvSpPr>
+        <p:spPr>
+          <a:xfrm>
+            <a:off x="1298691" y="2689779"/>
+            <a:ext cx="1769165" cy="745435"/>
+          </a:xfrm>
+          <a:prstGeom prst="ellipse">
+            <a:avLst/>
+          </a:prstGeom>
+        </p:spPr>
+        <p:style>
+          <a:lnRef idx="2">
+            <a:schemeClr val="accent5">
+              <a:shade val="15000"/>
+            </a:schemeClr>
+          </a:lnRef>
+          <a:fillRef idx="1">
+            <a:schemeClr val="accent5"/>
+          </a:fillRef>
+          <a:effectRef idx="0">
+            <a:schemeClr val="accent5"/>
+          </a:effectRef>
+          <a:fontRef idx="minor">
+            <a:schemeClr val="lt1"/>
+          </a:fontRef>
+        </p:style>
+        <p:txBody>
+          <a:bodyPr rtlCol="0" anchor="ctr"/>
+          <a:lstStyle/>
+          <a:p>
+            <a:pPr algn="ctr"/>
             <a:r>
               <a:rPr lang="en-US" dirty="0"/>
-              <a:t>A Pool layer will collapse the input according to the pooling algorithm.</a:t>
-            </a:r>
-          </a:p>
-          <a:p>
+              <a:t>Weight</a:t>
+            </a:r>
+          </a:p>
+        </p:txBody>
+      </p:sp>
+      <p:sp>
+        <p:nvSpPr>
+          <p:cNvPr id="6" name="Oval 5">
+            <a:extLst>
+              <a:ext uri="{FF2B5EF4-FFF2-40B4-BE49-F238E27FC236}">
+                <a16:creationId xmlns:a16="http://schemas.microsoft.com/office/drawing/2014/main" id="{AD03C6AF-2EAB-C5E0-A8EB-AA64B75964C4}"/>
+              </a:ext>
+            </a:extLst>
+          </p:cNvPr>
+          <p:cNvSpPr/>
+          <p:nvPr/>
+        </p:nvSpPr>
+        <p:spPr>
+          <a:xfrm>
+            <a:off x="4702862" y="2581034"/>
+            <a:ext cx="844827" cy="745435"/>
+          </a:xfrm>
+          <a:prstGeom prst="ellipse">
+            <a:avLst/>
+          </a:prstGeom>
+        </p:spPr>
+        <p:style>
+          <a:lnRef idx="2">
+            <a:schemeClr val="accent1">
+              <a:shade val="15000"/>
+            </a:schemeClr>
+          </a:lnRef>
+          <a:fillRef idx="1">
+            <a:schemeClr val="accent1"/>
+          </a:fillRef>
+          <a:effectRef idx="0">
+            <a:schemeClr val="accent1"/>
+          </a:effectRef>
+          <a:fontRef idx="minor">
+            <a:schemeClr val="lt1"/>
+          </a:fontRef>
+        </p:style>
+        <p:txBody>
+          <a:bodyPr rtlCol="0" anchor="ctr"/>
+          <a:lstStyle/>
+          <a:p>
+            <a:pPr algn="ctr"/>
+            <a:endParaRPr lang="en-US" dirty="0"/>
+          </a:p>
+        </p:txBody>
+      </p:sp>
+      <p:sp>
+        <p:nvSpPr>
+          <p:cNvPr id="7" name="Oval 6">
+            <a:extLst>
+              <a:ext uri="{FF2B5EF4-FFF2-40B4-BE49-F238E27FC236}">
+                <a16:creationId xmlns:a16="http://schemas.microsoft.com/office/drawing/2014/main" id="{23180C21-BE91-86E8-61A3-6F8815FEB178}"/>
+              </a:ext>
+            </a:extLst>
+          </p:cNvPr>
+          <p:cNvSpPr/>
+          <p:nvPr/>
+        </p:nvSpPr>
+        <p:spPr>
+          <a:xfrm>
+            <a:off x="4709884" y="3866323"/>
+            <a:ext cx="844827" cy="745435"/>
+          </a:xfrm>
+          <a:prstGeom prst="ellipse">
+            <a:avLst/>
+          </a:prstGeom>
+        </p:spPr>
+        <p:style>
+          <a:lnRef idx="2">
+            <a:schemeClr val="accent1">
+              <a:shade val="15000"/>
+            </a:schemeClr>
+          </a:lnRef>
+          <a:fillRef idx="1">
+            <a:schemeClr val="accent1"/>
+          </a:fillRef>
+          <a:effectRef idx="0">
+            <a:schemeClr val="accent1"/>
+          </a:effectRef>
+          <a:fontRef idx="minor">
+            <a:schemeClr val="lt1"/>
+          </a:fontRef>
+        </p:style>
+        <p:txBody>
+          <a:bodyPr rtlCol="0" anchor="ctr"/>
+          <a:lstStyle/>
+          <a:p>
+            <a:pPr algn="ctr"/>
+            <a:endParaRPr lang="en-US" dirty="0"/>
+          </a:p>
+        </p:txBody>
+      </p:sp>
+      <p:sp>
+        <p:nvSpPr>
+          <p:cNvPr id="8" name="Oval 7">
+            <a:extLst>
+              <a:ext uri="{FF2B5EF4-FFF2-40B4-BE49-F238E27FC236}">
+                <a16:creationId xmlns:a16="http://schemas.microsoft.com/office/drawing/2014/main" id="{E7F55B46-2259-AABB-D4BF-FBEF07D780E8}"/>
+              </a:ext>
+            </a:extLst>
+          </p:cNvPr>
+          <p:cNvSpPr/>
+          <p:nvPr/>
+        </p:nvSpPr>
+        <p:spPr>
+          <a:xfrm>
+            <a:off x="8189840" y="2751556"/>
+            <a:ext cx="1620081" cy="745435"/>
+          </a:xfrm>
+          <a:prstGeom prst="ellipse">
+            <a:avLst/>
+          </a:prstGeom>
+        </p:spPr>
+        <p:style>
+          <a:lnRef idx="2">
+            <a:schemeClr val="accent1">
+              <a:shade val="15000"/>
+            </a:schemeClr>
+          </a:lnRef>
+          <a:fillRef idx="1">
+            <a:schemeClr val="accent1"/>
+          </a:fillRef>
+          <a:effectRef idx="0">
+            <a:schemeClr val="accent1"/>
+          </a:effectRef>
+          <a:fontRef idx="minor">
+            <a:schemeClr val="lt1"/>
+          </a:fontRef>
+        </p:style>
+        <p:txBody>
+          <a:bodyPr rtlCol="0" anchor="ctr"/>
+          <a:lstStyle/>
+          <a:p>
+            <a:pPr algn="ctr"/>
             <a:r>
               <a:rPr lang="en-US" dirty="0"/>
-              <a:t>This forces the neurons in the lower layers to only look at the inputs which are significant and the network will only look at those highlighted inputs while ignoring all other inputs.</a:t>
-            </a:r>
-          </a:p>
-          <a:p>
+              <a:t>Age Grp1</a:t>
+            </a:r>
+          </a:p>
+        </p:txBody>
+      </p:sp>
+      <p:sp>
+        <p:nvSpPr>
+          <p:cNvPr id="9" name="Oval 8">
+            <a:extLst>
+              <a:ext uri="{FF2B5EF4-FFF2-40B4-BE49-F238E27FC236}">
+                <a16:creationId xmlns:a16="http://schemas.microsoft.com/office/drawing/2014/main" id="{F4F90FC8-14A8-ECFE-D9A9-66B17D7EA547}"/>
+              </a:ext>
+            </a:extLst>
+          </p:cNvPr>
+          <p:cNvSpPr/>
+          <p:nvPr/>
+        </p:nvSpPr>
+        <p:spPr>
+          <a:xfrm>
+            <a:off x="8220486" y="3762999"/>
+            <a:ext cx="1620081" cy="745435"/>
+          </a:xfrm>
+          <a:prstGeom prst="ellipse">
+            <a:avLst/>
+          </a:prstGeom>
+        </p:spPr>
+        <p:style>
+          <a:lnRef idx="2">
+            <a:schemeClr val="accent1">
+              <a:shade val="15000"/>
+            </a:schemeClr>
+          </a:lnRef>
+          <a:fillRef idx="1">
+            <a:schemeClr val="accent1"/>
+          </a:fillRef>
+          <a:effectRef idx="0">
+            <a:schemeClr val="accent1"/>
+          </a:effectRef>
+          <a:fontRef idx="minor">
+            <a:schemeClr val="lt1"/>
+          </a:fontRef>
+        </p:style>
+        <p:txBody>
+          <a:bodyPr rtlCol="0" anchor="ctr"/>
+          <a:lstStyle/>
+          <a:p>
+            <a:pPr algn="ctr"/>
             <a:r>
               <a:rPr lang="en-US" dirty="0"/>
-              <a:t>We will use a MAX pool layer which will highlight the maximum input in a pool. The rest of the inputs will be set to 0 so that the neural network will try to ignore them.</a:t>
-            </a:r>
-          </a:p>
-          <a:p>
+              <a:t>Age Grp2</a:t>
+            </a:r>
+          </a:p>
+        </p:txBody>
+      </p:sp>
+      <p:cxnSp>
+        <p:nvCxnSpPr>
+          <p:cNvPr id="10" name="Straight Arrow Connector 9">
+            <a:extLst>
+              <a:ext uri="{FF2B5EF4-FFF2-40B4-BE49-F238E27FC236}">
+                <a16:creationId xmlns:a16="http://schemas.microsoft.com/office/drawing/2014/main" id="{F9883ED4-AB35-B560-F863-98904CA6A7F9}"/>
+              </a:ext>
+            </a:extLst>
+          </p:cNvPr>
+          <p:cNvCxnSpPr>
+            <a:stCxn id="5" idx="6"/>
+            <a:endCxn id="6" idx="2"/>
+          </p:cNvCxnSpPr>
+          <p:nvPr/>
+        </p:nvCxnSpPr>
+        <p:spPr>
+          <a:xfrm flipV="1">
+            <a:off x="3067856" y="2953752"/>
+            <a:ext cx="1635006" cy="108745"/>
+          </a:xfrm>
+          <a:prstGeom prst="straightConnector1">
+            <a:avLst/>
+          </a:prstGeom>
+          <a:ln>
+            <a:tailEnd type="triangle"/>
+          </a:ln>
+        </p:spPr>
+        <p:style>
+          <a:lnRef idx="1">
+            <a:schemeClr val="accent1"/>
+          </a:lnRef>
+          <a:fillRef idx="0">
+            <a:schemeClr val="accent1"/>
+          </a:fillRef>
+          <a:effectRef idx="0">
+            <a:schemeClr val="accent1"/>
+          </a:effectRef>
+          <a:fontRef idx="minor">
+            <a:schemeClr val="tx1"/>
+          </a:fontRef>
+        </p:style>
+      </p:cxnSp>
+      <p:cxnSp>
+        <p:nvCxnSpPr>
+          <p:cNvPr id="11" name="Straight Arrow Connector 10">
+            <a:extLst>
+              <a:ext uri="{FF2B5EF4-FFF2-40B4-BE49-F238E27FC236}">
+                <a16:creationId xmlns:a16="http://schemas.microsoft.com/office/drawing/2014/main" id="{FCC874CA-EA9A-9311-AC1D-0FF1EA4A9BFD}"/>
+              </a:ext>
+            </a:extLst>
+          </p:cNvPr>
+          <p:cNvCxnSpPr>
+            <a:cxnSpLocks/>
+            <a:stCxn id="6" idx="6"/>
+            <a:endCxn id="8" idx="2"/>
+          </p:cNvCxnSpPr>
+          <p:nvPr/>
+        </p:nvCxnSpPr>
+        <p:spPr>
+          <a:xfrm>
+            <a:off x="5547689" y="2953752"/>
+            <a:ext cx="2642151" cy="170522"/>
+          </a:xfrm>
+          <a:prstGeom prst="straightConnector1">
+            <a:avLst/>
+          </a:prstGeom>
+          <a:ln>
+            <a:tailEnd type="triangle"/>
+          </a:ln>
+        </p:spPr>
+        <p:style>
+          <a:lnRef idx="1">
+            <a:schemeClr val="accent1"/>
+          </a:lnRef>
+          <a:fillRef idx="0">
+            <a:schemeClr val="accent1"/>
+          </a:fillRef>
+          <a:effectRef idx="0">
+            <a:schemeClr val="accent1"/>
+          </a:effectRef>
+          <a:fontRef idx="minor">
+            <a:schemeClr val="tx1"/>
+          </a:fontRef>
+        </p:style>
+      </p:cxnSp>
+      <p:cxnSp>
+        <p:nvCxnSpPr>
+          <p:cNvPr id="12" name="Straight Arrow Connector 11">
+            <a:extLst>
+              <a:ext uri="{FF2B5EF4-FFF2-40B4-BE49-F238E27FC236}">
+                <a16:creationId xmlns:a16="http://schemas.microsoft.com/office/drawing/2014/main" id="{B693DD0B-24E3-938F-6B2B-878DB608C0D3}"/>
+              </a:ext>
+            </a:extLst>
+          </p:cNvPr>
+          <p:cNvCxnSpPr>
+            <a:cxnSpLocks/>
+            <a:stCxn id="6" idx="6"/>
+            <a:endCxn id="9" idx="2"/>
+          </p:cNvCxnSpPr>
+          <p:nvPr/>
+        </p:nvCxnSpPr>
+        <p:spPr>
+          <a:xfrm>
+            <a:off x="5547689" y="2953752"/>
+            <a:ext cx="2672797" cy="1181965"/>
+          </a:xfrm>
+          <a:prstGeom prst="straightConnector1">
+            <a:avLst/>
+          </a:prstGeom>
+          <a:ln>
+            <a:tailEnd type="triangle"/>
+          </a:ln>
+        </p:spPr>
+        <p:style>
+          <a:lnRef idx="1">
+            <a:schemeClr val="accent1"/>
+          </a:lnRef>
+          <a:fillRef idx="0">
+            <a:schemeClr val="accent1"/>
+          </a:fillRef>
+          <a:effectRef idx="0">
+            <a:schemeClr val="accent1"/>
+          </a:effectRef>
+          <a:fontRef idx="minor">
+            <a:schemeClr val="tx1"/>
+          </a:fontRef>
+        </p:style>
+      </p:cxnSp>
+      <p:cxnSp>
+        <p:nvCxnSpPr>
+          <p:cNvPr id="13" name="Straight Arrow Connector 12">
+            <a:extLst>
+              <a:ext uri="{FF2B5EF4-FFF2-40B4-BE49-F238E27FC236}">
+                <a16:creationId xmlns:a16="http://schemas.microsoft.com/office/drawing/2014/main" id="{2A878B0A-A4BE-A1C6-9114-2F6A4DF47A5F}"/>
+              </a:ext>
+            </a:extLst>
+          </p:cNvPr>
+          <p:cNvCxnSpPr>
+            <a:cxnSpLocks/>
+            <a:stCxn id="19" idx="6"/>
+            <a:endCxn id="8" idx="2"/>
+          </p:cNvCxnSpPr>
+          <p:nvPr/>
+        </p:nvCxnSpPr>
+        <p:spPr>
+          <a:xfrm flipV="1">
+            <a:off x="5558851" y="3124274"/>
+            <a:ext cx="2630989" cy="2395605"/>
+          </a:xfrm>
+          <a:prstGeom prst="straightConnector1">
+            <a:avLst/>
+          </a:prstGeom>
+          <a:ln>
+            <a:tailEnd type="triangle"/>
+          </a:ln>
+        </p:spPr>
+        <p:style>
+          <a:lnRef idx="1">
+            <a:schemeClr val="accent1"/>
+          </a:lnRef>
+          <a:fillRef idx="0">
+            <a:schemeClr val="accent1"/>
+          </a:fillRef>
+          <a:effectRef idx="0">
+            <a:schemeClr val="accent1"/>
+          </a:effectRef>
+          <a:fontRef idx="minor">
+            <a:schemeClr val="tx1"/>
+          </a:fontRef>
+        </p:style>
+      </p:cxnSp>
+      <p:cxnSp>
+        <p:nvCxnSpPr>
+          <p:cNvPr id="14" name="Straight Arrow Connector 13">
+            <a:extLst>
+              <a:ext uri="{FF2B5EF4-FFF2-40B4-BE49-F238E27FC236}">
+                <a16:creationId xmlns:a16="http://schemas.microsoft.com/office/drawing/2014/main" id="{C4A1893F-0AA3-CE5E-184D-C3CDF39C580C}"/>
+              </a:ext>
+            </a:extLst>
+          </p:cNvPr>
+          <p:cNvCxnSpPr>
+            <a:cxnSpLocks/>
+            <a:stCxn id="19" idx="6"/>
+            <a:endCxn id="9" idx="2"/>
+          </p:cNvCxnSpPr>
+          <p:nvPr/>
+        </p:nvCxnSpPr>
+        <p:spPr>
+          <a:xfrm flipV="1">
+            <a:off x="5558851" y="4135717"/>
+            <a:ext cx="2661635" cy="1384162"/>
+          </a:xfrm>
+          <a:prstGeom prst="straightConnector1">
+            <a:avLst/>
+          </a:prstGeom>
+          <a:ln>
+            <a:tailEnd type="triangle"/>
+          </a:ln>
+        </p:spPr>
+        <p:style>
+          <a:lnRef idx="1">
+            <a:schemeClr val="accent1"/>
+          </a:lnRef>
+          <a:fillRef idx="0">
+            <a:schemeClr val="accent1"/>
+          </a:fillRef>
+          <a:effectRef idx="0">
+            <a:schemeClr val="accent1"/>
+          </a:effectRef>
+          <a:fontRef idx="minor">
+            <a:schemeClr val="tx1"/>
+          </a:fontRef>
+        </p:style>
+      </p:cxnSp>
+      <p:cxnSp>
+        <p:nvCxnSpPr>
+          <p:cNvPr id="15" name="Straight Arrow Connector 14">
+            <a:extLst>
+              <a:ext uri="{FF2B5EF4-FFF2-40B4-BE49-F238E27FC236}">
+                <a16:creationId xmlns:a16="http://schemas.microsoft.com/office/drawing/2014/main" id="{34D8749B-AD87-FDFB-40F7-7FB6D6CD47C3}"/>
+              </a:ext>
+            </a:extLst>
+          </p:cNvPr>
+          <p:cNvCxnSpPr>
+            <a:stCxn id="5" idx="6"/>
+            <a:endCxn id="7" idx="2"/>
+          </p:cNvCxnSpPr>
+          <p:nvPr/>
+        </p:nvCxnSpPr>
+        <p:spPr>
+          <a:xfrm>
+            <a:off x="3067856" y="3062497"/>
+            <a:ext cx="1642028" cy="1176544"/>
+          </a:xfrm>
+          <a:prstGeom prst="straightConnector1">
+            <a:avLst/>
+          </a:prstGeom>
+          <a:ln>
+            <a:tailEnd type="triangle"/>
+          </a:ln>
+        </p:spPr>
+        <p:style>
+          <a:lnRef idx="1">
+            <a:schemeClr val="accent1"/>
+          </a:lnRef>
+          <a:fillRef idx="0">
+            <a:schemeClr val="accent1"/>
+          </a:fillRef>
+          <a:effectRef idx="0">
+            <a:schemeClr val="accent1"/>
+          </a:effectRef>
+          <a:fontRef idx="minor">
+            <a:schemeClr val="tx1"/>
+          </a:fontRef>
+        </p:style>
+      </p:cxnSp>
+      <p:sp>
+        <p:nvSpPr>
+          <p:cNvPr id="16" name="TextBox 15">
+            <a:extLst>
+              <a:ext uri="{FF2B5EF4-FFF2-40B4-BE49-F238E27FC236}">
+                <a16:creationId xmlns:a16="http://schemas.microsoft.com/office/drawing/2014/main" id="{5BA8DAB8-35D8-3FCF-8E67-C052F64563ED}"/>
+              </a:ext>
+            </a:extLst>
+          </p:cNvPr>
+          <p:cNvSpPr txBox="1"/>
+          <p:nvPr/>
+        </p:nvSpPr>
+        <p:spPr>
+          <a:xfrm>
+            <a:off x="4263145" y="1911234"/>
+            <a:ext cx="1441916" cy="646331"/>
+          </a:xfrm>
+          <a:prstGeom prst="rect">
+            <a:avLst/>
+          </a:prstGeom>
+          <a:noFill/>
+        </p:spPr>
+        <p:txBody>
+          <a:bodyPr wrap="square" rtlCol="0">
+            <a:spAutoFit/>
+          </a:bodyPr>
+          <a:lstStyle/>
+          <a:p>
+            <a:r>
+              <a:rPr lang="en-US" dirty="0"/>
+              <a:t>Hidden Layer (how Wide?)</a:t>
+            </a:r>
+          </a:p>
+        </p:txBody>
+      </p:sp>
+      <p:sp>
+        <p:nvSpPr>
+          <p:cNvPr id="17" name="TextBox 16">
+            <a:extLst>
+              <a:ext uri="{FF2B5EF4-FFF2-40B4-BE49-F238E27FC236}">
+                <a16:creationId xmlns:a16="http://schemas.microsoft.com/office/drawing/2014/main" id="{E305F6E4-48B0-AA57-03E4-7D7BD35826A5}"/>
+              </a:ext>
+            </a:extLst>
+          </p:cNvPr>
+          <p:cNvSpPr txBox="1"/>
+          <p:nvPr/>
+        </p:nvSpPr>
+        <p:spPr>
+          <a:xfrm>
+            <a:off x="8189841" y="2091779"/>
+            <a:ext cx="988088" cy="369332"/>
+          </a:xfrm>
+          <a:prstGeom prst="rect">
+            <a:avLst/>
+          </a:prstGeom>
+          <a:noFill/>
+        </p:spPr>
+        <p:txBody>
+          <a:bodyPr wrap="square" rtlCol="0">
+            <a:spAutoFit/>
+          </a:bodyPr>
+          <a:lstStyle/>
+          <a:p>
+            <a:r>
+              <a:rPr lang="en-US" dirty="0"/>
+              <a:t>Output</a:t>
+            </a:r>
+          </a:p>
+        </p:txBody>
+      </p:sp>
+      <p:sp>
+        <p:nvSpPr>
+          <p:cNvPr id="18" name="Oval 17">
+            <a:extLst>
+              <a:ext uri="{FF2B5EF4-FFF2-40B4-BE49-F238E27FC236}">
+                <a16:creationId xmlns:a16="http://schemas.microsoft.com/office/drawing/2014/main" id="{A3C84104-BF1C-A9B6-5F79-1C86806B25AC}"/>
+              </a:ext>
+            </a:extLst>
+          </p:cNvPr>
+          <p:cNvSpPr/>
+          <p:nvPr/>
+        </p:nvSpPr>
+        <p:spPr>
+          <a:xfrm>
+            <a:off x="1321462" y="4024632"/>
+            <a:ext cx="1769165" cy="745435"/>
+          </a:xfrm>
+          <a:prstGeom prst="ellipse">
+            <a:avLst/>
+          </a:prstGeom>
+        </p:spPr>
+        <p:style>
+          <a:lnRef idx="2">
+            <a:schemeClr val="accent5">
+              <a:shade val="15000"/>
+            </a:schemeClr>
+          </a:lnRef>
+          <a:fillRef idx="1">
+            <a:schemeClr val="accent5"/>
+          </a:fillRef>
+          <a:effectRef idx="0">
+            <a:schemeClr val="accent5"/>
+          </a:effectRef>
+          <a:fontRef idx="minor">
+            <a:schemeClr val="lt1"/>
+          </a:fontRef>
+        </p:style>
+        <p:txBody>
+          <a:bodyPr rtlCol="0" anchor="ctr"/>
+          <a:lstStyle/>
+          <a:p>
+            <a:pPr algn="ctr"/>
+            <a:r>
+              <a:rPr lang="en-US" dirty="0"/>
+              <a:t>Height</a:t>
+            </a:r>
+          </a:p>
+        </p:txBody>
+      </p:sp>
+      <p:sp>
+        <p:nvSpPr>
+          <p:cNvPr id="19" name="Oval 18">
+            <a:extLst>
+              <a:ext uri="{FF2B5EF4-FFF2-40B4-BE49-F238E27FC236}">
+                <a16:creationId xmlns:a16="http://schemas.microsoft.com/office/drawing/2014/main" id="{F6EA78A9-3F75-6027-97D3-E242919D6F7F}"/>
+              </a:ext>
+            </a:extLst>
+          </p:cNvPr>
+          <p:cNvSpPr/>
+          <p:nvPr/>
+        </p:nvSpPr>
+        <p:spPr>
+          <a:xfrm>
+            <a:off x="4714024" y="5147161"/>
+            <a:ext cx="844827" cy="745435"/>
+          </a:xfrm>
+          <a:prstGeom prst="ellipse">
+            <a:avLst/>
+          </a:prstGeom>
+        </p:spPr>
+        <p:style>
+          <a:lnRef idx="2">
+            <a:schemeClr val="accent1">
+              <a:shade val="15000"/>
+            </a:schemeClr>
+          </a:lnRef>
+          <a:fillRef idx="1">
+            <a:schemeClr val="accent1"/>
+          </a:fillRef>
+          <a:effectRef idx="0">
+            <a:schemeClr val="accent1"/>
+          </a:effectRef>
+          <a:fontRef idx="minor">
+            <a:schemeClr val="lt1"/>
+          </a:fontRef>
+        </p:style>
+        <p:txBody>
+          <a:bodyPr rtlCol="0" anchor="ctr"/>
+          <a:lstStyle/>
+          <a:p>
+            <a:pPr algn="ctr"/>
             <a:endParaRPr lang="en-US" dirty="0"/>
           </a:p>
         </p:txBody>
       </p:sp>
+      <p:cxnSp>
+        <p:nvCxnSpPr>
+          <p:cNvPr id="20" name="Straight Arrow Connector 19">
+            <a:extLst>
+              <a:ext uri="{FF2B5EF4-FFF2-40B4-BE49-F238E27FC236}">
+                <a16:creationId xmlns:a16="http://schemas.microsoft.com/office/drawing/2014/main" id="{1256EF03-2A83-571B-A411-DA5DE72C9049}"/>
+              </a:ext>
+            </a:extLst>
+          </p:cNvPr>
+          <p:cNvCxnSpPr>
+            <a:stCxn id="18" idx="6"/>
+            <a:endCxn id="19" idx="2"/>
+          </p:cNvCxnSpPr>
+          <p:nvPr/>
+        </p:nvCxnSpPr>
+        <p:spPr>
+          <a:xfrm>
+            <a:off x="3090627" y="4397350"/>
+            <a:ext cx="1623397" cy="1122529"/>
+          </a:xfrm>
+          <a:prstGeom prst="straightConnector1">
+            <a:avLst/>
+          </a:prstGeom>
+          <a:ln>
+            <a:tailEnd type="triangle"/>
+          </a:ln>
+        </p:spPr>
+        <p:style>
+          <a:lnRef idx="1">
+            <a:schemeClr val="accent1"/>
+          </a:lnRef>
+          <a:fillRef idx="0">
+            <a:schemeClr val="accent1"/>
+          </a:fillRef>
+          <a:effectRef idx="0">
+            <a:schemeClr val="accent1"/>
+          </a:effectRef>
+          <a:fontRef idx="minor">
+            <a:schemeClr val="tx1"/>
+          </a:fontRef>
+        </p:style>
+      </p:cxnSp>
+      <p:cxnSp>
+        <p:nvCxnSpPr>
+          <p:cNvPr id="21" name="Straight Arrow Connector 20">
+            <a:extLst>
+              <a:ext uri="{FF2B5EF4-FFF2-40B4-BE49-F238E27FC236}">
+                <a16:creationId xmlns:a16="http://schemas.microsoft.com/office/drawing/2014/main" id="{0B7CE338-4AA1-8003-DF1E-620ED5E3889A}"/>
+              </a:ext>
+            </a:extLst>
+          </p:cNvPr>
+          <p:cNvCxnSpPr>
+            <a:cxnSpLocks/>
+            <a:stCxn id="7" idx="6"/>
+            <a:endCxn id="8" idx="2"/>
+          </p:cNvCxnSpPr>
+          <p:nvPr/>
+        </p:nvCxnSpPr>
+        <p:spPr>
+          <a:xfrm flipV="1">
+            <a:off x="5554711" y="3124274"/>
+            <a:ext cx="2635129" cy="1114767"/>
+          </a:xfrm>
+          <a:prstGeom prst="straightConnector1">
+            <a:avLst/>
+          </a:prstGeom>
+          <a:ln>
+            <a:tailEnd type="triangle"/>
+          </a:ln>
+        </p:spPr>
+        <p:style>
+          <a:lnRef idx="1">
+            <a:schemeClr val="accent1"/>
+          </a:lnRef>
+          <a:fillRef idx="0">
+            <a:schemeClr val="accent1"/>
+          </a:fillRef>
+          <a:effectRef idx="0">
+            <a:schemeClr val="accent1"/>
+          </a:effectRef>
+          <a:fontRef idx="minor">
+            <a:schemeClr val="tx1"/>
+          </a:fontRef>
+        </p:style>
+      </p:cxnSp>
+      <p:cxnSp>
+        <p:nvCxnSpPr>
+          <p:cNvPr id="22" name="Straight Arrow Connector 21">
+            <a:extLst>
+              <a:ext uri="{FF2B5EF4-FFF2-40B4-BE49-F238E27FC236}">
+                <a16:creationId xmlns:a16="http://schemas.microsoft.com/office/drawing/2014/main" id="{71FF53A2-80DE-F70E-8A33-3867CF9F47EF}"/>
+              </a:ext>
+            </a:extLst>
+          </p:cNvPr>
+          <p:cNvCxnSpPr>
+            <a:cxnSpLocks/>
+            <a:stCxn id="7" idx="6"/>
+            <a:endCxn id="9" idx="2"/>
+          </p:cNvCxnSpPr>
+          <p:nvPr/>
+        </p:nvCxnSpPr>
+        <p:spPr>
+          <a:xfrm flipV="1">
+            <a:off x="5554711" y="4135717"/>
+            <a:ext cx="2665775" cy="103324"/>
+          </a:xfrm>
+          <a:prstGeom prst="straightConnector1">
+            <a:avLst/>
+          </a:prstGeom>
+          <a:ln>
+            <a:tailEnd type="triangle"/>
+          </a:ln>
+        </p:spPr>
+        <p:style>
+          <a:lnRef idx="1">
+            <a:schemeClr val="accent1"/>
+          </a:lnRef>
+          <a:fillRef idx="0">
+            <a:schemeClr val="accent1"/>
+          </a:fillRef>
+          <a:effectRef idx="0">
+            <a:schemeClr val="accent1"/>
+          </a:effectRef>
+          <a:fontRef idx="minor">
+            <a:schemeClr val="tx1"/>
+          </a:fontRef>
+        </p:style>
+      </p:cxnSp>
+      <p:cxnSp>
+        <p:nvCxnSpPr>
+          <p:cNvPr id="23" name="Straight Arrow Connector 22">
+            <a:extLst>
+              <a:ext uri="{FF2B5EF4-FFF2-40B4-BE49-F238E27FC236}">
+                <a16:creationId xmlns:a16="http://schemas.microsoft.com/office/drawing/2014/main" id="{B0A7232E-6E33-2922-941A-B4FCA023CAAC}"/>
+              </a:ext>
+            </a:extLst>
+          </p:cNvPr>
+          <p:cNvCxnSpPr>
+            <a:stCxn id="18" idx="6"/>
+            <a:endCxn id="6" idx="2"/>
+          </p:cNvCxnSpPr>
+          <p:nvPr/>
+        </p:nvCxnSpPr>
+        <p:spPr>
+          <a:xfrm flipV="1">
+            <a:off x="3090627" y="2953752"/>
+            <a:ext cx="1612235" cy="1443598"/>
+          </a:xfrm>
+          <a:prstGeom prst="straightConnector1">
+            <a:avLst/>
+          </a:prstGeom>
+          <a:ln>
+            <a:tailEnd type="triangle"/>
+          </a:ln>
+        </p:spPr>
+        <p:style>
+          <a:lnRef idx="1">
+            <a:schemeClr val="accent1"/>
+          </a:lnRef>
+          <a:fillRef idx="0">
+            <a:schemeClr val="accent1"/>
+          </a:fillRef>
+          <a:effectRef idx="0">
+            <a:schemeClr val="accent1"/>
+          </a:effectRef>
+          <a:fontRef idx="minor">
+            <a:schemeClr val="tx1"/>
+          </a:fontRef>
+        </p:style>
+      </p:cxnSp>
+      <p:cxnSp>
+        <p:nvCxnSpPr>
+          <p:cNvPr id="24" name="Straight Arrow Connector 23">
+            <a:extLst>
+              <a:ext uri="{FF2B5EF4-FFF2-40B4-BE49-F238E27FC236}">
+                <a16:creationId xmlns:a16="http://schemas.microsoft.com/office/drawing/2014/main" id="{181867C6-C1C1-E83F-7B9C-B98861490C4E}"/>
+              </a:ext>
+            </a:extLst>
+          </p:cNvPr>
+          <p:cNvCxnSpPr>
+            <a:stCxn id="5" idx="6"/>
+            <a:endCxn id="19" idx="2"/>
+          </p:cNvCxnSpPr>
+          <p:nvPr/>
+        </p:nvCxnSpPr>
+        <p:spPr>
+          <a:xfrm>
+            <a:off x="3067856" y="3062497"/>
+            <a:ext cx="1646168" cy="2457382"/>
+          </a:xfrm>
+          <a:prstGeom prst="straightConnector1">
+            <a:avLst/>
+          </a:prstGeom>
+          <a:ln>
+            <a:tailEnd type="triangle"/>
+          </a:ln>
+        </p:spPr>
+        <p:style>
+          <a:lnRef idx="1">
+            <a:schemeClr val="accent1"/>
+          </a:lnRef>
+          <a:fillRef idx="0">
+            <a:schemeClr val="accent1"/>
+          </a:fillRef>
+          <a:effectRef idx="0">
+            <a:schemeClr val="accent1"/>
+          </a:effectRef>
+          <a:fontRef idx="minor">
+            <a:schemeClr val="tx1"/>
+          </a:fontRef>
+        </p:style>
+      </p:cxnSp>
+      <p:cxnSp>
+        <p:nvCxnSpPr>
+          <p:cNvPr id="25" name="Straight Arrow Connector 24">
+            <a:extLst>
+              <a:ext uri="{FF2B5EF4-FFF2-40B4-BE49-F238E27FC236}">
+                <a16:creationId xmlns:a16="http://schemas.microsoft.com/office/drawing/2014/main" id="{CD6B4A31-3C82-2878-25C2-2DB8C2AEE967}"/>
+              </a:ext>
+            </a:extLst>
+          </p:cNvPr>
+          <p:cNvCxnSpPr>
+            <a:stCxn id="18" idx="6"/>
+            <a:endCxn id="7" idx="2"/>
+          </p:cNvCxnSpPr>
+          <p:nvPr/>
+        </p:nvCxnSpPr>
+        <p:spPr>
+          <a:xfrm flipV="1">
+            <a:off x="3090627" y="4239041"/>
+            <a:ext cx="1619257" cy="158309"/>
+          </a:xfrm>
+          <a:prstGeom prst="straightConnector1">
+            <a:avLst/>
+          </a:prstGeom>
+          <a:ln>
+            <a:tailEnd type="triangle"/>
+          </a:ln>
+        </p:spPr>
+        <p:style>
+          <a:lnRef idx="1">
+            <a:schemeClr val="accent1"/>
+          </a:lnRef>
+          <a:fillRef idx="0">
+            <a:schemeClr val="accent1"/>
+          </a:fillRef>
+          <a:effectRef idx="0">
+            <a:schemeClr val="accent1"/>
+          </a:effectRef>
+          <a:fontRef idx="minor">
+            <a:schemeClr val="tx1"/>
+          </a:fontRef>
+        </p:style>
+      </p:cxnSp>
+      <p:sp>
+        <p:nvSpPr>
+          <p:cNvPr id="29" name="Oval 28">
+            <a:extLst>
+              <a:ext uri="{FF2B5EF4-FFF2-40B4-BE49-F238E27FC236}">
+                <a16:creationId xmlns:a16="http://schemas.microsoft.com/office/drawing/2014/main" id="{C9083F45-7DF7-62E6-675C-0A52B595E707}"/>
+              </a:ext>
+            </a:extLst>
+          </p:cNvPr>
+          <p:cNvSpPr/>
+          <p:nvPr/>
+        </p:nvSpPr>
+        <p:spPr>
+          <a:xfrm>
+            <a:off x="1330979" y="5201176"/>
+            <a:ext cx="1769165" cy="745435"/>
+          </a:xfrm>
+          <a:prstGeom prst="ellipse">
+            <a:avLst/>
+          </a:prstGeom>
+        </p:spPr>
+        <p:style>
+          <a:lnRef idx="2">
+            <a:schemeClr val="accent5">
+              <a:shade val="15000"/>
+            </a:schemeClr>
+          </a:lnRef>
+          <a:fillRef idx="1">
+            <a:schemeClr val="accent5"/>
+          </a:fillRef>
+          <a:effectRef idx="0">
+            <a:schemeClr val="accent5"/>
+          </a:effectRef>
+          <a:fontRef idx="minor">
+            <a:schemeClr val="lt1"/>
+          </a:fontRef>
+        </p:style>
+        <p:txBody>
+          <a:bodyPr rtlCol="0" anchor="ctr"/>
+          <a:lstStyle/>
+          <a:p>
+            <a:pPr algn="ctr"/>
+            <a:r>
+              <a:rPr lang="en-US" dirty="0"/>
+              <a:t>Gender</a:t>
+            </a:r>
+          </a:p>
+        </p:txBody>
+      </p:sp>
+      <p:cxnSp>
+        <p:nvCxnSpPr>
+          <p:cNvPr id="58" name="Straight Arrow Connector 57">
+            <a:extLst>
+              <a:ext uri="{FF2B5EF4-FFF2-40B4-BE49-F238E27FC236}">
+                <a16:creationId xmlns:a16="http://schemas.microsoft.com/office/drawing/2014/main" id="{57D4B414-6F2B-21C8-B3E5-9057503D4501}"/>
+              </a:ext>
+            </a:extLst>
+          </p:cNvPr>
+          <p:cNvCxnSpPr>
+            <a:cxnSpLocks/>
+            <a:stCxn id="29" idx="6"/>
+            <a:endCxn id="6" idx="2"/>
+          </p:cNvCxnSpPr>
+          <p:nvPr/>
+        </p:nvCxnSpPr>
+        <p:spPr>
+          <a:xfrm flipV="1">
+            <a:off x="3100144" y="2953752"/>
+            <a:ext cx="1602718" cy="2620142"/>
+          </a:xfrm>
+          <a:prstGeom prst="straightConnector1">
+            <a:avLst/>
+          </a:prstGeom>
+          <a:ln>
+            <a:tailEnd type="triangle"/>
+          </a:ln>
+        </p:spPr>
+        <p:style>
+          <a:lnRef idx="1">
+            <a:schemeClr val="accent1"/>
+          </a:lnRef>
+          <a:fillRef idx="0">
+            <a:schemeClr val="accent1"/>
+          </a:fillRef>
+          <a:effectRef idx="0">
+            <a:schemeClr val="accent1"/>
+          </a:effectRef>
+          <a:fontRef idx="minor">
+            <a:schemeClr val="tx1"/>
+          </a:fontRef>
+        </p:style>
+      </p:cxnSp>
+      <p:cxnSp>
+        <p:nvCxnSpPr>
+          <p:cNvPr id="61" name="Straight Arrow Connector 60">
+            <a:extLst>
+              <a:ext uri="{FF2B5EF4-FFF2-40B4-BE49-F238E27FC236}">
+                <a16:creationId xmlns:a16="http://schemas.microsoft.com/office/drawing/2014/main" id="{8E3F962A-5E95-D9BC-DFF9-60CDF11B5F75}"/>
+              </a:ext>
+            </a:extLst>
+          </p:cNvPr>
+          <p:cNvCxnSpPr>
+            <a:stCxn id="29" idx="6"/>
+            <a:endCxn id="7" idx="2"/>
+          </p:cNvCxnSpPr>
+          <p:nvPr/>
+        </p:nvCxnSpPr>
+        <p:spPr>
+          <a:xfrm flipV="1">
+            <a:off x="3100144" y="4239041"/>
+            <a:ext cx="1609740" cy="1334853"/>
+          </a:xfrm>
+          <a:prstGeom prst="straightConnector1">
+            <a:avLst/>
+          </a:prstGeom>
+          <a:ln>
+            <a:tailEnd type="triangle"/>
+          </a:ln>
+        </p:spPr>
+        <p:style>
+          <a:lnRef idx="1">
+            <a:schemeClr val="accent1"/>
+          </a:lnRef>
+          <a:fillRef idx="0">
+            <a:schemeClr val="accent1"/>
+          </a:fillRef>
+          <a:effectRef idx="0">
+            <a:schemeClr val="accent1"/>
+          </a:effectRef>
+          <a:fontRef idx="minor">
+            <a:schemeClr val="tx1"/>
+          </a:fontRef>
+        </p:style>
+      </p:cxnSp>
+      <p:cxnSp>
+        <p:nvCxnSpPr>
+          <p:cNvPr id="63" name="Straight Arrow Connector 62">
+            <a:extLst>
+              <a:ext uri="{FF2B5EF4-FFF2-40B4-BE49-F238E27FC236}">
+                <a16:creationId xmlns:a16="http://schemas.microsoft.com/office/drawing/2014/main" id="{DE699506-CF49-BAA3-7F17-A965466F4830}"/>
+              </a:ext>
+            </a:extLst>
+          </p:cNvPr>
+          <p:cNvCxnSpPr>
+            <a:stCxn id="29" idx="6"/>
+            <a:endCxn id="19" idx="2"/>
+          </p:cNvCxnSpPr>
+          <p:nvPr/>
+        </p:nvCxnSpPr>
+        <p:spPr>
+          <a:xfrm flipV="1">
+            <a:off x="3100144" y="5519879"/>
+            <a:ext cx="1613880" cy="54015"/>
+          </a:xfrm>
+          <a:prstGeom prst="straightConnector1">
+            <a:avLst/>
+          </a:prstGeom>
+          <a:ln>
+            <a:tailEnd type="triangle"/>
+          </a:ln>
+        </p:spPr>
+        <p:style>
+          <a:lnRef idx="1">
+            <a:schemeClr val="accent1"/>
+          </a:lnRef>
+          <a:fillRef idx="0">
+            <a:schemeClr val="accent1"/>
+          </a:fillRef>
+          <a:effectRef idx="0">
+            <a:schemeClr val="accent1"/>
+          </a:effectRef>
+          <a:fontRef idx="minor">
+            <a:schemeClr val="tx1"/>
+          </a:fontRef>
+        </p:style>
+      </p:cxnSp>
+      <p:sp>
+        <p:nvSpPr>
+          <p:cNvPr id="64" name="Oval 63">
+            <a:extLst>
+              <a:ext uri="{FF2B5EF4-FFF2-40B4-BE49-F238E27FC236}">
+                <a16:creationId xmlns:a16="http://schemas.microsoft.com/office/drawing/2014/main" id="{3D3FF444-91AB-4C49-2C02-AC4FB512143F}"/>
+              </a:ext>
+            </a:extLst>
+          </p:cNvPr>
+          <p:cNvSpPr/>
+          <p:nvPr/>
+        </p:nvSpPr>
+        <p:spPr>
+          <a:xfrm>
+            <a:off x="8281816" y="4759287"/>
+            <a:ext cx="1620081" cy="745435"/>
+          </a:xfrm>
+          <a:prstGeom prst="ellipse">
+            <a:avLst/>
+          </a:prstGeom>
+        </p:spPr>
+        <p:style>
+          <a:lnRef idx="2">
+            <a:schemeClr val="accent1">
+              <a:shade val="15000"/>
+            </a:schemeClr>
+          </a:lnRef>
+          <a:fillRef idx="1">
+            <a:schemeClr val="accent1"/>
+          </a:fillRef>
+          <a:effectRef idx="0">
+            <a:schemeClr val="accent1"/>
+          </a:effectRef>
+          <a:fontRef idx="minor">
+            <a:schemeClr val="lt1"/>
+          </a:fontRef>
+        </p:style>
+        <p:txBody>
+          <a:bodyPr rtlCol="0" anchor="ctr"/>
+          <a:lstStyle/>
+          <a:p>
+            <a:pPr algn="ctr"/>
+            <a:r>
+              <a:rPr lang="en-US" dirty="0"/>
+              <a:t>Age Grp3</a:t>
+            </a:r>
+          </a:p>
+        </p:txBody>
+      </p:sp>
+      <p:sp>
+        <p:nvSpPr>
+          <p:cNvPr id="68" name="Oval 67">
+            <a:extLst>
+              <a:ext uri="{FF2B5EF4-FFF2-40B4-BE49-F238E27FC236}">
+                <a16:creationId xmlns:a16="http://schemas.microsoft.com/office/drawing/2014/main" id="{7749938B-F58E-80EF-E9B2-C24683EA4E2F}"/>
+              </a:ext>
+            </a:extLst>
+          </p:cNvPr>
+          <p:cNvSpPr/>
+          <p:nvPr/>
+        </p:nvSpPr>
+        <p:spPr>
+          <a:xfrm>
+            <a:off x="8281816" y="5773349"/>
+            <a:ext cx="1620081" cy="745435"/>
+          </a:xfrm>
+          <a:prstGeom prst="ellipse">
+            <a:avLst/>
+          </a:prstGeom>
+        </p:spPr>
+        <p:style>
+          <a:lnRef idx="2">
+            <a:schemeClr val="accent1">
+              <a:shade val="15000"/>
+            </a:schemeClr>
+          </a:lnRef>
+          <a:fillRef idx="1">
+            <a:schemeClr val="accent1"/>
+          </a:fillRef>
+          <a:effectRef idx="0">
+            <a:schemeClr val="accent1"/>
+          </a:effectRef>
+          <a:fontRef idx="minor">
+            <a:schemeClr val="lt1"/>
+          </a:fontRef>
+        </p:style>
+        <p:txBody>
+          <a:bodyPr rtlCol="0" anchor="ctr"/>
+          <a:lstStyle/>
+          <a:p>
+            <a:pPr algn="ctr"/>
+            <a:r>
+              <a:rPr lang="en-US" dirty="0"/>
+              <a:t>Age Grp4</a:t>
+            </a:r>
+          </a:p>
+        </p:txBody>
+      </p:sp>
+      <p:cxnSp>
+        <p:nvCxnSpPr>
+          <p:cNvPr id="73" name="Straight Arrow Connector 72">
+            <a:extLst>
+              <a:ext uri="{FF2B5EF4-FFF2-40B4-BE49-F238E27FC236}">
+                <a16:creationId xmlns:a16="http://schemas.microsoft.com/office/drawing/2014/main" id="{E83CC8DE-C404-CC14-CBEB-8DB744046AB3}"/>
+              </a:ext>
+            </a:extLst>
+          </p:cNvPr>
+          <p:cNvCxnSpPr>
+            <a:cxnSpLocks/>
+            <a:stCxn id="6" idx="6"/>
+            <a:endCxn id="64" idx="2"/>
+          </p:cNvCxnSpPr>
+          <p:nvPr/>
+        </p:nvCxnSpPr>
+        <p:spPr>
+          <a:xfrm>
+            <a:off x="5547689" y="2953752"/>
+            <a:ext cx="2734127" cy="2178253"/>
+          </a:xfrm>
+          <a:prstGeom prst="straightConnector1">
+            <a:avLst/>
+          </a:prstGeom>
+          <a:ln>
+            <a:tailEnd type="triangle"/>
+          </a:ln>
+        </p:spPr>
+        <p:style>
+          <a:lnRef idx="1">
+            <a:schemeClr val="accent1"/>
+          </a:lnRef>
+          <a:fillRef idx="0">
+            <a:schemeClr val="accent1"/>
+          </a:fillRef>
+          <a:effectRef idx="0">
+            <a:schemeClr val="accent1"/>
+          </a:effectRef>
+          <a:fontRef idx="minor">
+            <a:schemeClr val="tx1"/>
+          </a:fontRef>
+        </p:style>
+      </p:cxnSp>
+      <p:cxnSp>
+        <p:nvCxnSpPr>
+          <p:cNvPr id="76" name="Straight Arrow Connector 75">
+            <a:extLst>
+              <a:ext uri="{FF2B5EF4-FFF2-40B4-BE49-F238E27FC236}">
+                <a16:creationId xmlns:a16="http://schemas.microsoft.com/office/drawing/2014/main" id="{716B1740-0A3D-B93F-7B7C-0A30933447FF}"/>
+              </a:ext>
+            </a:extLst>
+          </p:cNvPr>
+          <p:cNvCxnSpPr>
+            <a:cxnSpLocks/>
+            <a:stCxn id="6" idx="6"/>
+            <a:endCxn id="68" idx="2"/>
+          </p:cNvCxnSpPr>
+          <p:nvPr/>
+        </p:nvCxnSpPr>
+        <p:spPr>
+          <a:xfrm>
+            <a:off x="5547689" y="2953752"/>
+            <a:ext cx="2734127" cy="3192315"/>
+          </a:xfrm>
+          <a:prstGeom prst="straightConnector1">
+            <a:avLst/>
+          </a:prstGeom>
+          <a:ln>
+            <a:tailEnd type="triangle"/>
+          </a:ln>
+        </p:spPr>
+        <p:style>
+          <a:lnRef idx="1">
+            <a:schemeClr val="accent1"/>
+          </a:lnRef>
+          <a:fillRef idx="0">
+            <a:schemeClr val="accent1"/>
+          </a:fillRef>
+          <a:effectRef idx="0">
+            <a:schemeClr val="accent1"/>
+          </a:effectRef>
+          <a:fontRef idx="minor">
+            <a:schemeClr val="tx1"/>
+          </a:fontRef>
+        </p:style>
+      </p:cxnSp>
+      <p:cxnSp>
+        <p:nvCxnSpPr>
+          <p:cNvPr id="79" name="Straight Arrow Connector 78">
+            <a:extLst>
+              <a:ext uri="{FF2B5EF4-FFF2-40B4-BE49-F238E27FC236}">
+                <a16:creationId xmlns:a16="http://schemas.microsoft.com/office/drawing/2014/main" id="{C3248468-26F1-45CF-7222-8879AFE418C9}"/>
+              </a:ext>
+            </a:extLst>
+          </p:cNvPr>
+          <p:cNvCxnSpPr>
+            <a:stCxn id="7" idx="6"/>
+            <a:endCxn id="64" idx="2"/>
+          </p:cNvCxnSpPr>
+          <p:nvPr/>
+        </p:nvCxnSpPr>
+        <p:spPr>
+          <a:xfrm>
+            <a:off x="5554711" y="4239041"/>
+            <a:ext cx="2727105" cy="892964"/>
+          </a:xfrm>
+          <a:prstGeom prst="straightConnector1">
+            <a:avLst/>
+          </a:prstGeom>
+          <a:ln>
+            <a:tailEnd type="triangle"/>
+          </a:ln>
+        </p:spPr>
+        <p:style>
+          <a:lnRef idx="1">
+            <a:schemeClr val="accent1"/>
+          </a:lnRef>
+          <a:fillRef idx="0">
+            <a:schemeClr val="accent1"/>
+          </a:fillRef>
+          <a:effectRef idx="0">
+            <a:schemeClr val="accent1"/>
+          </a:effectRef>
+          <a:fontRef idx="minor">
+            <a:schemeClr val="tx1"/>
+          </a:fontRef>
+        </p:style>
+      </p:cxnSp>
+      <p:cxnSp>
+        <p:nvCxnSpPr>
+          <p:cNvPr id="81" name="Straight Arrow Connector 80">
+            <a:extLst>
+              <a:ext uri="{FF2B5EF4-FFF2-40B4-BE49-F238E27FC236}">
+                <a16:creationId xmlns:a16="http://schemas.microsoft.com/office/drawing/2014/main" id="{F9A2F7A3-53F4-4DFA-A48B-5C99BB4A2139}"/>
+              </a:ext>
+            </a:extLst>
+          </p:cNvPr>
+          <p:cNvCxnSpPr>
+            <a:stCxn id="7" idx="6"/>
+            <a:endCxn id="68" idx="2"/>
+          </p:cNvCxnSpPr>
+          <p:nvPr/>
+        </p:nvCxnSpPr>
+        <p:spPr>
+          <a:xfrm>
+            <a:off x="5554711" y="4239041"/>
+            <a:ext cx="2727105" cy="1907026"/>
+          </a:xfrm>
+          <a:prstGeom prst="straightConnector1">
+            <a:avLst/>
+          </a:prstGeom>
+          <a:ln>
+            <a:tailEnd type="triangle"/>
+          </a:ln>
+        </p:spPr>
+        <p:style>
+          <a:lnRef idx="1">
+            <a:schemeClr val="accent1"/>
+          </a:lnRef>
+          <a:fillRef idx="0">
+            <a:schemeClr val="accent1"/>
+          </a:fillRef>
+          <a:effectRef idx="0">
+            <a:schemeClr val="accent1"/>
+          </a:effectRef>
+          <a:fontRef idx="minor">
+            <a:schemeClr val="tx1"/>
+          </a:fontRef>
+        </p:style>
+      </p:cxnSp>
+      <p:cxnSp>
+        <p:nvCxnSpPr>
+          <p:cNvPr id="83" name="Straight Arrow Connector 82">
+            <a:extLst>
+              <a:ext uri="{FF2B5EF4-FFF2-40B4-BE49-F238E27FC236}">
+                <a16:creationId xmlns:a16="http://schemas.microsoft.com/office/drawing/2014/main" id="{E178B251-0EE9-797F-B06A-336D84DC45D3}"/>
+              </a:ext>
+            </a:extLst>
+          </p:cNvPr>
+          <p:cNvCxnSpPr>
+            <a:stCxn id="19" idx="6"/>
+            <a:endCxn id="64" idx="2"/>
+          </p:cNvCxnSpPr>
+          <p:nvPr/>
+        </p:nvCxnSpPr>
+        <p:spPr>
+          <a:xfrm flipV="1">
+            <a:off x="5558851" y="5132005"/>
+            <a:ext cx="2722965" cy="387874"/>
+          </a:xfrm>
+          <a:prstGeom prst="straightConnector1">
+            <a:avLst/>
+          </a:prstGeom>
+          <a:ln>
+            <a:tailEnd type="triangle"/>
+          </a:ln>
+        </p:spPr>
+        <p:style>
+          <a:lnRef idx="1">
+            <a:schemeClr val="accent1"/>
+          </a:lnRef>
+          <a:fillRef idx="0">
+            <a:schemeClr val="accent1"/>
+          </a:fillRef>
+          <a:effectRef idx="0">
+            <a:schemeClr val="accent1"/>
+          </a:effectRef>
+          <a:fontRef idx="minor">
+            <a:schemeClr val="tx1"/>
+          </a:fontRef>
+        </p:style>
+      </p:cxnSp>
+      <p:cxnSp>
+        <p:nvCxnSpPr>
+          <p:cNvPr id="85" name="Straight Arrow Connector 84">
+            <a:extLst>
+              <a:ext uri="{FF2B5EF4-FFF2-40B4-BE49-F238E27FC236}">
+                <a16:creationId xmlns:a16="http://schemas.microsoft.com/office/drawing/2014/main" id="{F8A4DF1E-203C-8C23-9229-C8A30C7AEB7D}"/>
+              </a:ext>
+            </a:extLst>
+          </p:cNvPr>
+          <p:cNvCxnSpPr>
+            <a:stCxn id="19" idx="6"/>
+            <a:endCxn id="68" idx="2"/>
+          </p:cNvCxnSpPr>
+          <p:nvPr/>
+        </p:nvCxnSpPr>
+        <p:spPr>
+          <a:xfrm>
+            <a:off x="5558851" y="5519879"/>
+            <a:ext cx="2722965" cy="626188"/>
+          </a:xfrm>
+          <a:prstGeom prst="straightConnector1">
+            <a:avLst/>
+          </a:prstGeom>
+          <a:ln>
+            <a:tailEnd type="triangle"/>
+          </a:ln>
+        </p:spPr>
+        <p:style>
+          <a:lnRef idx="1">
+            <a:schemeClr val="accent1"/>
+          </a:lnRef>
+          <a:fillRef idx="0">
+            <a:schemeClr val="accent1"/>
+          </a:fillRef>
+          <a:effectRef idx="0">
+            <a:schemeClr val="accent1"/>
+          </a:effectRef>
+          <a:fontRef idx="minor">
+            <a:schemeClr val="tx1"/>
+          </a:fontRef>
+        </p:style>
+      </p:cxnSp>
     </p:spTree>
     <p:extLst>
       <p:ext uri="{BB962C8B-B14F-4D97-AF65-F5344CB8AC3E}">
-        <p14:creationId xmlns:p14="http://schemas.microsoft.com/office/powerpoint/2010/main" val="3733284459"/>
+        <p14:creationId xmlns:p14="http://schemas.microsoft.com/office/powerpoint/2010/main" val="4175192429"/>
       </p:ext>
     </p:extLst>
   </p:cSld>
@@ -13359,6 +13437,107 @@
 </file>
 
 <file path=ppt/slides/slide30.xml><?xml version="1.0" encoding="utf-8"?>
+<p:sld xmlns:a="http://schemas.openxmlformats.org/drawingml/2006/main" xmlns:r="http://schemas.openxmlformats.org/officeDocument/2006/relationships" xmlns:p="http://schemas.openxmlformats.org/presentationml/2006/main">
+  <p:cSld>
+    <p:spTree>
+      <p:nvGrpSpPr>
+        <p:cNvPr id="1" name=""/>
+        <p:cNvGrpSpPr/>
+        <p:nvPr/>
+      </p:nvGrpSpPr>
+      <p:grpSpPr>
+        <a:xfrm>
+          <a:off x="0" y="0"/>
+          <a:ext cx="0" cy="0"/>
+          <a:chOff x="0" y="0"/>
+          <a:chExt cx="0" cy="0"/>
+        </a:xfrm>
+      </p:grpSpPr>
+      <p:sp>
+        <p:nvSpPr>
+          <p:cNvPr id="2" name="Title 1">
+            <a:extLst>
+              <a:ext uri="{FF2B5EF4-FFF2-40B4-BE49-F238E27FC236}">
+                <a16:creationId xmlns:a16="http://schemas.microsoft.com/office/drawing/2014/main" id="{289AA22B-5900-746A-C4D4-F46F14C1B546}"/>
+              </a:ext>
+            </a:extLst>
+          </p:cNvPr>
+          <p:cNvSpPr>
+            <a:spLocks noGrp="1"/>
+          </p:cNvSpPr>
+          <p:nvPr>
+            <p:ph type="title"/>
+          </p:nvPr>
+        </p:nvSpPr>
+        <p:spPr/>
+        <p:txBody>
+          <a:bodyPr/>
+          <a:lstStyle/>
+          <a:p>
+            <a:r>
+              <a:rPr lang="en-US" dirty="0"/>
+              <a:t>Max Pool Layer</a:t>
+            </a:r>
+          </a:p>
+        </p:txBody>
+      </p:sp>
+      <p:sp>
+        <p:nvSpPr>
+          <p:cNvPr id="3" name="Content Placeholder 2">
+            <a:extLst>
+              <a:ext uri="{FF2B5EF4-FFF2-40B4-BE49-F238E27FC236}">
+                <a16:creationId xmlns:a16="http://schemas.microsoft.com/office/drawing/2014/main" id="{42816BB4-0471-2374-B799-BC38D2A1E376}"/>
+              </a:ext>
+            </a:extLst>
+          </p:cNvPr>
+          <p:cNvSpPr>
+            <a:spLocks noGrp="1"/>
+          </p:cNvSpPr>
+          <p:nvPr>
+            <p:ph idx="1"/>
+          </p:nvPr>
+        </p:nvSpPr>
+        <p:spPr/>
+        <p:txBody>
+          <a:bodyPr/>
+          <a:lstStyle/>
+          <a:p>
+            <a:r>
+              <a:rPr lang="en-US" dirty="0"/>
+              <a:t>A Pool layer will collapse the input according to the pooling algorithm.</a:t>
+            </a:r>
+          </a:p>
+          <a:p>
+            <a:r>
+              <a:rPr lang="en-US" dirty="0"/>
+              <a:t>This forces the neurons in the lower layers to only look at the inputs which are significant and the network will only look at those highlighted inputs while ignoring all other inputs.</a:t>
+            </a:r>
+          </a:p>
+          <a:p>
+            <a:r>
+              <a:rPr lang="en-US" dirty="0"/>
+              <a:t>We will use a MAX pool layer which will highlight the maximum input in a pool. The rest of the inputs will be set to 0 so that the neural network will try to ignore them.</a:t>
+            </a:r>
+          </a:p>
+          <a:p>
+            <a:endParaRPr lang="en-US" dirty="0"/>
+          </a:p>
+        </p:txBody>
+      </p:sp>
+    </p:spTree>
+    <p:extLst>
+      <p:ext uri="{BB962C8B-B14F-4D97-AF65-F5344CB8AC3E}">
+        <p14:creationId xmlns:p14="http://schemas.microsoft.com/office/powerpoint/2010/main" val="3733284459"/>
+      </p:ext>
+    </p:extLst>
+  </p:cSld>
+  <p:clrMapOvr>
+    <a:masterClrMapping/>
+  </p:clrMapOvr>
+</p:sld>
+</file>
+
+<file path=ppt/slides/slide31.xml><?xml version="1.0" encoding="utf-8"?>
 <p:sld xmlns:a="http://schemas.openxmlformats.org/drawingml/2006/main" xmlns:r="http://schemas.openxmlformats.org/officeDocument/2006/relationships" xmlns:p="http://schemas.openxmlformats.org/presentationml/2006/main">
   <p:cSld>
     <p:spTree>
@@ -14285,7 +14464,7 @@
 </p:sld>
 </file>
 
-<file path=ppt/slides/slide31.xml><?xml version="1.0" encoding="utf-8"?>
+<file path=ppt/slides/slide32.xml><?xml version="1.0" encoding="utf-8"?>
 <p:sld xmlns:a="http://schemas.openxmlformats.org/drawingml/2006/main" xmlns:r="http://schemas.openxmlformats.org/officeDocument/2006/relationships" xmlns:p="http://schemas.openxmlformats.org/presentationml/2006/main">
   <p:cSld>
     <p:spTree>
@@ -16677,21 +16856,21 @@
 </file>
 
 <file path=customXml/item1.xml><?xml version="1.0" encoding="utf-8"?>
+<TemplafySlideFormConfiguration><![CDATA[{"formFields":[],"formDataEntries":[]}]]></TemplafySlideFormConfiguration>
+</file>
+
+<file path=customXml/item2.xml><?xml version="1.0" encoding="utf-8"?>
 <TemplafySlideTemplateConfiguration><![CDATA[{"slideVersion":1,"isValidatorEnabled":false,"isLocked":false,"elementsMetadata":[],"slideId":"637946225388777972","enableDocumentContentUpdater":false,"version":"2.0"}]]></TemplafySlideTemplateConfiguration>
 </file>
 
-<file path=customXml/item2.xml><?xml version="1.0" encoding="utf-8"?>
-<TemplafySlideFormConfiguration><![CDATA[{"formFields":[],"formDataEntries":[]}]]></TemplafySlideFormConfiguration>
-</file>
-
 <file path=customXml/itemProps1.xml><?xml version="1.0" encoding="utf-8"?>
-<ds:datastoreItem xmlns:ds="http://schemas.openxmlformats.org/officeDocument/2006/customXml" ds:itemID="{703BD7A7-430B-409C-983F-B8D2199CCABD}">
+<ds:datastoreItem xmlns:ds="http://schemas.openxmlformats.org/officeDocument/2006/customXml" ds:itemID="{0AA0F557-FA2B-44AC-90C2-5D80DCD5378C}">
   <ds:schemaRefs/>
 </ds:datastoreItem>
 </file>
 
 <file path=customXml/itemProps2.xml><?xml version="1.0" encoding="utf-8"?>
-<ds:datastoreItem xmlns:ds="http://schemas.openxmlformats.org/officeDocument/2006/customXml" ds:itemID="{0AA0F557-FA2B-44AC-90C2-5D80DCD5378C}">
+<ds:datastoreItem xmlns:ds="http://schemas.openxmlformats.org/officeDocument/2006/customXml" ds:itemID="{703BD7A7-430B-409C-983F-B8D2199CCABD}">
   <ds:schemaRefs/>
 </ds:datastoreItem>
 </file>
--- a/Introduction To Neural Networks and AI.pptx
+++ b/Introduction To Neural Networks and AI.pptx
@@ -5,7 +5,7 @@
     <p:sldMasterId id="2147483648" r:id="rId3"/>
   </p:sldMasterIdLst>
   <p:notesMasterIdLst>
-    <p:notesMasterId r:id="rId36"/>
+    <p:notesMasterId r:id="rId41"/>
   </p:notesMasterIdLst>
   <p:sldIdLst>
     <p:sldId id="256" r:id="rId4"/>
@@ -34,12 +34,17 @@
     <p:sldId id="284" r:id="rId27"/>
     <p:sldId id="277" r:id="rId28"/>
     <p:sldId id="288" r:id="rId29"/>
-    <p:sldId id="278" r:id="rId30"/>
-    <p:sldId id="279" r:id="rId31"/>
-    <p:sldId id="280" r:id="rId32"/>
-    <p:sldId id="285" r:id="rId33"/>
-    <p:sldId id="286" r:id="rId34"/>
-    <p:sldId id="287" r:id="rId35"/>
+    <p:sldId id="289" r:id="rId30"/>
+    <p:sldId id="278" r:id="rId31"/>
+    <p:sldId id="279" r:id="rId32"/>
+    <p:sldId id="280" r:id="rId33"/>
+    <p:sldId id="285" r:id="rId34"/>
+    <p:sldId id="286" r:id="rId35"/>
+    <p:sldId id="287" r:id="rId36"/>
+    <p:sldId id="290" r:id="rId37"/>
+    <p:sldId id="292" r:id="rId38"/>
+    <p:sldId id="291" r:id="rId39"/>
+    <p:sldId id="293" r:id="rId40"/>
   </p:sldIdLst>
   <p:sldSz cx="12192000" cy="6858000"/>
   <p:notesSz cx="6858000" cy="9144000"/>
@@ -10228,7 +10233,7 @@
           <p:cNvPr id="2" name="Title 1">
             <a:extLst>
               <a:ext uri="{FF2B5EF4-FFF2-40B4-BE49-F238E27FC236}">
-                <a16:creationId xmlns:a16="http://schemas.microsoft.com/office/drawing/2014/main" id="{84EC1A39-7015-28C1-54D0-88FA902DBCFA}"/>
+                <a16:creationId xmlns:a16="http://schemas.microsoft.com/office/drawing/2014/main" id="{A10DEF9D-9540-2617-D888-3EB9CFDE0CD6}"/>
               </a:ext>
             </a:extLst>
           </p:cNvPr>
@@ -10245,8 +10250,8 @@
           <a:lstStyle/>
           <a:p>
             <a:r>
-              <a:rPr lang="en-US" dirty="0"/>
-              <a:t>Creating the AND gate</a:t>
+              <a:rPr lang="en-CA" dirty="0"/>
+              <a:t>Creating an OR gate Neural Network.</a:t>
             </a:r>
           </a:p>
         </p:txBody>
@@ -10256,7 +10261,7 @@
           <p:cNvPr id="3" name="Content Placeholder 2">
             <a:extLst>
               <a:ext uri="{FF2B5EF4-FFF2-40B4-BE49-F238E27FC236}">
-                <a16:creationId xmlns:a16="http://schemas.microsoft.com/office/drawing/2014/main" id="{8EB6D601-8922-1DE2-E86B-FB6ECFC8FDF3}"/>
+                <a16:creationId xmlns:a16="http://schemas.microsoft.com/office/drawing/2014/main" id="{0339583B-CD3B-BC84-EF1D-F2E973BF0B56}"/>
               </a:ext>
             </a:extLst>
           </p:cNvPr>
@@ -10274,15 +10279,127 @@
           <a:p>
             <a:r>
               <a:rPr lang="en-US" dirty="0"/>
-              <a:t>For the AND </a:t>
-            </a:r>
-            <a:r>
-              <a:rPr lang="en-US" dirty="0" err="1"/>
-              <a:t>and</a:t>
-            </a:r>
+              <a:t>For the OR gate we need to segment our neural network to distinguish between</a:t>
+            </a:r>
+          </a:p>
+          <a:p>
             <a:r>
               <a:rPr lang="en-US" dirty="0"/>
-              <a:t> an XOR gate we need to segment our neural network to distinguish between</a:t>
+              <a:t>(1, 1) (0, 1) (1, 0) and (0, 0)</a:t>
+            </a:r>
+          </a:p>
+          <a:p>
+            <a:r>
+              <a:rPr lang="en-US" dirty="0"/>
+              <a:t>As this is a simple neural segmentation no hidden layer is required.</a:t>
+            </a:r>
+          </a:p>
+          <a:p>
+            <a:r>
+              <a:rPr lang="en-US" dirty="0"/>
+              <a:t>We only need Input Layer </a:t>
+            </a:r>
+            <a:r>
+              <a:rPr lang="en-US" dirty="0">
+                <a:sym typeface="Wingdings" panose="05000000000000000000" pitchFamily="2" charset="2"/>
+              </a:rPr>
+              <a:t></a:t>
+            </a:r>
+            <a:r>
+              <a:rPr lang="en-US" dirty="0"/>
+              <a:t> Output Layer</a:t>
+            </a:r>
+          </a:p>
+          <a:p>
+            <a:endParaRPr lang="en-US" dirty="0"/>
+          </a:p>
+          <a:p>
+            <a:endParaRPr lang="en-CA" dirty="0"/>
+          </a:p>
+        </p:txBody>
+      </p:sp>
+    </p:spTree>
+    <p:extLst>
+      <p:ext uri="{BB962C8B-B14F-4D97-AF65-F5344CB8AC3E}">
+        <p14:creationId xmlns:p14="http://schemas.microsoft.com/office/powerpoint/2010/main" val="4155175527"/>
+      </p:ext>
+    </p:extLst>
+  </p:cSld>
+  <p:clrMapOvr>
+    <a:masterClrMapping/>
+  </p:clrMapOvr>
+</p:sld>
+</file>
+
+<file path=ppt/slides/slide28.xml><?xml version="1.0" encoding="utf-8"?>
+<p:sld xmlns:a="http://schemas.openxmlformats.org/drawingml/2006/main" xmlns:r="http://schemas.openxmlformats.org/officeDocument/2006/relationships" xmlns:p="http://schemas.openxmlformats.org/presentationml/2006/main">
+  <p:cSld>
+    <p:spTree>
+      <p:nvGrpSpPr>
+        <p:cNvPr id="1" name=""/>
+        <p:cNvGrpSpPr/>
+        <p:nvPr/>
+      </p:nvGrpSpPr>
+      <p:grpSpPr>
+        <a:xfrm>
+          <a:off x="0" y="0"/>
+          <a:ext cx="0" cy="0"/>
+          <a:chOff x="0" y="0"/>
+          <a:chExt cx="0" cy="0"/>
+        </a:xfrm>
+      </p:grpSpPr>
+      <p:sp>
+        <p:nvSpPr>
+          <p:cNvPr id="2" name="Title 1">
+            <a:extLst>
+              <a:ext uri="{FF2B5EF4-FFF2-40B4-BE49-F238E27FC236}">
+                <a16:creationId xmlns:a16="http://schemas.microsoft.com/office/drawing/2014/main" id="{84EC1A39-7015-28C1-54D0-88FA902DBCFA}"/>
+              </a:ext>
+            </a:extLst>
+          </p:cNvPr>
+          <p:cNvSpPr>
+            <a:spLocks noGrp="1"/>
+          </p:cNvSpPr>
+          <p:nvPr>
+            <p:ph type="title"/>
+          </p:nvPr>
+        </p:nvSpPr>
+        <p:spPr/>
+        <p:txBody>
+          <a:bodyPr/>
+          <a:lstStyle/>
+          <a:p>
+            <a:r>
+              <a:rPr lang="en-US" dirty="0"/>
+              <a:t>Creating the AND/XOR gate</a:t>
+            </a:r>
+          </a:p>
+        </p:txBody>
+      </p:sp>
+      <p:sp>
+        <p:nvSpPr>
+          <p:cNvPr id="3" name="Content Placeholder 2">
+            <a:extLst>
+              <a:ext uri="{FF2B5EF4-FFF2-40B4-BE49-F238E27FC236}">
+                <a16:creationId xmlns:a16="http://schemas.microsoft.com/office/drawing/2014/main" id="{8EB6D601-8922-1DE2-E86B-FB6ECFC8FDF3}"/>
+              </a:ext>
+            </a:extLst>
+          </p:cNvPr>
+          <p:cNvSpPr>
+            <a:spLocks noGrp="1"/>
+          </p:cNvSpPr>
+          <p:nvPr>
+            <p:ph idx="1"/>
+          </p:nvPr>
+        </p:nvSpPr>
+        <p:spPr/>
+        <p:txBody>
+          <a:bodyPr/>
+          <a:lstStyle/>
+          <a:p>
+            <a:r>
+              <a:rPr lang="en-US" dirty="0"/>
+              <a:t>For the AND/XOR gate we need to segment our neural network to distinguish between</a:t>
             </a:r>
           </a:p>
           <a:p>
@@ -10306,13 +10423,13 @@
           <a:p>
             <a:r>
               <a:rPr lang="en-US" dirty="0"/>
-              <a:t>For a simple AND or XOR gate we only need to worry about 1 level segmentation, so we will have 1 hidden layer</a:t>
+              <a:t>This needs to segment the data into more than 2 segments.</a:t>
             </a:r>
           </a:p>
           <a:p>
             <a:r>
               <a:rPr lang="en-US" dirty="0"/>
-              <a:t>The hidden layer only needs to handle 3 segments of data </a:t>
+              <a:t>It will require a hidden layer to solve this.</a:t>
             </a:r>
           </a:p>
         </p:txBody>
@@ -10330,7 +10447,7 @@
 </p:sld>
 </file>
 
-<file path=ppt/slides/slide28.xml><?xml version="1.0" encoding="utf-8"?>
+<file path=ppt/slides/slide29.xml><?xml version="1.0" encoding="utf-8"?>
 <p:sld xmlns:a="http://schemas.openxmlformats.org/drawingml/2006/main" xmlns:r="http://schemas.openxmlformats.org/officeDocument/2006/relationships" xmlns:p="http://schemas.openxmlformats.org/presentationml/2006/main">
   <p:cSld>
     <p:spTree>
@@ -11315,1506 +11432,6 @@
 </p:sld>
 </file>
 
-<file path=ppt/slides/slide29.xml><?xml version="1.0" encoding="utf-8"?>
-<p:sld xmlns:a="http://schemas.openxmlformats.org/drawingml/2006/main" xmlns:r="http://schemas.openxmlformats.org/officeDocument/2006/relationships" xmlns:p="http://schemas.openxmlformats.org/presentationml/2006/main">
-  <p:cSld>
-    <p:spTree>
-      <p:nvGrpSpPr>
-        <p:cNvPr id="1" name=""/>
-        <p:cNvGrpSpPr/>
-        <p:nvPr/>
-      </p:nvGrpSpPr>
-      <p:grpSpPr>
-        <a:xfrm>
-          <a:off x="0" y="0"/>
-          <a:ext cx="0" cy="0"/>
-          <a:chOff x="0" y="0"/>
-          <a:chExt cx="0" cy="0"/>
-        </a:xfrm>
-      </p:grpSpPr>
-      <p:sp>
-        <p:nvSpPr>
-          <p:cNvPr id="2" name="Title 1">
-            <a:extLst>
-              <a:ext uri="{FF2B5EF4-FFF2-40B4-BE49-F238E27FC236}">
-                <a16:creationId xmlns:a16="http://schemas.microsoft.com/office/drawing/2014/main" id="{A28EF932-EB0E-DE97-D25F-B3FABD13B344}"/>
-              </a:ext>
-            </a:extLst>
-          </p:cNvPr>
-          <p:cNvSpPr>
-            <a:spLocks noGrp="1"/>
-          </p:cNvSpPr>
-          <p:nvPr>
-            <p:ph type="title"/>
-          </p:nvPr>
-        </p:nvSpPr>
-        <p:spPr/>
-        <p:txBody>
-          <a:bodyPr/>
-          <a:lstStyle/>
-          <a:p>
-            <a:r>
-              <a:rPr lang="en-US" dirty="0"/>
-              <a:t>Categorizing Age groups</a:t>
-            </a:r>
-          </a:p>
-        </p:txBody>
-      </p:sp>
-      <p:sp>
-        <p:nvSpPr>
-          <p:cNvPr id="5" name="Oval 4">
-            <a:extLst>
-              <a:ext uri="{FF2B5EF4-FFF2-40B4-BE49-F238E27FC236}">
-                <a16:creationId xmlns:a16="http://schemas.microsoft.com/office/drawing/2014/main" id="{A6CA453F-66A9-3A54-E573-81751D62EFE0}"/>
-              </a:ext>
-            </a:extLst>
-          </p:cNvPr>
-          <p:cNvSpPr/>
-          <p:nvPr/>
-        </p:nvSpPr>
-        <p:spPr>
-          <a:xfrm>
-            <a:off x="1298691" y="2689779"/>
-            <a:ext cx="1769165" cy="745435"/>
-          </a:xfrm>
-          <a:prstGeom prst="ellipse">
-            <a:avLst/>
-          </a:prstGeom>
-        </p:spPr>
-        <p:style>
-          <a:lnRef idx="2">
-            <a:schemeClr val="accent5">
-              <a:shade val="15000"/>
-            </a:schemeClr>
-          </a:lnRef>
-          <a:fillRef idx="1">
-            <a:schemeClr val="accent5"/>
-          </a:fillRef>
-          <a:effectRef idx="0">
-            <a:schemeClr val="accent5"/>
-          </a:effectRef>
-          <a:fontRef idx="minor">
-            <a:schemeClr val="lt1"/>
-          </a:fontRef>
-        </p:style>
-        <p:txBody>
-          <a:bodyPr rtlCol="0" anchor="ctr"/>
-          <a:lstStyle/>
-          <a:p>
-            <a:pPr algn="ctr"/>
-            <a:r>
-              <a:rPr lang="en-US" dirty="0"/>
-              <a:t>Weight</a:t>
-            </a:r>
-          </a:p>
-        </p:txBody>
-      </p:sp>
-      <p:sp>
-        <p:nvSpPr>
-          <p:cNvPr id="6" name="Oval 5">
-            <a:extLst>
-              <a:ext uri="{FF2B5EF4-FFF2-40B4-BE49-F238E27FC236}">
-                <a16:creationId xmlns:a16="http://schemas.microsoft.com/office/drawing/2014/main" id="{AD03C6AF-2EAB-C5E0-A8EB-AA64B75964C4}"/>
-              </a:ext>
-            </a:extLst>
-          </p:cNvPr>
-          <p:cNvSpPr/>
-          <p:nvPr/>
-        </p:nvSpPr>
-        <p:spPr>
-          <a:xfrm>
-            <a:off x="4702862" y="2581034"/>
-            <a:ext cx="844827" cy="745435"/>
-          </a:xfrm>
-          <a:prstGeom prst="ellipse">
-            <a:avLst/>
-          </a:prstGeom>
-        </p:spPr>
-        <p:style>
-          <a:lnRef idx="2">
-            <a:schemeClr val="accent1">
-              <a:shade val="15000"/>
-            </a:schemeClr>
-          </a:lnRef>
-          <a:fillRef idx="1">
-            <a:schemeClr val="accent1"/>
-          </a:fillRef>
-          <a:effectRef idx="0">
-            <a:schemeClr val="accent1"/>
-          </a:effectRef>
-          <a:fontRef idx="minor">
-            <a:schemeClr val="lt1"/>
-          </a:fontRef>
-        </p:style>
-        <p:txBody>
-          <a:bodyPr rtlCol="0" anchor="ctr"/>
-          <a:lstStyle/>
-          <a:p>
-            <a:pPr algn="ctr"/>
-            <a:endParaRPr lang="en-US" dirty="0"/>
-          </a:p>
-        </p:txBody>
-      </p:sp>
-      <p:sp>
-        <p:nvSpPr>
-          <p:cNvPr id="7" name="Oval 6">
-            <a:extLst>
-              <a:ext uri="{FF2B5EF4-FFF2-40B4-BE49-F238E27FC236}">
-                <a16:creationId xmlns:a16="http://schemas.microsoft.com/office/drawing/2014/main" id="{23180C21-BE91-86E8-61A3-6F8815FEB178}"/>
-              </a:ext>
-            </a:extLst>
-          </p:cNvPr>
-          <p:cNvSpPr/>
-          <p:nvPr/>
-        </p:nvSpPr>
-        <p:spPr>
-          <a:xfrm>
-            <a:off x="4709884" y="3866323"/>
-            <a:ext cx="844827" cy="745435"/>
-          </a:xfrm>
-          <a:prstGeom prst="ellipse">
-            <a:avLst/>
-          </a:prstGeom>
-        </p:spPr>
-        <p:style>
-          <a:lnRef idx="2">
-            <a:schemeClr val="accent1">
-              <a:shade val="15000"/>
-            </a:schemeClr>
-          </a:lnRef>
-          <a:fillRef idx="1">
-            <a:schemeClr val="accent1"/>
-          </a:fillRef>
-          <a:effectRef idx="0">
-            <a:schemeClr val="accent1"/>
-          </a:effectRef>
-          <a:fontRef idx="minor">
-            <a:schemeClr val="lt1"/>
-          </a:fontRef>
-        </p:style>
-        <p:txBody>
-          <a:bodyPr rtlCol="0" anchor="ctr"/>
-          <a:lstStyle/>
-          <a:p>
-            <a:pPr algn="ctr"/>
-            <a:endParaRPr lang="en-US" dirty="0"/>
-          </a:p>
-        </p:txBody>
-      </p:sp>
-      <p:sp>
-        <p:nvSpPr>
-          <p:cNvPr id="8" name="Oval 7">
-            <a:extLst>
-              <a:ext uri="{FF2B5EF4-FFF2-40B4-BE49-F238E27FC236}">
-                <a16:creationId xmlns:a16="http://schemas.microsoft.com/office/drawing/2014/main" id="{E7F55B46-2259-AABB-D4BF-FBEF07D780E8}"/>
-              </a:ext>
-            </a:extLst>
-          </p:cNvPr>
-          <p:cNvSpPr/>
-          <p:nvPr/>
-        </p:nvSpPr>
-        <p:spPr>
-          <a:xfrm>
-            <a:off x="8189840" y="2751556"/>
-            <a:ext cx="1620081" cy="745435"/>
-          </a:xfrm>
-          <a:prstGeom prst="ellipse">
-            <a:avLst/>
-          </a:prstGeom>
-        </p:spPr>
-        <p:style>
-          <a:lnRef idx="2">
-            <a:schemeClr val="accent1">
-              <a:shade val="15000"/>
-            </a:schemeClr>
-          </a:lnRef>
-          <a:fillRef idx="1">
-            <a:schemeClr val="accent1"/>
-          </a:fillRef>
-          <a:effectRef idx="0">
-            <a:schemeClr val="accent1"/>
-          </a:effectRef>
-          <a:fontRef idx="minor">
-            <a:schemeClr val="lt1"/>
-          </a:fontRef>
-        </p:style>
-        <p:txBody>
-          <a:bodyPr rtlCol="0" anchor="ctr"/>
-          <a:lstStyle/>
-          <a:p>
-            <a:pPr algn="ctr"/>
-            <a:r>
-              <a:rPr lang="en-US" dirty="0"/>
-              <a:t>Age Grp1</a:t>
-            </a:r>
-          </a:p>
-        </p:txBody>
-      </p:sp>
-      <p:sp>
-        <p:nvSpPr>
-          <p:cNvPr id="9" name="Oval 8">
-            <a:extLst>
-              <a:ext uri="{FF2B5EF4-FFF2-40B4-BE49-F238E27FC236}">
-                <a16:creationId xmlns:a16="http://schemas.microsoft.com/office/drawing/2014/main" id="{F4F90FC8-14A8-ECFE-D9A9-66B17D7EA547}"/>
-              </a:ext>
-            </a:extLst>
-          </p:cNvPr>
-          <p:cNvSpPr/>
-          <p:nvPr/>
-        </p:nvSpPr>
-        <p:spPr>
-          <a:xfrm>
-            <a:off x="8220486" y="3762999"/>
-            <a:ext cx="1620081" cy="745435"/>
-          </a:xfrm>
-          <a:prstGeom prst="ellipse">
-            <a:avLst/>
-          </a:prstGeom>
-        </p:spPr>
-        <p:style>
-          <a:lnRef idx="2">
-            <a:schemeClr val="accent1">
-              <a:shade val="15000"/>
-            </a:schemeClr>
-          </a:lnRef>
-          <a:fillRef idx="1">
-            <a:schemeClr val="accent1"/>
-          </a:fillRef>
-          <a:effectRef idx="0">
-            <a:schemeClr val="accent1"/>
-          </a:effectRef>
-          <a:fontRef idx="minor">
-            <a:schemeClr val="lt1"/>
-          </a:fontRef>
-        </p:style>
-        <p:txBody>
-          <a:bodyPr rtlCol="0" anchor="ctr"/>
-          <a:lstStyle/>
-          <a:p>
-            <a:pPr algn="ctr"/>
-            <a:r>
-              <a:rPr lang="en-US" dirty="0"/>
-              <a:t>Age Grp2</a:t>
-            </a:r>
-          </a:p>
-        </p:txBody>
-      </p:sp>
-      <p:cxnSp>
-        <p:nvCxnSpPr>
-          <p:cNvPr id="10" name="Straight Arrow Connector 9">
-            <a:extLst>
-              <a:ext uri="{FF2B5EF4-FFF2-40B4-BE49-F238E27FC236}">
-                <a16:creationId xmlns:a16="http://schemas.microsoft.com/office/drawing/2014/main" id="{F9883ED4-AB35-B560-F863-98904CA6A7F9}"/>
-              </a:ext>
-            </a:extLst>
-          </p:cNvPr>
-          <p:cNvCxnSpPr>
-            <a:stCxn id="5" idx="6"/>
-            <a:endCxn id="6" idx="2"/>
-          </p:cNvCxnSpPr>
-          <p:nvPr/>
-        </p:nvCxnSpPr>
-        <p:spPr>
-          <a:xfrm flipV="1">
-            <a:off x="3067856" y="2953752"/>
-            <a:ext cx="1635006" cy="108745"/>
-          </a:xfrm>
-          <a:prstGeom prst="straightConnector1">
-            <a:avLst/>
-          </a:prstGeom>
-          <a:ln>
-            <a:tailEnd type="triangle"/>
-          </a:ln>
-        </p:spPr>
-        <p:style>
-          <a:lnRef idx="1">
-            <a:schemeClr val="accent1"/>
-          </a:lnRef>
-          <a:fillRef idx="0">
-            <a:schemeClr val="accent1"/>
-          </a:fillRef>
-          <a:effectRef idx="0">
-            <a:schemeClr val="accent1"/>
-          </a:effectRef>
-          <a:fontRef idx="minor">
-            <a:schemeClr val="tx1"/>
-          </a:fontRef>
-        </p:style>
-      </p:cxnSp>
-      <p:cxnSp>
-        <p:nvCxnSpPr>
-          <p:cNvPr id="11" name="Straight Arrow Connector 10">
-            <a:extLst>
-              <a:ext uri="{FF2B5EF4-FFF2-40B4-BE49-F238E27FC236}">
-                <a16:creationId xmlns:a16="http://schemas.microsoft.com/office/drawing/2014/main" id="{FCC874CA-EA9A-9311-AC1D-0FF1EA4A9BFD}"/>
-              </a:ext>
-            </a:extLst>
-          </p:cNvPr>
-          <p:cNvCxnSpPr>
-            <a:cxnSpLocks/>
-            <a:stCxn id="6" idx="6"/>
-            <a:endCxn id="8" idx="2"/>
-          </p:cNvCxnSpPr>
-          <p:nvPr/>
-        </p:nvCxnSpPr>
-        <p:spPr>
-          <a:xfrm>
-            <a:off x="5547689" y="2953752"/>
-            <a:ext cx="2642151" cy="170522"/>
-          </a:xfrm>
-          <a:prstGeom prst="straightConnector1">
-            <a:avLst/>
-          </a:prstGeom>
-          <a:ln>
-            <a:tailEnd type="triangle"/>
-          </a:ln>
-        </p:spPr>
-        <p:style>
-          <a:lnRef idx="1">
-            <a:schemeClr val="accent1"/>
-          </a:lnRef>
-          <a:fillRef idx="0">
-            <a:schemeClr val="accent1"/>
-          </a:fillRef>
-          <a:effectRef idx="0">
-            <a:schemeClr val="accent1"/>
-          </a:effectRef>
-          <a:fontRef idx="minor">
-            <a:schemeClr val="tx1"/>
-          </a:fontRef>
-        </p:style>
-      </p:cxnSp>
-      <p:cxnSp>
-        <p:nvCxnSpPr>
-          <p:cNvPr id="12" name="Straight Arrow Connector 11">
-            <a:extLst>
-              <a:ext uri="{FF2B5EF4-FFF2-40B4-BE49-F238E27FC236}">
-                <a16:creationId xmlns:a16="http://schemas.microsoft.com/office/drawing/2014/main" id="{B693DD0B-24E3-938F-6B2B-878DB608C0D3}"/>
-              </a:ext>
-            </a:extLst>
-          </p:cNvPr>
-          <p:cNvCxnSpPr>
-            <a:cxnSpLocks/>
-            <a:stCxn id="6" idx="6"/>
-            <a:endCxn id="9" idx="2"/>
-          </p:cNvCxnSpPr>
-          <p:nvPr/>
-        </p:nvCxnSpPr>
-        <p:spPr>
-          <a:xfrm>
-            <a:off x="5547689" y="2953752"/>
-            <a:ext cx="2672797" cy="1181965"/>
-          </a:xfrm>
-          <a:prstGeom prst="straightConnector1">
-            <a:avLst/>
-          </a:prstGeom>
-          <a:ln>
-            <a:tailEnd type="triangle"/>
-          </a:ln>
-        </p:spPr>
-        <p:style>
-          <a:lnRef idx="1">
-            <a:schemeClr val="accent1"/>
-          </a:lnRef>
-          <a:fillRef idx="0">
-            <a:schemeClr val="accent1"/>
-          </a:fillRef>
-          <a:effectRef idx="0">
-            <a:schemeClr val="accent1"/>
-          </a:effectRef>
-          <a:fontRef idx="minor">
-            <a:schemeClr val="tx1"/>
-          </a:fontRef>
-        </p:style>
-      </p:cxnSp>
-      <p:cxnSp>
-        <p:nvCxnSpPr>
-          <p:cNvPr id="13" name="Straight Arrow Connector 12">
-            <a:extLst>
-              <a:ext uri="{FF2B5EF4-FFF2-40B4-BE49-F238E27FC236}">
-                <a16:creationId xmlns:a16="http://schemas.microsoft.com/office/drawing/2014/main" id="{2A878B0A-A4BE-A1C6-9114-2F6A4DF47A5F}"/>
-              </a:ext>
-            </a:extLst>
-          </p:cNvPr>
-          <p:cNvCxnSpPr>
-            <a:cxnSpLocks/>
-            <a:stCxn id="19" idx="6"/>
-            <a:endCxn id="8" idx="2"/>
-          </p:cNvCxnSpPr>
-          <p:nvPr/>
-        </p:nvCxnSpPr>
-        <p:spPr>
-          <a:xfrm flipV="1">
-            <a:off x="5558851" y="3124274"/>
-            <a:ext cx="2630989" cy="2395605"/>
-          </a:xfrm>
-          <a:prstGeom prst="straightConnector1">
-            <a:avLst/>
-          </a:prstGeom>
-          <a:ln>
-            <a:tailEnd type="triangle"/>
-          </a:ln>
-        </p:spPr>
-        <p:style>
-          <a:lnRef idx="1">
-            <a:schemeClr val="accent1"/>
-          </a:lnRef>
-          <a:fillRef idx="0">
-            <a:schemeClr val="accent1"/>
-          </a:fillRef>
-          <a:effectRef idx="0">
-            <a:schemeClr val="accent1"/>
-          </a:effectRef>
-          <a:fontRef idx="minor">
-            <a:schemeClr val="tx1"/>
-          </a:fontRef>
-        </p:style>
-      </p:cxnSp>
-      <p:cxnSp>
-        <p:nvCxnSpPr>
-          <p:cNvPr id="14" name="Straight Arrow Connector 13">
-            <a:extLst>
-              <a:ext uri="{FF2B5EF4-FFF2-40B4-BE49-F238E27FC236}">
-                <a16:creationId xmlns:a16="http://schemas.microsoft.com/office/drawing/2014/main" id="{C4A1893F-0AA3-CE5E-184D-C3CDF39C580C}"/>
-              </a:ext>
-            </a:extLst>
-          </p:cNvPr>
-          <p:cNvCxnSpPr>
-            <a:cxnSpLocks/>
-            <a:stCxn id="19" idx="6"/>
-            <a:endCxn id="9" idx="2"/>
-          </p:cNvCxnSpPr>
-          <p:nvPr/>
-        </p:nvCxnSpPr>
-        <p:spPr>
-          <a:xfrm flipV="1">
-            <a:off x="5558851" y="4135717"/>
-            <a:ext cx="2661635" cy="1384162"/>
-          </a:xfrm>
-          <a:prstGeom prst="straightConnector1">
-            <a:avLst/>
-          </a:prstGeom>
-          <a:ln>
-            <a:tailEnd type="triangle"/>
-          </a:ln>
-        </p:spPr>
-        <p:style>
-          <a:lnRef idx="1">
-            <a:schemeClr val="accent1"/>
-          </a:lnRef>
-          <a:fillRef idx="0">
-            <a:schemeClr val="accent1"/>
-          </a:fillRef>
-          <a:effectRef idx="0">
-            <a:schemeClr val="accent1"/>
-          </a:effectRef>
-          <a:fontRef idx="minor">
-            <a:schemeClr val="tx1"/>
-          </a:fontRef>
-        </p:style>
-      </p:cxnSp>
-      <p:cxnSp>
-        <p:nvCxnSpPr>
-          <p:cNvPr id="15" name="Straight Arrow Connector 14">
-            <a:extLst>
-              <a:ext uri="{FF2B5EF4-FFF2-40B4-BE49-F238E27FC236}">
-                <a16:creationId xmlns:a16="http://schemas.microsoft.com/office/drawing/2014/main" id="{34D8749B-AD87-FDFB-40F7-7FB6D6CD47C3}"/>
-              </a:ext>
-            </a:extLst>
-          </p:cNvPr>
-          <p:cNvCxnSpPr>
-            <a:stCxn id="5" idx="6"/>
-            <a:endCxn id="7" idx="2"/>
-          </p:cNvCxnSpPr>
-          <p:nvPr/>
-        </p:nvCxnSpPr>
-        <p:spPr>
-          <a:xfrm>
-            <a:off x="3067856" y="3062497"/>
-            <a:ext cx="1642028" cy="1176544"/>
-          </a:xfrm>
-          <a:prstGeom prst="straightConnector1">
-            <a:avLst/>
-          </a:prstGeom>
-          <a:ln>
-            <a:tailEnd type="triangle"/>
-          </a:ln>
-        </p:spPr>
-        <p:style>
-          <a:lnRef idx="1">
-            <a:schemeClr val="accent1"/>
-          </a:lnRef>
-          <a:fillRef idx="0">
-            <a:schemeClr val="accent1"/>
-          </a:fillRef>
-          <a:effectRef idx="0">
-            <a:schemeClr val="accent1"/>
-          </a:effectRef>
-          <a:fontRef idx="minor">
-            <a:schemeClr val="tx1"/>
-          </a:fontRef>
-        </p:style>
-      </p:cxnSp>
-      <p:sp>
-        <p:nvSpPr>
-          <p:cNvPr id="16" name="TextBox 15">
-            <a:extLst>
-              <a:ext uri="{FF2B5EF4-FFF2-40B4-BE49-F238E27FC236}">
-                <a16:creationId xmlns:a16="http://schemas.microsoft.com/office/drawing/2014/main" id="{5BA8DAB8-35D8-3FCF-8E67-C052F64563ED}"/>
-              </a:ext>
-            </a:extLst>
-          </p:cNvPr>
-          <p:cNvSpPr txBox="1"/>
-          <p:nvPr/>
-        </p:nvSpPr>
-        <p:spPr>
-          <a:xfrm>
-            <a:off x="4263145" y="1911234"/>
-            <a:ext cx="1441916" cy="646331"/>
-          </a:xfrm>
-          <a:prstGeom prst="rect">
-            <a:avLst/>
-          </a:prstGeom>
-          <a:noFill/>
-        </p:spPr>
-        <p:txBody>
-          <a:bodyPr wrap="square" rtlCol="0">
-            <a:spAutoFit/>
-          </a:bodyPr>
-          <a:lstStyle/>
-          <a:p>
-            <a:r>
-              <a:rPr lang="en-US" dirty="0"/>
-              <a:t>Hidden Layer (how Wide?)</a:t>
-            </a:r>
-          </a:p>
-        </p:txBody>
-      </p:sp>
-      <p:sp>
-        <p:nvSpPr>
-          <p:cNvPr id="17" name="TextBox 16">
-            <a:extLst>
-              <a:ext uri="{FF2B5EF4-FFF2-40B4-BE49-F238E27FC236}">
-                <a16:creationId xmlns:a16="http://schemas.microsoft.com/office/drawing/2014/main" id="{E305F6E4-48B0-AA57-03E4-7D7BD35826A5}"/>
-              </a:ext>
-            </a:extLst>
-          </p:cNvPr>
-          <p:cNvSpPr txBox="1"/>
-          <p:nvPr/>
-        </p:nvSpPr>
-        <p:spPr>
-          <a:xfrm>
-            <a:off x="8189841" y="2091779"/>
-            <a:ext cx="988088" cy="369332"/>
-          </a:xfrm>
-          <a:prstGeom prst="rect">
-            <a:avLst/>
-          </a:prstGeom>
-          <a:noFill/>
-        </p:spPr>
-        <p:txBody>
-          <a:bodyPr wrap="square" rtlCol="0">
-            <a:spAutoFit/>
-          </a:bodyPr>
-          <a:lstStyle/>
-          <a:p>
-            <a:r>
-              <a:rPr lang="en-US" dirty="0"/>
-              <a:t>Output</a:t>
-            </a:r>
-          </a:p>
-        </p:txBody>
-      </p:sp>
-      <p:sp>
-        <p:nvSpPr>
-          <p:cNvPr id="18" name="Oval 17">
-            <a:extLst>
-              <a:ext uri="{FF2B5EF4-FFF2-40B4-BE49-F238E27FC236}">
-                <a16:creationId xmlns:a16="http://schemas.microsoft.com/office/drawing/2014/main" id="{A3C84104-BF1C-A9B6-5F79-1C86806B25AC}"/>
-              </a:ext>
-            </a:extLst>
-          </p:cNvPr>
-          <p:cNvSpPr/>
-          <p:nvPr/>
-        </p:nvSpPr>
-        <p:spPr>
-          <a:xfrm>
-            <a:off x="1321462" y="4024632"/>
-            <a:ext cx="1769165" cy="745435"/>
-          </a:xfrm>
-          <a:prstGeom prst="ellipse">
-            <a:avLst/>
-          </a:prstGeom>
-        </p:spPr>
-        <p:style>
-          <a:lnRef idx="2">
-            <a:schemeClr val="accent5">
-              <a:shade val="15000"/>
-            </a:schemeClr>
-          </a:lnRef>
-          <a:fillRef idx="1">
-            <a:schemeClr val="accent5"/>
-          </a:fillRef>
-          <a:effectRef idx="0">
-            <a:schemeClr val="accent5"/>
-          </a:effectRef>
-          <a:fontRef idx="minor">
-            <a:schemeClr val="lt1"/>
-          </a:fontRef>
-        </p:style>
-        <p:txBody>
-          <a:bodyPr rtlCol="0" anchor="ctr"/>
-          <a:lstStyle/>
-          <a:p>
-            <a:pPr algn="ctr"/>
-            <a:r>
-              <a:rPr lang="en-US" dirty="0"/>
-              <a:t>Height</a:t>
-            </a:r>
-          </a:p>
-        </p:txBody>
-      </p:sp>
-      <p:sp>
-        <p:nvSpPr>
-          <p:cNvPr id="19" name="Oval 18">
-            <a:extLst>
-              <a:ext uri="{FF2B5EF4-FFF2-40B4-BE49-F238E27FC236}">
-                <a16:creationId xmlns:a16="http://schemas.microsoft.com/office/drawing/2014/main" id="{F6EA78A9-3F75-6027-97D3-E242919D6F7F}"/>
-              </a:ext>
-            </a:extLst>
-          </p:cNvPr>
-          <p:cNvSpPr/>
-          <p:nvPr/>
-        </p:nvSpPr>
-        <p:spPr>
-          <a:xfrm>
-            <a:off x="4714024" y="5147161"/>
-            <a:ext cx="844827" cy="745435"/>
-          </a:xfrm>
-          <a:prstGeom prst="ellipse">
-            <a:avLst/>
-          </a:prstGeom>
-        </p:spPr>
-        <p:style>
-          <a:lnRef idx="2">
-            <a:schemeClr val="accent1">
-              <a:shade val="15000"/>
-            </a:schemeClr>
-          </a:lnRef>
-          <a:fillRef idx="1">
-            <a:schemeClr val="accent1"/>
-          </a:fillRef>
-          <a:effectRef idx="0">
-            <a:schemeClr val="accent1"/>
-          </a:effectRef>
-          <a:fontRef idx="minor">
-            <a:schemeClr val="lt1"/>
-          </a:fontRef>
-        </p:style>
-        <p:txBody>
-          <a:bodyPr rtlCol="0" anchor="ctr"/>
-          <a:lstStyle/>
-          <a:p>
-            <a:pPr algn="ctr"/>
-            <a:endParaRPr lang="en-US" dirty="0"/>
-          </a:p>
-        </p:txBody>
-      </p:sp>
-      <p:cxnSp>
-        <p:nvCxnSpPr>
-          <p:cNvPr id="20" name="Straight Arrow Connector 19">
-            <a:extLst>
-              <a:ext uri="{FF2B5EF4-FFF2-40B4-BE49-F238E27FC236}">
-                <a16:creationId xmlns:a16="http://schemas.microsoft.com/office/drawing/2014/main" id="{1256EF03-2A83-571B-A411-DA5DE72C9049}"/>
-              </a:ext>
-            </a:extLst>
-          </p:cNvPr>
-          <p:cNvCxnSpPr>
-            <a:stCxn id="18" idx="6"/>
-            <a:endCxn id="19" idx="2"/>
-          </p:cNvCxnSpPr>
-          <p:nvPr/>
-        </p:nvCxnSpPr>
-        <p:spPr>
-          <a:xfrm>
-            <a:off x="3090627" y="4397350"/>
-            <a:ext cx="1623397" cy="1122529"/>
-          </a:xfrm>
-          <a:prstGeom prst="straightConnector1">
-            <a:avLst/>
-          </a:prstGeom>
-          <a:ln>
-            <a:tailEnd type="triangle"/>
-          </a:ln>
-        </p:spPr>
-        <p:style>
-          <a:lnRef idx="1">
-            <a:schemeClr val="accent1"/>
-          </a:lnRef>
-          <a:fillRef idx="0">
-            <a:schemeClr val="accent1"/>
-          </a:fillRef>
-          <a:effectRef idx="0">
-            <a:schemeClr val="accent1"/>
-          </a:effectRef>
-          <a:fontRef idx="minor">
-            <a:schemeClr val="tx1"/>
-          </a:fontRef>
-        </p:style>
-      </p:cxnSp>
-      <p:cxnSp>
-        <p:nvCxnSpPr>
-          <p:cNvPr id="21" name="Straight Arrow Connector 20">
-            <a:extLst>
-              <a:ext uri="{FF2B5EF4-FFF2-40B4-BE49-F238E27FC236}">
-                <a16:creationId xmlns:a16="http://schemas.microsoft.com/office/drawing/2014/main" id="{0B7CE338-4AA1-8003-DF1E-620ED5E3889A}"/>
-              </a:ext>
-            </a:extLst>
-          </p:cNvPr>
-          <p:cNvCxnSpPr>
-            <a:cxnSpLocks/>
-            <a:stCxn id="7" idx="6"/>
-            <a:endCxn id="8" idx="2"/>
-          </p:cNvCxnSpPr>
-          <p:nvPr/>
-        </p:nvCxnSpPr>
-        <p:spPr>
-          <a:xfrm flipV="1">
-            <a:off x="5554711" y="3124274"/>
-            <a:ext cx="2635129" cy="1114767"/>
-          </a:xfrm>
-          <a:prstGeom prst="straightConnector1">
-            <a:avLst/>
-          </a:prstGeom>
-          <a:ln>
-            <a:tailEnd type="triangle"/>
-          </a:ln>
-        </p:spPr>
-        <p:style>
-          <a:lnRef idx="1">
-            <a:schemeClr val="accent1"/>
-          </a:lnRef>
-          <a:fillRef idx="0">
-            <a:schemeClr val="accent1"/>
-          </a:fillRef>
-          <a:effectRef idx="0">
-            <a:schemeClr val="accent1"/>
-          </a:effectRef>
-          <a:fontRef idx="minor">
-            <a:schemeClr val="tx1"/>
-          </a:fontRef>
-        </p:style>
-      </p:cxnSp>
-      <p:cxnSp>
-        <p:nvCxnSpPr>
-          <p:cNvPr id="22" name="Straight Arrow Connector 21">
-            <a:extLst>
-              <a:ext uri="{FF2B5EF4-FFF2-40B4-BE49-F238E27FC236}">
-                <a16:creationId xmlns:a16="http://schemas.microsoft.com/office/drawing/2014/main" id="{71FF53A2-80DE-F70E-8A33-3867CF9F47EF}"/>
-              </a:ext>
-            </a:extLst>
-          </p:cNvPr>
-          <p:cNvCxnSpPr>
-            <a:cxnSpLocks/>
-            <a:stCxn id="7" idx="6"/>
-            <a:endCxn id="9" idx="2"/>
-          </p:cNvCxnSpPr>
-          <p:nvPr/>
-        </p:nvCxnSpPr>
-        <p:spPr>
-          <a:xfrm flipV="1">
-            <a:off x="5554711" y="4135717"/>
-            <a:ext cx="2665775" cy="103324"/>
-          </a:xfrm>
-          <a:prstGeom prst="straightConnector1">
-            <a:avLst/>
-          </a:prstGeom>
-          <a:ln>
-            <a:tailEnd type="triangle"/>
-          </a:ln>
-        </p:spPr>
-        <p:style>
-          <a:lnRef idx="1">
-            <a:schemeClr val="accent1"/>
-          </a:lnRef>
-          <a:fillRef idx="0">
-            <a:schemeClr val="accent1"/>
-          </a:fillRef>
-          <a:effectRef idx="0">
-            <a:schemeClr val="accent1"/>
-          </a:effectRef>
-          <a:fontRef idx="minor">
-            <a:schemeClr val="tx1"/>
-          </a:fontRef>
-        </p:style>
-      </p:cxnSp>
-      <p:cxnSp>
-        <p:nvCxnSpPr>
-          <p:cNvPr id="23" name="Straight Arrow Connector 22">
-            <a:extLst>
-              <a:ext uri="{FF2B5EF4-FFF2-40B4-BE49-F238E27FC236}">
-                <a16:creationId xmlns:a16="http://schemas.microsoft.com/office/drawing/2014/main" id="{B0A7232E-6E33-2922-941A-B4FCA023CAAC}"/>
-              </a:ext>
-            </a:extLst>
-          </p:cNvPr>
-          <p:cNvCxnSpPr>
-            <a:stCxn id="18" idx="6"/>
-            <a:endCxn id="6" idx="2"/>
-          </p:cNvCxnSpPr>
-          <p:nvPr/>
-        </p:nvCxnSpPr>
-        <p:spPr>
-          <a:xfrm flipV="1">
-            <a:off x="3090627" y="2953752"/>
-            <a:ext cx="1612235" cy="1443598"/>
-          </a:xfrm>
-          <a:prstGeom prst="straightConnector1">
-            <a:avLst/>
-          </a:prstGeom>
-          <a:ln>
-            <a:tailEnd type="triangle"/>
-          </a:ln>
-        </p:spPr>
-        <p:style>
-          <a:lnRef idx="1">
-            <a:schemeClr val="accent1"/>
-          </a:lnRef>
-          <a:fillRef idx="0">
-            <a:schemeClr val="accent1"/>
-          </a:fillRef>
-          <a:effectRef idx="0">
-            <a:schemeClr val="accent1"/>
-          </a:effectRef>
-          <a:fontRef idx="minor">
-            <a:schemeClr val="tx1"/>
-          </a:fontRef>
-        </p:style>
-      </p:cxnSp>
-      <p:cxnSp>
-        <p:nvCxnSpPr>
-          <p:cNvPr id="24" name="Straight Arrow Connector 23">
-            <a:extLst>
-              <a:ext uri="{FF2B5EF4-FFF2-40B4-BE49-F238E27FC236}">
-                <a16:creationId xmlns:a16="http://schemas.microsoft.com/office/drawing/2014/main" id="{181867C6-C1C1-E83F-7B9C-B98861490C4E}"/>
-              </a:ext>
-            </a:extLst>
-          </p:cNvPr>
-          <p:cNvCxnSpPr>
-            <a:stCxn id="5" idx="6"/>
-            <a:endCxn id="19" idx="2"/>
-          </p:cNvCxnSpPr>
-          <p:nvPr/>
-        </p:nvCxnSpPr>
-        <p:spPr>
-          <a:xfrm>
-            <a:off x="3067856" y="3062497"/>
-            <a:ext cx="1646168" cy="2457382"/>
-          </a:xfrm>
-          <a:prstGeom prst="straightConnector1">
-            <a:avLst/>
-          </a:prstGeom>
-          <a:ln>
-            <a:tailEnd type="triangle"/>
-          </a:ln>
-        </p:spPr>
-        <p:style>
-          <a:lnRef idx="1">
-            <a:schemeClr val="accent1"/>
-          </a:lnRef>
-          <a:fillRef idx="0">
-            <a:schemeClr val="accent1"/>
-          </a:fillRef>
-          <a:effectRef idx="0">
-            <a:schemeClr val="accent1"/>
-          </a:effectRef>
-          <a:fontRef idx="minor">
-            <a:schemeClr val="tx1"/>
-          </a:fontRef>
-        </p:style>
-      </p:cxnSp>
-      <p:cxnSp>
-        <p:nvCxnSpPr>
-          <p:cNvPr id="25" name="Straight Arrow Connector 24">
-            <a:extLst>
-              <a:ext uri="{FF2B5EF4-FFF2-40B4-BE49-F238E27FC236}">
-                <a16:creationId xmlns:a16="http://schemas.microsoft.com/office/drawing/2014/main" id="{CD6B4A31-3C82-2878-25C2-2DB8C2AEE967}"/>
-              </a:ext>
-            </a:extLst>
-          </p:cNvPr>
-          <p:cNvCxnSpPr>
-            <a:stCxn id="18" idx="6"/>
-            <a:endCxn id="7" idx="2"/>
-          </p:cNvCxnSpPr>
-          <p:nvPr/>
-        </p:nvCxnSpPr>
-        <p:spPr>
-          <a:xfrm flipV="1">
-            <a:off x="3090627" y="4239041"/>
-            <a:ext cx="1619257" cy="158309"/>
-          </a:xfrm>
-          <a:prstGeom prst="straightConnector1">
-            <a:avLst/>
-          </a:prstGeom>
-          <a:ln>
-            <a:tailEnd type="triangle"/>
-          </a:ln>
-        </p:spPr>
-        <p:style>
-          <a:lnRef idx="1">
-            <a:schemeClr val="accent1"/>
-          </a:lnRef>
-          <a:fillRef idx="0">
-            <a:schemeClr val="accent1"/>
-          </a:fillRef>
-          <a:effectRef idx="0">
-            <a:schemeClr val="accent1"/>
-          </a:effectRef>
-          <a:fontRef idx="minor">
-            <a:schemeClr val="tx1"/>
-          </a:fontRef>
-        </p:style>
-      </p:cxnSp>
-      <p:sp>
-        <p:nvSpPr>
-          <p:cNvPr id="29" name="Oval 28">
-            <a:extLst>
-              <a:ext uri="{FF2B5EF4-FFF2-40B4-BE49-F238E27FC236}">
-                <a16:creationId xmlns:a16="http://schemas.microsoft.com/office/drawing/2014/main" id="{C9083F45-7DF7-62E6-675C-0A52B595E707}"/>
-              </a:ext>
-            </a:extLst>
-          </p:cNvPr>
-          <p:cNvSpPr/>
-          <p:nvPr/>
-        </p:nvSpPr>
-        <p:spPr>
-          <a:xfrm>
-            <a:off x="1330979" y="5201176"/>
-            <a:ext cx="1769165" cy="745435"/>
-          </a:xfrm>
-          <a:prstGeom prst="ellipse">
-            <a:avLst/>
-          </a:prstGeom>
-        </p:spPr>
-        <p:style>
-          <a:lnRef idx="2">
-            <a:schemeClr val="accent5">
-              <a:shade val="15000"/>
-            </a:schemeClr>
-          </a:lnRef>
-          <a:fillRef idx="1">
-            <a:schemeClr val="accent5"/>
-          </a:fillRef>
-          <a:effectRef idx="0">
-            <a:schemeClr val="accent5"/>
-          </a:effectRef>
-          <a:fontRef idx="minor">
-            <a:schemeClr val="lt1"/>
-          </a:fontRef>
-        </p:style>
-        <p:txBody>
-          <a:bodyPr rtlCol="0" anchor="ctr"/>
-          <a:lstStyle/>
-          <a:p>
-            <a:pPr algn="ctr"/>
-            <a:r>
-              <a:rPr lang="en-US" dirty="0"/>
-              <a:t>Gender</a:t>
-            </a:r>
-          </a:p>
-        </p:txBody>
-      </p:sp>
-      <p:cxnSp>
-        <p:nvCxnSpPr>
-          <p:cNvPr id="58" name="Straight Arrow Connector 57">
-            <a:extLst>
-              <a:ext uri="{FF2B5EF4-FFF2-40B4-BE49-F238E27FC236}">
-                <a16:creationId xmlns:a16="http://schemas.microsoft.com/office/drawing/2014/main" id="{57D4B414-6F2B-21C8-B3E5-9057503D4501}"/>
-              </a:ext>
-            </a:extLst>
-          </p:cNvPr>
-          <p:cNvCxnSpPr>
-            <a:cxnSpLocks/>
-            <a:stCxn id="29" idx="6"/>
-            <a:endCxn id="6" idx="2"/>
-          </p:cNvCxnSpPr>
-          <p:nvPr/>
-        </p:nvCxnSpPr>
-        <p:spPr>
-          <a:xfrm flipV="1">
-            <a:off x="3100144" y="2953752"/>
-            <a:ext cx="1602718" cy="2620142"/>
-          </a:xfrm>
-          <a:prstGeom prst="straightConnector1">
-            <a:avLst/>
-          </a:prstGeom>
-          <a:ln>
-            <a:tailEnd type="triangle"/>
-          </a:ln>
-        </p:spPr>
-        <p:style>
-          <a:lnRef idx="1">
-            <a:schemeClr val="accent1"/>
-          </a:lnRef>
-          <a:fillRef idx="0">
-            <a:schemeClr val="accent1"/>
-          </a:fillRef>
-          <a:effectRef idx="0">
-            <a:schemeClr val="accent1"/>
-          </a:effectRef>
-          <a:fontRef idx="minor">
-            <a:schemeClr val="tx1"/>
-          </a:fontRef>
-        </p:style>
-      </p:cxnSp>
-      <p:cxnSp>
-        <p:nvCxnSpPr>
-          <p:cNvPr id="61" name="Straight Arrow Connector 60">
-            <a:extLst>
-              <a:ext uri="{FF2B5EF4-FFF2-40B4-BE49-F238E27FC236}">
-                <a16:creationId xmlns:a16="http://schemas.microsoft.com/office/drawing/2014/main" id="{8E3F962A-5E95-D9BC-DFF9-60CDF11B5F75}"/>
-              </a:ext>
-            </a:extLst>
-          </p:cNvPr>
-          <p:cNvCxnSpPr>
-            <a:stCxn id="29" idx="6"/>
-            <a:endCxn id="7" idx="2"/>
-          </p:cNvCxnSpPr>
-          <p:nvPr/>
-        </p:nvCxnSpPr>
-        <p:spPr>
-          <a:xfrm flipV="1">
-            <a:off x="3100144" y="4239041"/>
-            <a:ext cx="1609740" cy="1334853"/>
-          </a:xfrm>
-          <a:prstGeom prst="straightConnector1">
-            <a:avLst/>
-          </a:prstGeom>
-          <a:ln>
-            <a:tailEnd type="triangle"/>
-          </a:ln>
-        </p:spPr>
-        <p:style>
-          <a:lnRef idx="1">
-            <a:schemeClr val="accent1"/>
-          </a:lnRef>
-          <a:fillRef idx="0">
-            <a:schemeClr val="accent1"/>
-          </a:fillRef>
-          <a:effectRef idx="0">
-            <a:schemeClr val="accent1"/>
-          </a:effectRef>
-          <a:fontRef idx="minor">
-            <a:schemeClr val="tx1"/>
-          </a:fontRef>
-        </p:style>
-      </p:cxnSp>
-      <p:cxnSp>
-        <p:nvCxnSpPr>
-          <p:cNvPr id="63" name="Straight Arrow Connector 62">
-            <a:extLst>
-              <a:ext uri="{FF2B5EF4-FFF2-40B4-BE49-F238E27FC236}">
-                <a16:creationId xmlns:a16="http://schemas.microsoft.com/office/drawing/2014/main" id="{DE699506-CF49-BAA3-7F17-A965466F4830}"/>
-              </a:ext>
-            </a:extLst>
-          </p:cNvPr>
-          <p:cNvCxnSpPr>
-            <a:stCxn id="29" idx="6"/>
-            <a:endCxn id="19" idx="2"/>
-          </p:cNvCxnSpPr>
-          <p:nvPr/>
-        </p:nvCxnSpPr>
-        <p:spPr>
-          <a:xfrm flipV="1">
-            <a:off x="3100144" y="5519879"/>
-            <a:ext cx="1613880" cy="54015"/>
-          </a:xfrm>
-          <a:prstGeom prst="straightConnector1">
-            <a:avLst/>
-          </a:prstGeom>
-          <a:ln>
-            <a:tailEnd type="triangle"/>
-          </a:ln>
-        </p:spPr>
-        <p:style>
-          <a:lnRef idx="1">
-            <a:schemeClr val="accent1"/>
-          </a:lnRef>
-          <a:fillRef idx="0">
-            <a:schemeClr val="accent1"/>
-          </a:fillRef>
-          <a:effectRef idx="0">
-            <a:schemeClr val="accent1"/>
-          </a:effectRef>
-          <a:fontRef idx="minor">
-            <a:schemeClr val="tx1"/>
-          </a:fontRef>
-        </p:style>
-      </p:cxnSp>
-      <p:sp>
-        <p:nvSpPr>
-          <p:cNvPr id="64" name="Oval 63">
-            <a:extLst>
-              <a:ext uri="{FF2B5EF4-FFF2-40B4-BE49-F238E27FC236}">
-                <a16:creationId xmlns:a16="http://schemas.microsoft.com/office/drawing/2014/main" id="{3D3FF444-91AB-4C49-2C02-AC4FB512143F}"/>
-              </a:ext>
-            </a:extLst>
-          </p:cNvPr>
-          <p:cNvSpPr/>
-          <p:nvPr/>
-        </p:nvSpPr>
-        <p:spPr>
-          <a:xfrm>
-            <a:off x="8281816" y="4759287"/>
-            <a:ext cx="1620081" cy="745435"/>
-          </a:xfrm>
-          <a:prstGeom prst="ellipse">
-            <a:avLst/>
-          </a:prstGeom>
-        </p:spPr>
-        <p:style>
-          <a:lnRef idx="2">
-            <a:schemeClr val="accent1">
-              <a:shade val="15000"/>
-            </a:schemeClr>
-          </a:lnRef>
-          <a:fillRef idx="1">
-            <a:schemeClr val="accent1"/>
-          </a:fillRef>
-          <a:effectRef idx="0">
-            <a:schemeClr val="accent1"/>
-          </a:effectRef>
-          <a:fontRef idx="minor">
-            <a:schemeClr val="lt1"/>
-          </a:fontRef>
-        </p:style>
-        <p:txBody>
-          <a:bodyPr rtlCol="0" anchor="ctr"/>
-          <a:lstStyle/>
-          <a:p>
-            <a:pPr algn="ctr"/>
-            <a:r>
-              <a:rPr lang="en-US" dirty="0"/>
-              <a:t>Age Grp3</a:t>
-            </a:r>
-          </a:p>
-        </p:txBody>
-      </p:sp>
-      <p:sp>
-        <p:nvSpPr>
-          <p:cNvPr id="68" name="Oval 67">
-            <a:extLst>
-              <a:ext uri="{FF2B5EF4-FFF2-40B4-BE49-F238E27FC236}">
-                <a16:creationId xmlns:a16="http://schemas.microsoft.com/office/drawing/2014/main" id="{7749938B-F58E-80EF-E9B2-C24683EA4E2F}"/>
-              </a:ext>
-            </a:extLst>
-          </p:cNvPr>
-          <p:cNvSpPr/>
-          <p:nvPr/>
-        </p:nvSpPr>
-        <p:spPr>
-          <a:xfrm>
-            <a:off x="8281816" y="5773349"/>
-            <a:ext cx="1620081" cy="745435"/>
-          </a:xfrm>
-          <a:prstGeom prst="ellipse">
-            <a:avLst/>
-          </a:prstGeom>
-        </p:spPr>
-        <p:style>
-          <a:lnRef idx="2">
-            <a:schemeClr val="accent1">
-              <a:shade val="15000"/>
-            </a:schemeClr>
-          </a:lnRef>
-          <a:fillRef idx="1">
-            <a:schemeClr val="accent1"/>
-          </a:fillRef>
-          <a:effectRef idx="0">
-            <a:schemeClr val="accent1"/>
-          </a:effectRef>
-          <a:fontRef idx="minor">
-            <a:schemeClr val="lt1"/>
-          </a:fontRef>
-        </p:style>
-        <p:txBody>
-          <a:bodyPr rtlCol="0" anchor="ctr"/>
-          <a:lstStyle/>
-          <a:p>
-            <a:pPr algn="ctr"/>
-            <a:r>
-              <a:rPr lang="en-US" dirty="0"/>
-              <a:t>Age Grp4</a:t>
-            </a:r>
-          </a:p>
-        </p:txBody>
-      </p:sp>
-      <p:cxnSp>
-        <p:nvCxnSpPr>
-          <p:cNvPr id="73" name="Straight Arrow Connector 72">
-            <a:extLst>
-              <a:ext uri="{FF2B5EF4-FFF2-40B4-BE49-F238E27FC236}">
-                <a16:creationId xmlns:a16="http://schemas.microsoft.com/office/drawing/2014/main" id="{E83CC8DE-C404-CC14-CBEB-8DB744046AB3}"/>
-              </a:ext>
-            </a:extLst>
-          </p:cNvPr>
-          <p:cNvCxnSpPr>
-            <a:cxnSpLocks/>
-            <a:stCxn id="6" idx="6"/>
-            <a:endCxn id="64" idx="2"/>
-          </p:cNvCxnSpPr>
-          <p:nvPr/>
-        </p:nvCxnSpPr>
-        <p:spPr>
-          <a:xfrm>
-            <a:off x="5547689" y="2953752"/>
-            <a:ext cx="2734127" cy="2178253"/>
-          </a:xfrm>
-          <a:prstGeom prst="straightConnector1">
-            <a:avLst/>
-          </a:prstGeom>
-          <a:ln>
-            <a:tailEnd type="triangle"/>
-          </a:ln>
-        </p:spPr>
-        <p:style>
-          <a:lnRef idx="1">
-            <a:schemeClr val="accent1"/>
-          </a:lnRef>
-          <a:fillRef idx="0">
-            <a:schemeClr val="accent1"/>
-          </a:fillRef>
-          <a:effectRef idx="0">
-            <a:schemeClr val="accent1"/>
-          </a:effectRef>
-          <a:fontRef idx="minor">
-            <a:schemeClr val="tx1"/>
-          </a:fontRef>
-        </p:style>
-      </p:cxnSp>
-      <p:cxnSp>
-        <p:nvCxnSpPr>
-          <p:cNvPr id="76" name="Straight Arrow Connector 75">
-            <a:extLst>
-              <a:ext uri="{FF2B5EF4-FFF2-40B4-BE49-F238E27FC236}">
-                <a16:creationId xmlns:a16="http://schemas.microsoft.com/office/drawing/2014/main" id="{716B1740-0A3D-B93F-7B7C-0A30933447FF}"/>
-              </a:ext>
-            </a:extLst>
-          </p:cNvPr>
-          <p:cNvCxnSpPr>
-            <a:cxnSpLocks/>
-            <a:stCxn id="6" idx="6"/>
-            <a:endCxn id="68" idx="2"/>
-          </p:cNvCxnSpPr>
-          <p:nvPr/>
-        </p:nvCxnSpPr>
-        <p:spPr>
-          <a:xfrm>
-            <a:off x="5547689" y="2953752"/>
-            <a:ext cx="2734127" cy="3192315"/>
-          </a:xfrm>
-          <a:prstGeom prst="straightConnector1">
-            <a:avLst/>
-          </a:prstGeom>
-          <a:ln>
-            <a:tailEnd type="triangle"/>
-          </a:ln>
-        </p:spPr>
-        <p:style>
-          <a:lnRef idx="1">
-            <a:schemeClr val="accent1"/>
-          </a:lnRef>
-          <a:fillRef idx="0">
-            <a:schemeClr val="accent1"/>
-          </a:fillRef>
-          <a:effectRef idx="0">
-            <a:schemeClr val="accent1"/>
-          </a:effectRef>
-          <a:fontRef idx="minor">
-            <a:schemeClr val="tx1"/>
-          </a:fontRef>
-        </p:style>
-      </p:cxnSp>
-      <p:cxnSp>
-        <p:nvCxnSpPr>
-          <p:cNvPr id="79" name="Straight Arrow Connector 78">
-            <a:extLst>
-              <a:ext uri="{FF2B5EF4-FFF2-40B4-BE49-F238E27FC236}">
-                <a16:creationId xmlns:a16="http://schemas.microsoft.com/office/drawing/2014/main" id="{C3248468-26F1-45CF-7222-8879AFE418C9}"/>
-              </a:ext>
-            </a:extLst>
-          </p:cNvPr>
-          <p:cNvCxnSpPr>
-            <a:stCxn id="7" idx="6"/>
-            <a:endCxn id="64" idx="2"/>
-          </p:cNvCxnSpPr>
-          <p:nvPr/>
-        </p:nvCxnSpPr>
-        <p:spPr>
-          <a:xfrm>
-            <a:off x="5554711" y="4239041"/>
-            <a:ext cx="2727105" cy="892964"/>
-          </a:xfrm>
-          <a:prstGeom prst="straightConnector1">
-            <a:avLst/>
-          </a:prstGeom>
-          <a:ln>
-            <a:tailEnd type="triangle"/>
-          </a:ln>
-        </p:spPr>
-        <p:style>
-          <a:lnRef idx="1">
-            <a:schemeClr val="accent1"/>
-          </a:lnRef>
-          <a:fillRef idx="0">
-            <a:schemeClr val="accent1"/>
-          </a:fillRef>
-          <a:effectRef idx="0">
-            <a:schemeClr val="accent1"/>
-          </a:effectRef>
-          <a:fontRef idx="minor">
-            <a:schemeClr val="tx1"/>
-          </a:fontRef>
-        </p:style>
-      </p:cxnSp>
-      <p:cxnSp>
-        <p:nvCxnSpPr>
-          <p:cNvPr id="81" name="Straight Arrow Connector 80">
-            <a:extLst>
-              <a:ext uri="{FF2B5EF4-FFF2-40B4-BE49-F238E27FC236}">
-                <a16:creationId xmlns:a16="http://schemas.microsoft.com/office/drawing/2014/main" id="{F9A2F7A3-53F4-4DFA-A48B-5C99BB4A2139}"/>
-              </a:ext>
-            </a:extLst>
-          </p:cNvPr>
-          <p:cNvCxnSpPr>
-            <a:stCxn id="7" idx="6"/>
-            <a:endCxn id="68" idx="2"/>
-          </p:cNvCxnSpPr>
-          <p:nvPr/>
-        </p:nvCxnSpPr>
-        <p:spPr>
-          <a:xfrm>
-            <a:off x="5554711" y="4239041"/>
-            <a:ext cx="2727105" cy="1907026"/>
-          </a:xfrm>
-          <a:prstGeom prst="straightConnector1">
-            <a:avLst/>
-          </a:prstGeom>
-          <a:ln>
-            <a:tailEnd type="triangle"/>
-          </a:ln>
-        </p:spPr>
-        <p:style>
-          <a:lnRef idx="1">
-            <a:schemeClr val="accent1"/>
-          </a:lnRef>
-          <a:fillRef idx="0">
-            <a:schemeClr val="accent1"/>
-          </a:fillRef>
-          <a:effectRef idx="0">
-            <a:schemeClr val="accent1"/>
-          </a:effectRef>
-          <a:fontRef idx="minor">
-            <a:schemeClr val="tx1"/>
-          </a:fontRef>
-        </p:style>
-      </p:cxnSp>
-      <p:cxnSp>
-        <p:nvCxnSpPr>
-          <p:cNvPr id="83" name="Straight Arrow Connector 82">
-            <a:extLst>
-              <a:ext uri="{FF2B5EF4-FFF2-40B4-BE49-F238E27FC236}">
-                <a16:creationId xmlns:a16="http://schemas.microsoft.com/office/drawing/2014/main" id="{E178B251-0EE9-797F-B06A-336D84DC45D3}"/>
-              </a:ext>
-            </a:extLst>
-          </p:cNvPr>
-          <p:cNvCxnSpPr>
-            <a:stCxn id="19" idx="6"/>
-            <a:endCxn id="64" idx="2"/>
-          </p:cNvCxnSpPr>
-          <p:nvPr/>
-        </p:nvCxnSpPr>
-        <p:spPr>
-          <a:xfrm flipV="1">
-            <a:off x="5558851" y="5132005"/>
-            <a:ext cx="2722965" cy="387874"/>
-          </a:xfrm>
-          <a:prstGeom prst="straightConnector1">
-            <a:avLst/>
-          </a:prstGeom>
-          <a:ln>
-            <a:tailEnd type="triangle"/>
-          </a:ln>
-        </p:spPr>
-        <p:style>
-          <a:lnRef idx="1">
-            <a:schemeClr val="accent1"/>
-          </a:lnRef>
-          <a:fillRef idx="0">
-            <a:schemeClr val="accent1"/>
-          </a:fillRef>
-          <a:effectRef idx="0">
-            <a:schemeClr val="accent1"/>
-          </a:effectRef>
-          <a:fontRef idx="minor">
-            <a:schemeClr val="tx1"/>
-          </a:fontRef>
-        </p:style>
-      </p:cxnSp>
-      <p:cxnSp>
-        <p:nvCxnSpPr>
-          <p:cNvPr id="85" name="Straight Arrow Connector 84">
-            <a:extLst>
-              <a:ext uri="{FF2B5EF4-FFF2-40B4-BE49-F238E27FC236}">
-                <a16:creationId xmlns:a16="http://schemas.microsoft.com/office/drawing/2014/main" id="{F8A4DF1E-203C-8C23-9229-C8A30C7AEB7D}"/>
-              </a:ext>
-            </a:extLst>
-          </p:cNvPr>
-          <p:cNvCxnSpPr>
-            <a:stCxn id="19" idx="6"/>
-            <a:endCxn id="68" idx="2"/>
-          </p:cNvCxnSpPr>
-          <p:nvPr/>
-        </p:nvCxnSpPr>
-        <p:spPr>
-          <a:xfrm>
-            <a:off x="5558851" y="5519879"/>
-            <a:ext cx="2722965" cy="626188"/>
-          </a:xfrm>
-          <a:prstGeom prst="straightConnector1">
-            <a:avLst/>
-          </a:prstGeom>
-          <a:ln>
-            <a:tailEnd type="triangle"/>
-          </a:ln>
-        </p:spPr>
-        <p:style>
-          <a:lnRef idx="1">
-            <a:schemeClr val="accent1"/>
-          </a:lnRef>
-          <a:fillRef idx="0">
-            <a:schemeClr val="accent1"/>
-          </a:fillRef>
-          <a:effectRef idx="0">
-            <a:schemeClr val="accent1"/>
-          </a:effectRef>
-          <a:fontRef idx="minor">
-            <a:schemeClr val="tx1"/>
-          </a:fontRef>
-        </p:style>
-      </p:cxnSp>
-    </p:spTree>
-    <p:extLst>
-      <p:ext uri="{BB962C8B-B14F-4D97-AF65-F5344CB8AC3E}">
-        <p14:creationId xmlns:p14="http://schemas.microsoft.com/office/powerpoint/2010/main" val="4175192429"/>
-      </p:ext>
-    </p:extLst>
-  </p:cSld>
-  <p:clrMapOvr>
-    <a:masterClrMapping/>
-  </p:clrMapOvr>
-</p:sld>
-</file>
-
 <file path=ppt/slides/slide3.xml><?xml version="1.0" encoding="utf-8"?>
 <p:sld xmlns:a="http://schemas.openxmlformats.org/drawingml/2006/main" xmlns:r="http://schemas.openxmlformats.org/officeDocument/2006/relationships" xmlns:p="http://schemas.openxmlformats.org/presentationml/2006/main">
   <p:cSld>
@@ -13458,6 +12075,1506 @@
           <p:cNvPr id="2" name="Title 1">
             <a:extLst>
               <a:ext uri="{FF2B5EF4-FFF2-40B4-BE49-F238E27FC236}">
+                <a16:creationId xmlns:a16="http://schemas.microsoft.com/office/drawing/2014/main" id="{A28EF932-EB0E-DE97-D25F-B3FABD13B344}"/>
+              </a:ext>
+            </a:extLst>
+          </p:cNvPr>
+          <p:cNvSpPr>
+            <a:spLocks noGrp="1"/>
+          </p:cNvSpPr>
+          <p:nvPr>
+            <p:ph type="title"/>
+          </p:nvPr>
+        </p:nvSpPr>
+        <p:spPr/>
+        <p:txBody>
+          <a:bodyPr/>
+          <a:lstStyle/>
+          <a:p>
+            <a:r>
+              <a:rPr lang="en-US" dirty="0"/>
+              <a:t>Categorizing Age groups</a:t>
+            </a:r>
+          </a:p>
+        </p:txBody>
+      </p:sp>
+      <p:sp>
+        <p:nvSpPr>
+          <p:cNvPr id="5" name="Oval 4">
+            <a:extLst>
+              <a:ext uri="{FF2B5EF4-FFF2-40B4-BE49-F238E27FC236}">
+                <a16:creationId xmlns:a16="http://schemas.microsoft.com/office/drawing/2014/main" id="{A6CA453F-66A9-3A54-E573-81751D62EFE0}"/>
+              </a:ext>
+            </a:extLst>
+          </p:cNvPr>
+          <p:cNvSpPr/>
+          <p:nvPr/>
+        </p:nvSpPr>
+        <p:spPr>
+          <a:xfrm>
+            <a:off x="1298691" y="2689779"/>
+            <a:ext cx="1769165" cy="745435"/>
+          </a:xfrm>
+          <a:prstGeom prst="ellipse">
+            <a:avLst/>
+          </a:prstGeom>
+        </p:spPr>
+        <p:style>
+          <a:lnRef idx="2">
+            <a:schemeClr val="accent5">
+              <a:shade val="15000"/>
+            </a:schemeClr>
+          </a:lnRef>
+          <a:fillRef idx="1">
+            <a:schemeClr val="accent5"/>
+          </a:fillRef>
+          <a:effectRef idx="0">
+            <a:schemeClr val="accent5"/>
+          </a:effectRef>
+          <a:fontRef idx="minor">
+            <a:schemeClr val="lt1"/>
+          </a:fontRef>
+        </p:style>
+        <p:txBody>
+          <a:bodyPr rtlCol="0" anchor="ctr"/>
+          <a:lstStyle/>
+          <a:p>
+            <a:pPr algn="ctr"/>
+            <a:r>
+              <a:rPr lang="en-US" dirty="0"/>
+              <a:t>Weight</a:t>
+            </a:r>
+          </a:p>
+        </p:txBody>
+      </p:sp>
+      <p:sp>
+        <p:nvSpPr>
+          <p:cNvPr id="6" name="Oval 5">
+            <a:extLst>
+              <a:ext uri="{FF2B5EF4-FFF2-40B4-BE49-F238E27FC236}">
+                <a16:creationId xmlns:a16="http://schemas.microsoft.com/office/drawing/2014/main" id="{AD03C6AF-2EAB-C5E0-A8EB-AA64B75964C4}"/>
+              </a:ext>
+            </a:extLst>
+          </p:cNvPr>
+          <p:cNvSpPr/>
+          <p:nvPr/>
+        </p:nvSpPr>
+        <p:spPr>
+          <a:xfrm>
+            <a:off x="4702862" y="2581034"/>
+            <a:ext cx="844827" cy="745435"/>
+          </a:xfrm>
+          <a:prstGeom prst="ellipse">
+            <a:avLst/>
+          </a:prstGeom>
+        </p:spPr>
+        <p:style>
+          <a:lnRef idx="2">
+            <a:schemeClr val="accent1">
+              <a:shade val="15000"/>
+            </a:schemeClr>
+          </a:lnRef>
+          <a:fillRef idx="1">
+            <a:schemeClr val="accent1"/>
+          </a:fillRef>
+          <a:effectRef idx="0">
+            <a:schemeClr val="accent1"/>
+          </a:effectRef>
+          <a:fontRef idx="minor">
+            <a:schemeClr val="lt1"/>
+          </a:fontRef>
+        </p:style>
+        <p:txBody>
+          <a:bodyPr rtlCol="0" anchor="ctr"/>
+          <a:lstStyle/>
+          <a:p>
+            <a:pPr algn="ctr"/>
+            <a:endParaRPr lang="en-US" dirty="0"/>
+          </a:p>
+        </p:txBody>
+      </p:sp>
+      <p:sp>
+        <p:nvSpPr>
+          <p:cNvPr id="7" name="Oval 6">
+            <a:extLst>
+              <a:ext uri="{FF2B5EF4-FFF2-40B4-BE49-F238E27FC236}">
+                <a16:creationId xmlns:a16="http://schemas.microsoft.com/office/drawing/2014/main" id="{23180C21-BE91-86E8-61A3-6F8815FEB178}"/>
+              </a:ext>
+            </a:extLst>
+          </p:cNvPr>
+          <p:cNvSpPr/>
+          <p:nvPr/>
+        </p:nvSpPr>
+        <p:spPr>
+          <a:xfrm>
+            <a:off x="4709884" y="3866323"/>
+            <a:ext cx="844827" cy="745435"/>
+          </a:xfrm>
+          <a:prstGeom prst="ellipse">
+            <a:avLst/>
+          </a:prstGeom>
+        </p:spPr>
+        <p:style>
+          <a:lnRef idx="2">
+            <a:schemeClr val="accent1">
+              <a:shade val="15000"/>
+            </a:schemeClr>
+          </a:lnRef>
+          <a:fillRef idx="1">
+            <a:schemeClr val="accent1"/>
+          </a:fillRef>
+          <a:effectRef idx="0">
+            <a:schemeClr val="accent1"/>
+          </a:effectRef>
+          <a:fontRef idx="minor">
+            <a:schemeClr val="lt1"/>
+          </a:fontRef>
+        </p:style>
+        <p:txBody>
+          <a:bodyPr rtlCol="0" anchor="ctr"/>
+          <a:lstStyle/>
+          <a:p>
+            <a:pPr algn="ctr"/>
+            <a:endParaRPr lang="en-US" dirty="0"/>
+          </a:p>
+        </p:txBody>
+      </p:sp>
+      <p:sp>
+        <p:nvSpPr>
+          <p:cNvPr id="8" name="Oval 7">
+            <a:extLst>
+              <a:ext uri="{FF2B5EF4-FFF2-40B4-BE49-F238E27FC236}">
+                <a16:creationId xmlns:a16="http://schemas.microsoft.com/office/drawing/2014/main" id="{E7F55B46-2259-AABB-D4BF-FBEF07D780E8}"/>
+              </a:ext>
+            </a:extLst>
+          </p:cNvPr>
+          <p:cNvSpPr/>
+          <p:nvPr/>
+        </p:nvSpPr>
+        <p:spPr>
+          <a:xfrm>
+            <a:off x="8189840" y="2751556"/>
+            <a:ext cx="1620081" cy="745435"/>
+          </a:xfrm>
+          <a:prstGeom prst="ellipse">
+            <a:avLst/>
+          </a:prstGeom>
+        </p:spPr>
+        <p:style>
+          <a:lnRef idx="2">
+            <a:schemeClr val="accent1">
+              <a:shade val="15000"/>
+            </a:schemeClr>
+          </a:lnRef>
+          <a:fillRef idx="1">
+            <a:schemeClr val="accent1"/>
+          </a:fillRef>
+          <a:effectRef idx="0">
+            <a:schemeClr val="accent1"/>
+          </a:effectRef>
+          <a:fontRef idx="minor">
+            <a:schemeClr val="lt1"/>
+          </a:fontRef>
+        </p:style>
+        <p:txBody>
+          <a:bodyPr rtlCol="0" anchor="ctr"/>
+          <a:lstStyle/>
+          <a:p>
+            <a:pPr algn="ctr"/>
+            <a:r>
+              <a:rPr lang="en-US" dirty="0"/>
+              <a:t>Age Grp1</a:t>
+            </a:r>
+          </a:p>
+        </p:txBody>
+      </p:sp>
+      <p:sp>
+        <p:nvSpPr>
+          <p:cNvPr id="9" name="Oval 8">
+            <a:extLst>
+              <a:ext uri="{FF2B5EF4-FFF2-40B4-BE49-F238E27FC236}">
+                <a16:creationId xmlns:a16="http://schemas.microsoft.com/office/drawing/2014/main" id="{F4F90FC8-14A8-ECFE-D9A9-66B17D7EA547}"/>
+              </a:ext>
+            </a:extLst>
+          </p:cNvPr>
+          <p:cNvSpPr/>
+          <p:nvPr/>
+        </p:nvSpPr>
+        <p:spPr>
+          <a:xfrm>
+            <a:off x="8220486" y="3762999"/>
+            <a:ext cx="1620081" cy="745435"/>
+          </a:xfrm>
+          <a:prstGeom prst="ellipse">
+            <a:avLst/>
+          </a:prstGeom>
+        </p:spPr>
+        <p:style>
+          <a:lnRef idx="2">
+            <a:schemeClr val="accent1">
+              <a:shade val="15000"/>
+            </a:schemeClr>
+          </a:lnRef>
+          <a:fillRef idx="1">
+            <a:schemeClr val="accent1"/>
+          </a:fillRef>
+          <a:effectRef idx="0">
+            <a:schemeClr val="accent1"/>
+          </a:effectRef>
+          <a:fontRef idx="minor">
+            <a:schemeClr val="lt1"/>
+          </a:fontRef>
+        </p:style>
+        <p:txBody>
+          <a:bodyPr rtlCol="0" anchor="ctr"/>
+          <a:lstStyle/>
+          <a:p>
+            <a:pPr algn="ctr"/>
+            <a:r>
+              <a:rPr lang="en-US" dirty="0"/>
+              <a:t>Age Grp2</a:t>
+            </a:r>
+          </a:p>
+        </p:txBody>
+      </p:sp>
+      <p:cxnSp>
+        <p:nvCxnSpPr>
+          <p:cNvPr id="10" name="Straight Arrow Connector 9">
+            <a:extLst>
+              <a:ext uri="{FF2B5EF4-FFF2-40B4-BE49-F238E27FC236}">
+                <a16:creationId xmlns:a16="http://schemas.microsoft.com/office/drawing/2014/main" id="{F9883ED4-AB35-B560-F863-98904CA6A7F9}"/>
+              </a:ext>
+            </a:extLst>
+          </p:cNvPr>
+          <p:cNvCxnSpPr>
+            <a:stCxn id="5" idx="6"/>
+            <a:endCxn id="6" idx="2"/>
+          </p:cNvCxnSpPr>
+          <p:nvPr/>
+        </p:nvCxnSpPr>
+        <p:spPr>
+          <a:xfrm flipV="1">
+            <a:off x="3067856" y="2953752"/>
+            <a:ext cx="1635006" cy="108745"/>
+          </a:xfrm>
+          <a:prstGeom prst="straightConnector1">
+            <a:avLst/>
+          </a:prstGeom>
+          <a:ln>
+            <a:tailEnd type="triangle"/>
+          </a:ln>
+        </p:spPr>
+        <p:style>
+          <a:lnRef idx="1">
+            <a:schemeClr val="accent1"/>
+          </a:lnRef>
+          <a:fillRef idx="0">
+            <a:schemeClr val="accent1"/>
+          </a:fillRef>
+          <a:effectRef idx="0">
+            <a:schemeClr val="accent1"/>
+          </a:effectRef>
+          <a:fontRef idx="minor">
+            <a:schemeClr val="tx1"/>
+          </a:fontRef>
+        </p:style>
+      </p:cxnSp>
+      <p:cxnSp>
+        <p:nvCxnSpPr>
+          <p:cNvPr id="11" name="Straight Arrow Connector 10">
+            <a:extLst>
+              <a:ext uri="{FF2B5EF4-FFF2-40B4-BE49-F238E27FC236}">
+                <a16:creationId xmlns:a16="http://schemas.microsoft.com/office/drawing/2014/main" id="{FCC874CA-EA9A-9311-AC1D-0FF1EA4A9BFD}"/>
+              </a:ext>
+            </a:extLst>
+          </p:cNvPr>
+          <p:cNvCxnSpPr>
+            <a:cxnSpLocks/>
+            <a:stCxn id="6" idx="6"/>
+            <a:endCxn id="8" idx="2"/>
+          </p:cNvCxnSpPr>
+          <p:nvPr/>
+        </p:nvCxnSpPr>
+        <p:spPr>
+          <a:xfrm>
+            <a:off x="5547689" y="2953752"/>
+            <a:ext cx="2642151" cy="170522"/>
+          </a:xfrm>
+          <a:prstGeom prst="straightConnector1">
+            <a:avLst/>
+          </a:prstGeom>
+          <a:ln>
+            <a:tailEnd type="triangle"/>
+          </a:ln>
+        </p:spPr>
+        <p:style>
+          <a:lnRef idx="1">
+            <a:schemeClr val="accent1"/>
+          </a:lnRef>
+          <a:fillRef idx="0">
+            <a:schemeClr val="accent1"/>
+          </a:fillRef>
+          <a:effectRef idx="0">
+            <a:schemeClr val="accent1"/>
+          </a:effectRef>
+          <a:fontRef idx="minor">
+            <a:schemeClr val="tx1"/>
+          </a:fontRef>
+        </p:style>
+      </p:cxnSp>
+      <p:cxnSp>
+        <p:nvCxnSpPr>
+          <p:cNvPr id="12" name="Straight Arrow Connector 11">
+            <a:extLst>
+              <a:ext uri="{FF2B5EF4-FFF2-40B4-BE49-F238E27FC236}">
+                <a16:creationId xmlns:a16="http://schemas.microsoft.com/office/drawing/2014/main" id="{B693DD0B-24E3-938F-6B2B-878DB608C0D3}"/>
+              </a:ext>
+            </a:extLst>
+          </p:cNvPr>
+          <p:cNvCxnSpPr>
+            <a:cxnSpLocks/>
+            <a:stCxn id="6" idx="6"/>
+            <a:endCxn id="9" idx="2"/>
+          </p:cNvCxnSpPr>
+          <p:nvPr/>
+        </p:nvCxnSpPr>
+        <p:spPr>
+          <a:xfrm>
+            <a:off x="5547689" y="2953752"/>
+            <a:ext cx="2672797" cy="1181965"/>
+          </a:xfrm>
+          <a:prstGeom prst="straightConnector1">
+            <a:avLst/>
+          </a:prstGeom>
+          <a:ln>
+            <a:tailEnd type="triangle"/>
+          </a:ln>
+        </p:spPr>
+        <p:style>
+          <a:lnRef idx="1">
+            <a:schemeClr val="accent1"/>
+          </a:lnRef>
+          <a:fillRef idx="0">
+            <a:schemeClr val="accent1"/>
+          </a:fillRef>
+          <a:effectRef idx="0">
+            <a:schemeClr val="accent1"/>
+          </a:effectRef>
+          <a:fontRef idx="minor">
+            <a:schemeClr val="tx1"/>
+          </a:fontRef>
+        </p:style>
+      </p:cxnSp>
+      <p:cxnSp>
+        <p:nvCxnSpPr>
+          <p:cNvPr id="13" name="Straight Arrow Connector 12">
+            <a:extLst>
+              <a:ext uri="{FF2B5EF4-FFF2-40B4-BE49-F238E27FC236}">
+                <a16:creationId xmlns:a16="http://schemas.microsoft.com/office/drawing/2014/main" id="{2A878B0A-A4BE-A1C6-9114-2F6A4DF47A5F}"/>
+              </a:ext>
+            </a:extLst>
+          </p:cNvPr>
+          <p:cNvCxnSpPr>
+            <a:cxnSpLocks/>
+            <a:stCxn id="19" idx="6"/>
+            <a:endCxn id="8" idx="2"/>
+          </p:cNvCxnSpPr>
+          <p:nvPr/>
+        </p:nvCxnSpPr>
+        <p:spPr>
+          <a:xfrm flipV="1">
+            <a:off x="5558851" y="3124274"/>
+            <a:ext cx="2630989" cy="2395605"/>
+          </a:xfrm>
+          <a:prstGeom prst="straightConnector1">
+            <a:avLst/>
+          </a:prstGeom>
+          <a:ln>
+            <a:tailEnd type="triangle"/>
+          </a:ln>
+        </p:spPr>
+        <p:style>
+          <a:lnRef idx="1">
+            <a:schemeClr val="accent1"/>
+          </a:lnRef>
+          <a:fillRef idx="0">
+            <a:schemeClr val="accent1"/>
+          </a:fillRef>
+          <a:effectRef idx="0">
+            <a:schemeClr val="accent1"/>
+          </a:effectRef>
+          <a:fontRef idx="minor">
+            <a:schemeClr val="tx1"/>
+          </a:fontRef>
+        </p:style>
+      </p:cxnSp>
+      <p:cxnSp>
+        <p:nvCxnSpPr>
+          <p:cNvPr id="14" name="Straight Arrow Connector 13">
+            <a:extLst>
+              <a:ext uri="{FF2B5EF4-FFF2-40B4-BE49-F238E27FC236}">
+                <a16:creationId xmlns:a16="http://schemas.microsoft.com/office/drawing/2014/main" id="{C4A1893F-0AA3-CE5E-184D-C3CDF39C580C}"/>
+              </a:ext>
+            </a:extLst>
+          </p:cNvPr>
+          <p:cNvCxnSpPr>
+            <a:cxnSpLocks/>
+            <a:stCxn id="19" idx="6"/>
+            <a:endCxn id="9" idx="2"/>
+          </p:cNvCxnSpPr>
+          <p:nvPr/>
+        </p:nvCxnSpPr>
+        <p:spPr>
+          <a:xfrm flipV="1">
+            <a:off x="5558851" y="4135717"/>
+            <a:ext cx="2661635" cy="1384162"/>
+          </a:xfrm>
+          <a:prstGeom prst="straightConnector1">
+            <a:avLst/>
+          </a:prstGeom>
+          <a:ln>
+            <a:tailEnd type="triangle"/>
+          </a:ln>
+        </p:spPr>
+        <p:style>
+          <a:lnRef idx="1">
+            <a:schemeClr val="accent1"/>
+          </a:lnRef>
+          <a:fillRef idx="0">
+            <a:schemeClr val="accent1"/>
+          </a:fillRef>
+          <a:effectRef idx="0">
+            <a:schemeClr val="accent1"/>
+          </a:effectRef>
+          <a:fontRef idx="minor">
+            <a:schemeClr val="tx1"/>
+          </a:fontRef>
+        </p:style>
+      </p:cxnSp>
+      <p:cxnSp>
+        <p:nvCxnSpPr>
+          <p:cNvPr id="15" name="Straight Arrow Connector 14">
+            <a:extLst>
+              <a:ext uri="{FF2B5EF4-FFF2-40B4-BE49-F238E27FC236}">
+                <a16:creationId xmlns:a16="http://schemas.microsoft.com/office/drawing/2014/main" id="{34D8749B-AD87-FDFB-40F7-7FB6D6CD47C3}"/>
+              </a:ext>
+            </a:extLst>
+          </p:cNvPr>
+          <p:cNvCxnSpPr>
+            <a:stCxn id="5" idx="6"/>
+            <a:endCxn id="7" idx="2"/>
+          </p:cNvCxnSpPr>
+          <p:nvPr/>
+        </p:nvCxnSpPr>
+        <p:spPr>
+          <a:xfrm>
+            <a:off x="3067856" y="3062497"/>
+            <a:ext cx="1642028" cy="1176544"/>
+          </a:xfrm>
+          <a:prstGeom prst="straightConnector1">
+            <a:avLst/>
+          </a:prstGeom>
+          <a:ln>
+            <a:tailEnd type="triangle"/>
+          </a:ln>
+        </p:spPr>
+        <p:style>
+          <a:lnRef idx="1">
+            <a:schemeClr val="accent1"/>
+          </a:lnRef>
+          <a:fillRef idx="0">
+            <a:schemeClr val="accent1"/>
+          </a:fillRef>
+          <a:effectRef idx="0">
+            <a:schemeClr val="accent1"/>
+          </a:effectRef>
+          <a:fontRef idx="minor">
+            <a:schemeClr val="tx1"/>
+          </a:fontRef>
+        </p:style>
+      </p:cxnSp>
+      <p:sp>
+        <p:nvSpPr>
+          <p:cNvPr id="16" name="TextBox 15">
+            <a:extLst>
+              <a:ext uri="{FF2B5EF4-FFF2-40B4-BE49-F238E27FC236}">
+                <a16:creationId xmlns:a16="http://schemas.microsoft.com/office/drawing/2014/main" id="{5BA8DAB8-35D8-3FCF-8E67-C052F64563ED}"/>
+              </a:ext>
+            </a:extLst>
+          </p:cNvPr>
+          <p:cNvSpPr txBox="1"/>
+          <p:nvPr/>
+        </p:nvSpPr>
+        <p:spPr>
+          <a:xfrm>
+            <a:off x="4263145" y="1911234"/>
+            <a:ext cx="1441916" cy="646331"/>
+          </a:xfrm>
+          <a:prstGeom prst="rect">
+            <a:avLst/>
+          </a:prstGeom>
+          <a:noFill/>
+        </p:spPr>
+        <p:txBody>
+          <a:bodyPr wrap="square" rtlCol="0">
+            <a:spAutoFit/>
+          </a:bodyPr>
+          <a:lstStyle/>
+          <a:p>
+            <a:r>
+              <a:rPr lang="en-US" dirty="0"/>
+              <a:t>Hidden Layer (how Wide?)</a:t>
+            </a:r>
+          </a:p>
+        </p:txBody>
+      </p:sp>
+      <p:sp>
+        <p:nvSpPr>
+          <p:cNvPr id="17" name="TextBox 16">
+            <a:extLst>
+              <a:ext uri="{FF2B5EF4-FFF2-40B4-BE49-F238E27FC236}">
+                <a16:creationId xmlns:a16="http://schemas.microsoft.com/office/drawing/2014/main" id="{E305F6E4-48B0-AA57-03E4-7D7BD35826A5}"/>
+              </a:ext>
+            </a:extLst>
+          </p:cNvPr>
+          <p:cNvSpPr txBox="1"/>
+          <p:nvPr/>
+        </p:nvSpPr>
+        <p:spPr>
+          <a:xfrm>
+            <a:off x="8189841" y="2091779"/>
+            <a:ext cx="988088" cy="369332"/>
+          </a:xfrm>
+          <a:prstGeom prst="rect">
+            <a:avLst/>
+          </a:prstGeom>
+          <a:noFill/>
+        </p:spPr>
+        <p:txBody>
+          <a:bodyPr wrap="square" rtlCol="0">
+            <a:spAutoFit/>
+          </a:bodyPr>
+          <a:lstStyle/>
+          <a:p>
+            <a:r>
+              <a:rPr lang="en-US" dirty="0"/>
+              <a:t>Output</a:t>
+            </a:r>
+          </a:p>
+        </p:txBody>
+      </p:sp>
+      <p:sp>
+        <p:nvSpPr>
+          <p:cNvPr id="18" name="Oval 17">
+            <a:extLst>
+              <a:ext uri="{FF2B5EF4-FFF2-40B4-BE49-F238E27FC236}">
+                <a16:creationId xmlns:a16="http://schemas.microsoft.com/office/drawing/2014/main" id="{A3C84104-BF1C-A9B6-5F79-1C86806B25AC}"/>
+              </a:ext>
+            </a:extLst>
+          </p:cNvPr>
+          <p:cNvSpPr/>
+          <p:nvPr/>
+        </p:nvSpPr>
+        <p:spPr>
+          <a:xfrm>
+            <a:off x="1321462" y="4024632"/>
+            <a:ext cx="1769165" cy="745435"/>
+          </a:xfrm>
+          <a:prstGeom prst="ellipse">
+            <a:avLst/>
+          </a:prstGeom>
+        </p:spPr>
+        <p:style>
+          <a:lnRef idx="2">
+            <a:schemeClr val="accent5">
+              <a:shade val="15000"/>
+            </a:schemeClr>
+          </a:lnRef>
+          <a:fillRef idx="1">
+            <a:schemeClr val="accent5"/>
+          </a:fillRef>
+          <a:effectRef idx="0">
+            <a:schemeClr val="accent5"/>
+          </a:effectRef>
+          <a:fontRef idx="minor">
+            <a:schemeClr val="lt1"/>
+          </a:fontRef>
+        </p:style>
+        <p:txBody>
+          <a:bodyPr rtlCol="0" anchor="ctr"/>
+          <a:lstStyle/>
+          <a:p>
+            <a:pPr algn="ctr"/>
+            <a:r>
+              <a:rPr lang="en-US" dirty="0"/>
+              <a:t>Height</a:t>
+            </a:r>
+          </a:p>
+        </p:txBody>
+      </p:sp>
+      <p:sp>
+        <p:nvSpPr>
+          <p:cNvPr id="19" name="Oval 18">
+            <a:extLst>
+              <a:ext uri="{FF2B5EF4-FFF2-40B4-BE49-F238E27FC236}">
+                <a16:creationId xmlns:a16="http://schemas.microsoft.com/office/drawing/2014/main" id="{F6EA78A9-3F75-6027-97D3-E242919D6F7F}"/>
+              </a:ext>
+            </a:extLst>
+          </p:cNvPr>
+          <p:cNvSpPr/>
+          <p:nvPr/>
+        </p:nvSpPr>
+        <p:spPr>
+          <a:xfrm>
+            <a:off x="4714024" y="5147161"/>
+            <a:ext cx="844827" cy="745435"/>
+          </a:xfrm>
+          <a:prstGeom prst="ellipse">
+            <a:avLst/>
+          </a:prstGeom>
+        </p:spPr>
+        <p:style>
+          <a:lnRef idx="2">
+            <a:schemeClr val="accent1">
+              <a:shade val="15000"/>
+            </a:schemeClr>
+          </a:lnRef>
+          <a:fillRef idx="1">
+            <a:schemeClr val="accent1"/>
+          </a:fillRef>
+          <a:effectRef idx="0">
+            <a:schemeClr val="accent1"/>
+          </a:effectRef>
+          <a:fontRef idx="minor">
+            <a:schemeClr val="lt1"/>
+          </a:fontRef>
+        </p:style>
+        <p:txBody>
+          <a:bodyPr rtlCol="0" anchor="ctr"/>
+          <a:lstStyle/>
+          <a:p>
+            <a:pPr algn="ctr"/>
+            <a:endParaRPr lang="en-US" dirty="0"/>
+          </a:p>
+        </p:txBody>
+      </p:sp>
+      <p:cxnSp>
+        <p:nvCxnSpPr>
+          <p:cNvPr id="20" name="Straight Arrow Connector 19">
+            <a:extLst>
+              <a:ext uri="{FF2B5EF4-FFF2-40B4-BE49-F238E27FC236}">
+                <a16:creationId xmlns:a16="http://schemas.microsoft.com/office/drawing/2014/main" id="{1256EF03-2A83-571B-A411-DA5DE72C9049}"/>
+              </a:ext>
+            </a:extLst>
+          </p:cNvPr>
+          <p:cNvCxnSpPr>
+            <a:stCxn id="18" idx="6"/>
+            <a:endCxn id="19" idx="2"/>
+          </p:cNvCxnSpPr>
+          <p:nvPr/>
+        </p:nvCxnSpPr>
+        <p:spPr>
+          <a:xfrm>
+            <a:off x="3090627" y="4397350"/>
+            <a:ext cx="1623397" cy="1122529"/>
+          </a:xfrm>
+          <a:prstGeom prst="straightConnector1">
+            <a:avLst/>
+          </a:prstGeom>
+          <a:ln>
+            <a:tailEnd type="triangle"/>
+          </a:ln>
+        </p:spPr>
+        <p:style>
+          <a:lnRef idx="1">
+            <a:schemeClr val="accent1"/>
+          </a:lnRef>
+          <a:fillRef idx="0">
+            <a:schemeClr val="accent1"/>
+          </a:fillRef>
+          <a:effectRef idx="0">
+            <a:schemeClr val="accent1"/>
+          </a:effectRef>
+          <a:fontRef idx="minor">
+            <a:schemeClr val="tx1"/>
+          </a:fontRef>
+        </p:style>
+      </p:cxnSp>
+      <p:cxnSp>
+        <p:nvCxnSpPr>
+          <p:cNvPr id="21" name="Straight Arrow Connector 20">
+            <a:extLst>
+              <a:ext uri="{FF2B5EF4-FFF2-40B4-BE49-F238E27FC236}">
+                <a16:creationId xmlns:a16="http://schemas.microsoft.com/office/drawing/2014/main" id="{0B7CE338-4AA1-8003-DF1E-620ED5E3889A}"/>
+              </a:ext>
+            </a:extLst>
+          </p:cNvPr>
+          <p:cNvCxnSpPr>
+            <a:cxnSpLocks/>
+            <a:stCxn id="7" idx="6"/>
+            <a:endCxn id="8" idx="2"/>
+          </p:cNvCxnSpPr>
+          <p:nvPr/>
+        </p:nvCxnSpPr>
+        <p:spPr>
+          <a:xfrm flipV="1">
+            <a:off x="5554711" y="3124274"/>
+            <a:ext cx="2635129" cy="1114767"/>
+          </a:xfrm>
+          <a:prstGeom prst="straightConnector1">
+            <a:avLst/>
+          </a:prstGeom>
+          <a:ln>
+            <a:tailEnd type="triangle"/>
+          </a:ln>
+        </p:spPr>
+        <p:style>
+          <a:lnRef idx="1">
+            <a:schemeClr val="accent1"/>
+          </a:lnRef>
+          <a:fillRef idx="0">
+            <a:schemeClr val="accent1"/>
+          </a:fillRef>
+          <a:effectRef idx="0">
+            <a:schemeClr val="accent1"/>
+          </a:effectRef>
+          <a:fontRef idx="minor">
+            <a:schemeClr val="tx1"/>
+          </a:fontRef>
+        </p:style>
+      </p:cxnSp>
+      <p:cxnSp>
+        <p:nvCxnSpPr>
+          <p:cNvPr id="22" name="Straight Arrow Connector 21">
+            <a:extLst>
+              <a:ext uri="{FF2B5EF4-FFF2-40B4-BE49-F238E27FC236}">
+                <a16:creationId xmlns:a16="http://schemas.microsoft.com/office/drawing/2014/main" id="{71FF53A2-80DE-F70E-8A33-3867CF9F47EF}"/>
+              </a:ext>
+            </a:extLst>
+          </p:cNvPr>
+          <p:cNvCxnSpPr>
+            <a:cxnSpLocks/>
+            <a:stCxn id="7" idx="6"/>
+            <a:endCxn id="9" idx="2"/>
+          </p:cNvCxnSpPr>
+          <p:nvPr/>
+        </p:nvCxnSpPr>
+        <p:spPr>
+          <a:xfrm flipV="1">
+            <a:off x="5554711" y="4135717"/>
+            <a:ext cx="2665775" cy="103324"/>
+          </a:xfrm>
+          <a:prstGeom prst="straightConnector1">
+            <a:avLst/>
+          </a:prstGeom>
+          <a:ln>
+            <a:tailEnd type="triangle"/>
+          </a:ln>
+        </p:spPr>
+        <p:style>
+          <a:lnRef idx="1">
+            <a:schemeClr val="accent1"/>
+          </a:lnRef>
+          <a:fillRef idx="0">
+            <a:schemeClr val="accent1"/>
+          </a:fillRef>
+          <a:effectRef idx="0">
+            <a:schemeClr val="accent1"/>
+          </a:effectRef>
+          <a:fontRef idx="minor">
+            <a:schemeClr val="tx1"/>
+          </a:fontRef>
+        </p:style>
+      </p:cxnSp>
+      <p:cxnSp>
+        <p:nvCxnSpPr>
+          <p:cNvPr id="23" name="Straight Arrow Connector 22">
+            <a:extLst>
+              <a:ext uri="{FF2B5EF4-FFF2-40B4-BE49-F238E27FC236}">
+                <a16:creationId xmlns:a16="http://schemas.microsoft.com/office/drawing/2014/main" id="{B0A7232E-6E33-2922-941A-B4FCA023CAAC}"/>
+              </a:ext>
+            </a:extLst>
+          </p:cNvPr>
+          <p:cNvCxnSpPr>
+            <a:stCxn id="18" idx="6"/>
+            <a:endCxn id="6" idx="2"/>
+          </p:cNvCxnSpPr>
+          <p:nvPr/>
+        </p:nvCxnSpPr>
+        <p:spPr>
+          <a:xfrm flipV="1">
+            <a:off x="3090627" y="2953752"/>
+            <a:ext cx="1612235" cy="1443598"/>
+          </a:xfrm>
+          <a:prstGeom prst="straightConnector1">
+            <a:avLst/>
+          </a:prstGeom>
+          <a:ln>
+            <a:tailEnd type="triangle"/>
+          </a:ln>
+        </p:spPr>
+        <p:style>
+          <a:lnRef idx="1">
+            <a:schemeClr val="accent1"/>
+          </a:lnRef>
+          <a:fillRef idx="0">
+            <a:schemeClr val="accent1"/>
+          </a:fillRef>
+          <a:effectRef idx="0">
+            <a:schemeClr val="accent1"/>
+          </a:effectRef>
+          <a:fontRef idx="minor">
+            <a:schemeClr val="tx1"/>
+          </a:fontRef>
+        </p:style>
+      </p:cxnSp>
+      <p:cxnSp>
+        <p:nvCxnSpPr>
+          <p:cNvPr id="24" name="Straight Arrow Connector 23">
+            <a:extLst>
+              <a:ext uri="{FF2B5EF4-FFF2-40B4-BE49-F238E27FC236}">
+                <a16:creationId xmlns:a16="http://schemas.microsoft.com/office/drawing/2014/main" id="{181867C6-C1C1-E83F-7B9C-B98861490C4E}"/>
+              </a:ext>
+            </a:extLst>
+          </p:cNvPr>
+          <p:cNvCxnSpPr>
+            <a:stCxn id="5" idx="6"/>
+            <a:endCxn id="19" idx="2"/>
+          </p:cNvCxnSpPr>
+          <p:nvPr/>
+        </p:nvCxnSpPr>
+        <p:spPr>
+          <a:xfrm>
+            <a:off x="3067856" y="3062497"/>
+            <a:ext cx="1646168" cy="2457382"/>
+          </a:xfrm>
+          <a:prstGeom prst="straightConnector1">
+            <a:avLst/>
+          </a:prstGeom>
+          <a:ln>
+            <a:tailEnd type="triangle"/>
+          </a:ln>
+        </p:spPr>
+        <p:style>
+          <a:lnRef idx="1">
+            <a:schemeClr val="accent1"/>
+          </a:lnRef>
+          <a:fillRef idx="0">
+            <a:schemeClr val="accent1"/>
+          </a:fillRef>
+          <a:effectRef idx="0">
+            <a:schemeClr val="accent1"/>
+          </a:effectRef>
+          <a:fontRef idx="minor">
+            <a:schemeClr val="tx1"/>
+          </a:fontRef>
+        </p:style>
+      </p:cxnSp>
+      <p:cxnSp>
+        <p:nvCxnSpPr>
+          <p:cNvPr id="25" name="Straight Arrow Connector 24">
+            <a:extLst>
+              <a:ext uri="{FF2B5EF4-FFF2-40B4-BE49-F238E27FC236}">
+                <a16:creationId xmlns:a16="http://schemas.microsoft.com/office/drawing/2014/main" id="{CD6B4A31-3C82-2878-25C2-2DB8C2AEE967}"/>
+              </a:ext>
+            </a:extLst>
+          </p:cNvPr>
+          <p:cNvCxnSpPr>
+            <a:stCxn id="18" idx="6"/>
+            <a:endCxn id="7" idx="2"/>
+          </p:cNvCxnSpPr>
+          <p:nvPr/>
+        </p:nvCxnSpPr>
+        <p:spPr>
+          <a:xfrm flipV="1">
+            <a:off x="3090627" y="4239041"/>
+            <a:ext cx="1619257" cy="158309"/>
+          </a:xfrm>
+          <a:prstGeom prst="straightConnector1">
+            <a:avLst/>
+          </a:prstGeom>
+          <a:ln>
+            <a:tailEnd type="triangle"/>
+          </a:ln>
+        </p:spPr>
+        <p:style>
+          <a:lnRef idx="1">
+            <a:schemeClr val="accent1"/>
+          </a:lnRef>
+          <a:fillRef idx="0">
+            <a:schemeClr val="accent1"/>
+          </a:fillRef>
+          <a:effectRef idx="0">
+            <a:schemeClr val="accent1"/>
+          </a:effectRef>
+          <a:fontRef idx="minor">
+            <a:schemeClr val="tx1"/>
+          </a:fontRef>
+        </p:style>
+      </p:cxnSp>
+      <p:sp>
+        <p:nvSpPr>
+          <p:cNvPr id="29" name="Oval 28">
+            <a:extLst>
+              <a:ext uri="{FF2B5EF4-FFF2-40B4-BE49-F238E27FC236}">
+                <a16:creationId xmlns:a16="http://schemas.microsoft.com/office/drawing/2014/main" id="{C9083F45-7DF7-62E6-675C-0A52B595E707}"/>
+              </a:ext>
+            </a:extLst>
+          </p:cNvPr>
+          <p:cNvSpPr/>
+          <p:nvPr/>
+        </p:nvSpPr>
+        <p:spPr>
+          <a:xfrm>
+            <a:off x="1330979" y="5201176"/>
+            <a:ext cx="1769165" cy="745435"/>
+          </a:xfrm>
+          <a:prstGeom prst="ellipse">
+            <a:avLst/>
+          </a:prstGeom>
+        </p:spPr>
+        <p:style>
+          <a:lnRef idx="2">
+            <a:schemeClr val="accent5">
+              <a:shade val="15000"/>
+            </a:schemeClr>
+          </a:lnRef>
+          <a:fillRef idx="1">
+            <a:schemeClr val="accent5"/>
+          </a:fillRef>
+          <a:effectRef idx="0">
+            <a:schemeClr val="accent5"/>
+          </a:effectRef>
+          <a:fontRef idx="minor">
+            <a:schemeClr val="lt1"/>
+          </a:fontRef>
+        </p:style>
+        <p:txBody>
+          <a:bodyPr rtlCol="0" anchor="ctr"/>
+          <a:lstStyle/>
+          <a:p>
+            <a:pPr algn="ctr"/>
+            <a:r>
+              <a:rPr lang="en-US" dirty="0"/>
+              <a:t>Gender</a:t>
+            </a:r>
+          </a:p>
+        </p:txBody>
+      </p:sp>
+      <p:cxnSp>
+        <p:nvCxnSpPr>
+          <p:cNvPr id="58" name="Straight Arrow Connector 57">
+            <a:extLst>
+              <a:ext uri="{FF2B5EF4-FFF2-40B4-BE49-F238E27FC236}">
+                <a16:creationId xmlns:a16="http://schemas.microsoft.com/office/drawing/2014/main" id="{57D4B414-6F2B-21C8-B3E5-9057503D4501}"/>
+              </a:ext>
+            </a:extLst>
+          </p:cNvPr>
+          <p:cNvCxnSpPr>
+            <a:cxnSpLocks/>
+            <a:stCxn id="29" idx="6"/>
+            <a:endCxn id="6" idx="2"/>
+          </p:cNvCxnSpPr>
+          <p:nvPr/>
+        </p:nvCxnSpPr>
+        <p:spPr>
+          <a:xfrm flipV="1">
+            <a:off x="3100144" y="2953752"/>
+            <a:ext cx="1602718" cy="2620142"/>
+          </a:xfrm>
+          <a:prstGeom prst="straightConnector1">
+            <a:avLst/>
+          </a:prstGeom>
+          <a:ln>
+            <a:tailEnd type="triangle"/>
+          </a:ln>
+        </p:spPr>
+        <p:style>
+          <a:lnRef idx="1">
+            <a:schemeClr val="accent1"/>
+          </a:lnRef>
+          <a:fillRef idx="0">
+            <a:schemeClr val="accent1"/>
+          </a:fillRef>
+          <a:effectRef idx="0">
+            <a:schemeClr val="accent1"/>
+          </a:effectRef>
+          <a:fontRef idx="minor">
+            <a:schemeClr val="tx1"/>
+          </a:fontRef>
+        </p:style>
+      </p:cxnSp>
+      <p:cxnSp>
+        <p:nvCxnSpPr>
+          <p:cNvPr id="61" name="Straight Arrow Connector 60">
+            <a:extLst>
+              <a:ext uri="{FF2B5EF4-FFF2-40B4-BE49-F238E27FC236}">
+                <a16:creationId xmlns:a16="http://schemas.microsoft.com/office/drawing/2014/main" id="{8E3F962A-5E95-D9BC-DFF9-60CDF11B5F75}"/>
+              </a:ext>
+            </a:extLst>
+          </p:cNvPr>
+          <p:cNvCxnSpPr>
+            <a:stCxn id="29" idx="6"/>
+            <a:endCxn id="7" idx="2"/>
+          </p:cNvCxnSpPr>
+          <p:nvPr/>
+        </p:nvCxnSpPr>
+        <p:spPr>
+          <a:xfrm flipV="1">
+            <a:off x="3100144" y="4239041"/>
+            <a:ext cx="1609740" cy="1334853"/>
+          </a:xfrm>
+          <a:prstGeom prst="straightConnector1">
+            <a:avLst/>
+          </a:prstGeom>
+          <a:ln>
+            <a:tailEnd type="triangle"/>
+          </a:ln>
+        </p:spPr>
+        <p:style>
+          <a:lnRef idx="1">
+            <a:schemeClr val="accent1"/>
+          </a:lnRef>
+          <a:fillRef idx="0">
+            <a:schemeClr val="accent1"/>
+          </a:fillRef>
+          <a:effectRef idx="0">
+            <a:schemeClr val="accent1"/>
+          </a:effectRef>
+          <a:fontRef idx="minor">
+            <a:schemeClr val="tx1"/>
+          </a:fontRef>
+        </p:style>
+      </p:cxnSp>
+      <p:cxnSp>
+        <p:nvCxnSpPr>
+          <p:cNvPr id="63" name="Straight Arrow Connector 62">
+            <a:extLst>
+              <a:ext uri="{FF2B5EF4-FFF2-40B4-BE49-F238E27FC236}">
+                <a16:creationId xmlns:a16="http://schemas.microsoft.com/office/drawing/2014/main" id="{DE699506-CF49-BAA3-7F17-A965466F4830}"/>
+              </a:ext>
+            </a:extLst>
+          </p:cNvPr>
+          <p:cNvCxnSpPr>
+            <a:stCxn id="29" idx="6"/>
+            <a:endCxn id="19" idx="2"/>
+          </p:cNvCxnSpPr>
+          <p:nvPr/>
+        </p:nvCxnSpPr>
+        <p:spPr>
+          <a:xfrm flipV="1">
+            <a:off x="3100144" y="5519879"/>
+            <a:ext cx="1613880" cy="54015"/>
+          </a:xfrm>
+          <a:prstGeom prst="straightConnector1">
+            <a:avLst/>
+          </a:prstGeom>
+          <a:ln>
+            <a:tailEnd type="triangle"/>
+          </a:ln>
+        </p:spPr>
+        <p:style>
+          <a:lnRef idx="1">
+            <a:schemeClr val="accent1"/>
+          </a:lnRef>
+          <a:fillRef idx="0">
+            <a:schemeClr val="accent1"/>
+          </a:fillRef>
+          <a:effectRef idx="0">
+            <a:schemeClr val="accent1"/>
+          </a:effectRef>
+          <a:fontRef idx="minor">
+            <a:schemeClr val="tx1"/>
+          </a:fontRef>
+        </p:style>
+      </p:cxnSp>
+      <p:sp>
+        <p:nvSpPr>
+          <p:cNvPr id="64" name="Oval 63">
+            <a:extLst>
+              <a:ext uri="{FF2B5EF4-FFF2-40B4-BE49-F238E27FC236}">
+                <a16:creationId xmlns:a16="http://schemas.microsoft.com/office/drawing/2014/main" id="{3D3FF444-91AB-4C49-2C02-AC4FB512143F}"/>
+              </a:ext>
+            </a:extLst>
+          </p:cNvPr>
+          <p:cNvSpPr/>
+          <p:nvPr/>
+        </p:nvSpPr>
+        <p:spPr>
+          <a:xfrm>
+            <a:off x="8281816" y="4759287"/>
+            <a:ext cx="1620081" cy="745435"/>
+          </a:xfrm>
+          <a:prstGeom prst="ellipse">
+            <a:avLst/>
+          </a:prstGeom>
+        </p:spPr>
+        <p:style>
+          <a:lnRef idx="2">
+            <a:schemeClr val="accent1">
+              <a:shade val="15000"/>
+            </a:schemeClr>
+          </a:lnRef>
+          <a:fillRef idx="1">
+            <a:schemeClr val="accent1"/>
+          </a:fillRef>
+          <a:effectRef idx="0">
+            <a:schemeClr val="accent1"/>
+          </a:effectRef>
+          <a:fontRef idx="minor">
+            <a:schemeClr val="lt1"/>
+          </a:fontRef>
+        </p:style>
+        <p:txBody>
+          <a:bodyPr rtlCol="0" anchor="ctr"/>
+          <a:lstStyle/>
+          <a:p>
+            <a:pPr algn="ctr"/>
+            <a:r>
+              <a:rPr lang="en-US" dirty="0"/>
+              <a:t>Age Grp3</a:t>
+            </a:r>
+          </a:p>
+        </p:txBody>
+      </p:sp>
+      <p:sp>
+        <p:nvSpPr>
+          <p:cNvPr id="68" name="Oval 67">
+            <a:extLst>
+              <a:ext uri="{FF2B5EF4-FFF2-40B4-BE49-F238E27FC236}">
+                <a16:creationId xmlns:a16="http://schemas.microsoft.com/office/drawing/2014/main" id="{7749938B-F58E-80EF-E9B2-C24683EA4E2F}"/>
+              </a:ext>
+            </a:extLst>
+          </p:cNvPr>
+          <p:cNvSpPr/>
+          <p:nvPr/>
+        </p:nvSpPr>
+        <p:spPr>
+          <a:xfrm>
+            <a:off x="8281816" y="5773349"/>
+            <a:ext cx="1620081" cy="745435"/>
+          </a:xfrm>
+          <a:prstGeom prst="ellipse">
+            <a:avLst/>
+          </a:prstGeom>
+        </p:spPr>
+        <p:style>
+          <a:lnRef idx="2">
+            <a:schemeClr val="accent1">
+              <a:shade val="15000"/>
+            </a:schemeClr>
+          </a:lnRef>
+          <a:fillRef idx="1">
+            <a:schemeClr val="accent1"/>
+          </a:fillRef>
+          <a:effectRef idx="0">
+            <a:schemeClr val="accent1"/>
+          </a:effectRef>
+          <a:fontRef idx="minor">
+            <a:schemeClr val="lt1"/>
+          </a:fontRef>
+        </p:style>
+        <p:txBody>
+          <a:bodyPr rtlCol="0" anchor="ctr"/>
+          <a:lstStyle/>
+          <a:p>
+            <a:pPr algn="ctr"/>
+            <a:r>
+              <a:rPr lang="en-US" dirty="0"/>
+              <a:t>Age Grp4</a:t>
+            </a:r>
+          </a:p>
+        </p:txBody>
+      </p:sp>
+      <p:cxnSp>
+        <p:nvCxnSpPr>
+          <p:cNvPr id="73" name="Straight Arrow Connector 72">
+            <a:extLst>
+              <a:ext uri="{FF2B5EF4-FFF2-40B4-BE49-F238E27FC236}">
+                <a16:creationId xmlns:a16="http://schemas.microsoft.com/office/drawing/2014/main" id="{E83CC8DE-C404-CC14-CBEB-8DB744046AB3}"/>
+              </a:ext>
+            </a:extLst>
+          </p:cNvPr>
+          <p:cNvCxnSpPr>
+            <a:cxnSpLocks/>
+            <a:stCxn id="6" idx="6"/>
+            <a:endCxn id="64" idx="2"/>
+          </p:cNvCxnSpPr>
+          <p:nvPr/>
+        </p:nvCxnSpPr>
+        <p:spPr>
+          <a:xfrm>
+            <a:off x="5547689" y="2953752"/>
+            <a:ext cx="2734127" cy="2178253"/>
+          </a:xfrm>
+          <a:prstGeom prst="straightConnector1">
+            <a:avLst/>
+          </a:prstGeom>
+          <a:ln>
+            <a:tailEnd type="triangle"/>
+          </a:ln>
+        </p:spPr>
+        <p:style>
+          <a:lnRef idx="1">
+            <a:schemeClr val="accent1"/>
+          </a:lnRef>
+          <a:fillRef idx="0">
+            <a:schemeClr val="accent1"/>
+          </a:fillRef>
+          <a:effectRef idx="0">
+            <a:schemeClr val="accent1"/>
+          </a:effectRef>
+          <a:fontRef idx="minor">
+            <a:schemeClr val="tx1"/>
+          </a:fontRef>
+        </p:style>
+      </p:cxnSp>
+      <p:cxnSp>
+        <p:nvCxnSpPr>
+          <p:cNvPr id="76" name="Straight Arrow Connector 75">
+            <a:extLst>
+              <a:ext uri="{FF2B5EF4-FFF2-40B4-BE49-F238E27FC236}">
+                <a16:creationId xmlns:a16="http://schemas.microsoft.com/office/drawing/2014/main" id="{716B1740-0A3D-B93F-7B7C-0A30933447FF}"/>
+              </a:ext>
+            </a:extLst>
+          </p:cNvPr>
+          <p:cNvCxnSpPr>
+            <a:cxnSpLocks/>
+            <a:stCxn id="6" idx="6"/>
+            <a:endCxn id="68" idx="2"/>
+          </p:cNvCxnSpPr>
+          <p:nvPr/>
+        </p:nvCxnSpPr>
+        <p:spPr>
+          <a:xfrm>
+            <a:off x="5547689" y="2953752"/>
+            <a:ext cx="2734127" cy="3192315"/>
+          </a:xfrm>
+          <a:prstGeom prst="straightConnector1">
+            <a:avLst/>
+          </a:prstGeom>
+          <a:ln>
+            <a:tailEnd type="triangle"/>
+          </a:ln>
+        </p:spPr>
+        <p:style>
+          <a:lnRef idx="1">
+            <a:schemeClr val="accent1"/>
+          </a:lnRef>
+          <a:fillRef idx="0">
+            <a:schemeClr val="accent1"/>
+          </a:fillRef>
+          <a:effectRef idx="0">
+            <a:schemeClr val="accent1"/>
+          </a:effectRef>
+          <a:fontRef idx="minor">
+            <a:schemeClr val="tx1"/>
+          </a:fontRef>
+        </p:style>
+      </p:cxnSp>
+      <p:cxnSp>
+        <p:nvCxnSpPr>
+          <p:cNvPr id="79" name="Straight Arrow Connector 78">
+            <a:extLst>
+              <a:ext uri="{FF2B5EF4-FFF2-40B4-BE49-F238E27FC236}">
+                <a16:creationId xmlns:a16="http://schemas.microsoft.com/office/drawing/2014/main" id="{C3248468-26F1-45CF-7222-8879AFE418C9}"/>
+              </a:ext>
+            </a:extLst>
+          </p:cNvPr>
+          <p:cNvCxnSpPr>
+            <a:stCxn id="7" idx="6"/>
+            <a:endCxn id="64" idx="2"/>
+          </p:cNvCxnSpPr>
+          <p:nvPr/>
+        </p:nvCxnSpPr>
+        <p:spPr>
+          <a:xfrm>
+            <a:off x="5554711" y="4239041"/>
+            <a:ext cx="2727105" cy="892964"/>
+          </a:xfrm>
+          <a:prstGeom prst="straightConnector1">
+            <a:avLst/>
+          </a:prstGeom>
+          <a:ln>
+            <a:tailEnd type="triangle"/>
+          </a:ln>
+        </p:spPr>
+        <p:style>
+          <a:lnRef idx="1">
+            <a:schemeClr val="accent1"/>
+          </a:lnRef>
+          <a:fillRef idx="0">
+            <a:schemeClr val="accent1"/>
+          </a:fillRef>
+          <a:effectRef idx="0">
+            <a:schemeClr val="accent1"/>
+          </a:effectRef>
+          <a:fontRef idx="minor">
+            <a:schemeClr val="tx1"/>
+          </a:fontRef>
+        </p:style>
+      </p:cxnSp>
+      <p:cxnSp>
+        <p:nvCxnSpPr>
+          <p:cNvPr id="81" name="Straight Arrow Connector 80">
+            <a:extLst>
+              <a:ext uri="{FF2B5EF4-FFF2-40B4-BE49-F238E27FC236}">
+                <a16:creationId xmlns:a16="http://schemas.microsoft.com/office/drawing/2014/main" id="{F9A2F7A3-53F4-4DFA-A48B-5C99BB4A2139}"/>
+              </a:ext>
+            </a:extLst>
+          </p:cNvPr>
+          <p:cNvCxnSpPr>
+            <a:stCxn id="7" idx="6"/>
+            <a:endCxn id="68" idx="2"/>
+          </p:cNvCxnSpPr>
+          <p:nvPr/>
+        </p:nvCxnSpPr>
+        <p:spPr>
+          <a:xfrm>
+            <a:off x="5554711" y="4239041"/>
+            <a:ext cx="2727105" cy="1907026"/>
+          </a:xfrm>
+          <a:prstGeom prst="straightConnector1">
+            <a:avLst/>
+          </a:prstGeom>
+          <a:ln>
+            <a:tailEnd type="triangle"/>
+          </a:ln>
+        </p:spPr>
+        <p:style>
+          <a:lnRef idx="1">
+            <a:schemeClr val="accent1"/>
+          </a:lnRef>
+          <a:fillRef idx="0">
+            <a:schemeClr val="accent1"/>
+          </a:fillRef>
+          <a:effectRef idx="0">
+            <a:schemeClr val="accent1"/>
+          </a:effectRef>
+          <a:fontRef idx="minor">
+            <a:schemeClr val="tx1"/>
+          </a:fontRef>
+        </p:style>
+      </p:cxnSp>
+      <p:cxnSp>
+        <p:nvCxnSpPr>
+          <p:cNvPr id="83" name="Straight Arrow Connector 82">
+            <a:extLst>
+              <a:ext uri="{FF2B5EF4-FFF2-40B4-BE49-F238E27FC236}">
+                <a16:creationId xmlns:a16="http://schemas.microsoft.com/office/drawing/2014/main" id="{E178B251-0EE9-797F-B06A-336D84DC45D3}"/>
+              </a:ext>
+            </a:extLst>
+          </p:cNvPr>
+          <p:cNvCxnSpPr>
+            <a:stCxn id="19" idx="6"/>
+            <a:endCxn id="64" idx="2"/>
+          </p:cNvCxnSpPr>
+          <p:nvPr/>
+        </p:nvCxnSpPr>
+        <p:spPr>
+          <a:xfrm flipV="1">
+            <a:off x="5558851" y="5132005"/>
+            <a:ext cx="2722965" cy="387874"/>
+          </a:xfrm>
+          <a:prstGeom prst="straightConnector1">
+            <a:avLst/>
+          </a:prstGeom>
+          <a:ln>
+            <a:tailEnd type="triangle"/>
+          </a:ln>
+        </p:spPr>
+        <p:style>
+          <a:lnRef idx="1">
+            <a:schemeClr val="accent1"/>
+          </a:lnRef>
+          <a:fillRef idx="0">
+            <a:schemeClr val="accent1"/>
+          </a:fillRef>
+          <a:effectRef idx="0">
+            <a:schemeClr val="accent1"/>
+          </a:effectRef>
+          <a:fontRef idx="minor">
+            <a:schemeClr val="tx1"/>
+          </a:fontRef>
+        </p:style>
+      </p:cxnSp>
+      <p:cxnSp>
+        <p:nvCxnSpPr>
+          <p:cNvPr id="85" name="Straight Arrow Connector 84">
+            <a:extLst>
+              <a:ext uri="{FF2B5EF4-FFF2-40B4-BE49-F238E27FC236}">
+                <a16:creationId xmlns:a16="http://schemas.microsoft.com/office/drawing/2014/main" id="{F8A4DF1E-203C-8C23-9229-C8A30C7AEB7D}"/>
+              </a:ext>
+            </a:extLst>
+          </p:cNvPr>
+          <p:cNvCxnSpPr>
+            <a:stCxn id="19" idx="6"/>
+            <a:endCxn id="68" idx="2"/>
+          </p:cNvCxnSpPr>
+          <p:nvPr/>
+        </p:nvCxnSpPr>
+        <p:spPr>
+          <a:xfrm>
+            <a:off x="5558851" y="5519879"/>
+            <a:ext cx="2722965" cy="626188"/>
+          </a:xfrm>
+          <a:prstGeom prst="straightConnector1">
+            <a:avLst/>
+          </a:prstGeom>
+          <a:ln>
+            <a:tailEnd type="triangle"/>
+          </a:ln>
+        </p:spPr>
+        <p:style>
+          <a:lnRef idx="1">
+            <a:schemeClr val="accent1"/>
+          </a:lnRef>
+          <a:fillRef idx="0">
+            <a:schemeClr val="accent1"/>
+          </a:fillRef>
+          <a:effectRef idx="0">
+            <a:schemeClr val="accent1"/>
+          </a:effectRef>
+          <a:fontRef idx="minor">
+            <a:schemeClr val="tx1"/>
+          </a:fontRef>
+        </p:style>
+      </p:cxnSp>
+    </p:spTree>
+    <p:extLst>
+      <p:ext uri="{BB962C8B-B14F-4D97-AF65-F5344CB8AC3E}">
+        <p14:creationId xmlns:p14="http://schemas.microsoft.com/office/powerpoint/2010/main" val="4175192429"/>
+      </p:ext>
+    </p:extLst>
+  </p:cSld>
+  <p:clrMapOvr>
+    <a:masterClrMapping/>
+  </p:clrMapOvr>
+</p:sld>
+</file>
+
+<file path=ppt/slides/slide31.xml><?xml version="1.0" encoding="utf-8"?>
+<p:sld xmlns:a="http://schemas.openxmlformats.org/drawingml/2006/main" xmlns:r="http://schemas.openxmlformats.org/officeDocument/2006/relationships" xmlns:p="http://schemas.openxmlformats.org/presentationml/2006/main">
+  <p:cSld>
+    <p:spTree>
+      <p:nvGrpSpPr>
+        <p:cNvPr id="1" name=""/>
+        <p:cNvGrpSpPr/>
+        <p:nvPr/>
+      </p:nvGrpSpPr>
+      <p:grpSpPr>
+        <a:xfrm>
+          <a:off x="0" y="0"/>
+          <a:ext cx="0" cy="0"/>
+          <a:chOff x="0" y="0"/>
+          <a:chExt cx="0" cy="0"/>
+        </a:xfrm>
+      </p:grpSpPr>
+      <p:sp>
+        <p:nvSpPr>
+          <p:cNvPr id="2" name="Title 1">
+            <a:extLst>
+              <a:ext uri="{FF2B5EF4-FFF2-40B4-BE49-F238E27FC236}">
                 <a16:creationId xmlns:a16="http://schemas.microsoft.com/office/drawing/2014/main" id="{289AA22B-5900-746A-C4D4-F46F14C1B546}"/>
               </a:ext>
             </a:extLst>
@@ -13537,7 +13654,7 @@
 </p:sld>
 </file>
 
-<file path=ppt/slides/slide31.xml><?xml version="1.0" encoding="utf-8"?>
+<file path=ppt/slides/slide32.xml><?xml version="1.0" encoding="utf-8"?>
 <p:sld xmlns:a="http://schemas.openxmlformats.org/drawingml/2006/main" xmlns:r="http://schemas.openxmlformats.org/officeDocument/2006/relationships" xmlns:p="http://schemas.openxmlformats.org/presentationml/2006/main">
   <p:cSld>
     <p:spTree>
@@ -14464,7 +14581,7 @@
 </p:sld>
 </file>
 
-<file path=ppt/slides/slide32.xml><?xml version="1.0" encoding="utf-8"?>
+<file path=ppt/slides/slide33.xml><?xml version="1.0" encoding="utf-8"?>
 <p:sld xmlns:a="http://schemas.openxmlformats.org/drawingml/2006/main" xmlns:r="http://schemas.openxmlformats.org/officeDocument/2006/relationships" xmlns:p="http://schemas.openxmlformats.org/presentationml/2006/main">
   <p:cSld>
     <p:spTree>
@@ -15092,6 +15209,948 @@
     <p:extLst>
       <p:ext uri="{BB962C8B-B14F-4D97-AF65-F5344CB8AC3E}">
         <p14:creationId xmlns:p14="http://schemas.microsoft.com/office/powerpoint/2010/main" val="4240990416"/>
+      </p:ext>
+    </p:extLst>
+  </p:cSld>
+  <p:clrMapOvr>
+    <a:masterClrMapping/>
+  </p:clrMapOvr>
+</p:sld>
+</file>
+
+<file path=ppt/slides/slide34.xml><?xml version="1.0" encoding="utf-8"?>
+<p:sld xmlns:a="http://schemas.openxmlformats.org/drawingml/2006/main" xmlns:r="http://schemas.openxmlformats.org/officeDocument/2006/relationships" xmlns:p="http://schemas.openxmlformats.org/presentationml/2006/main">
+  <p:cSld>
+    <p:spTree>
+      <p:nvGrpSpPr>
+        <p:cNvPr id="1" name=""/>
+        <p:cNvGrpSpPr/>
+        <p:nvPr/>
+      </p:nvGrpSpPr>
+      <p:grpSpPr>
+        <a:xfrm>
+          <a:off x="0" y="0"/>
+          <a:ext cx="0" cy="0"/>
+          <a:chOff x="0" y="0"/>
+          <a:chExt cx="0" cy="0"/>
+        </a:xfrm>
+      </p:grpSpPr>
+      <p:sp>
+        <p:nvSpPr>
+          <p:cNvPr id="2" name="Title 1">
+            <a:extLst>
+              <a:ext uri="{FF2B5EF4-FFF2-40B4-BE49-F238E27FC236}">
+                <a16:creationId xmlns:a16="http://schemas.microsoft.com/office/drawing/2014/main" id="{7ADA1169-E2AD-2004-0746-D98B25D034A0}"/>
+              </a:ext>
+            </a:extLst>
+          </p:cNvPr>
+          <p:cNvSpPr>
+            <a:spLocks noGrp="1"/>
+          </p:cNvSpPr>
+          <p:nvPr>
+            <p:ph type="title"/>
+          </p:nvPr>
+        </p:nvSpPr>
+        <p:spPr/>
+        <p:txBody>
+          <a:bodyPr/>
+          <a:lstStyle/>
+          <a:p>
+            <a:r>
+              <a:rPr lang="en-CA" dirty="0"/>
+              <a:t>What is a Convolution?</a:t>
+            </a:r>
+          </a:p>
+        </p:txBody>
+      </p:sp>
+      <p:sp>
+        <p:nvSpPr>
+          <p:cNvPr id="3" name="Content Placeholder 2">
+            <a:extLst>
+              <a:ext uri="{FF2B5EF4-FFF2-40B4-BE49-F238E27FC236}">
+                <a16:creationId xmlns:a16="http://schemas.microsoft.com/office/drawing/2014/main" id="{32F625BA-EDBD-36A1-9802-B9F0B34172A1}"/>
+              </a:ext>
+            </a:extLst>
+          </p:cNvPr>
+          <p:cNvSpPr>
+            <a:spLocks noGrp="1"/>
+          </p:cNvSpPr>
+          <p:nvPr>
+            <p:ph idx="1"/>
+          </p:nvPr>
+        </p:nvSpPr>
+        <p:spPr/>
+        <p:txBody>
+          <a:bodyPr/>
+          <a:lstStyle/>
+          <a:p>
+            <a:r>
+              <a:rPr lang="en-CA" dirty="0"/>
+              <a:t>A convolution allows us to combine 2 lists of numbers into a single list </a:t>
+            </a:r>
+          </a:p>
+          <a:p>
+            <a:r>
+              <a:rPr lang="en-CA" dirty="0">
+                <a:hlinkClick r:id="rId2"/>
+              </a:rPr>
+              <a:t>https://youtu.be/KuXjwB4LzSA</a:t>
+            </a:r>
+            <a:endParaRPr lang="en-CA" dirty="0"/>
+          </a:p>
+          <a:p>
+            <a:r>
+              <a:rPr lang="en-CA" dirty="0"/>
+              <a:t>For an image recognition neural network a convolution is done by over laying a small matrix called a filter or kernel over the image and multiplying all the values together between the kernel and the image and adding them together. This will give us a convoluted value to output for that combination.</a:t>
+            </a:r>
+          </a:p>
+          <a:p>
+            <a:r>
+              <a:rPr lang="en-CA" dirty="0"/>
+              <a:t>In the neural network the convolution will ultimately learn what parts of the image are to be marked as important by having the filter values set using back propagation.</a:t>
+            </a:r>
+          </a:p>
+          <a:p>
+            <a:endParaRPr lang="en-CA" dirty="0"/>
+          </a:p>
+        </p:txBody>
+      </p:sp>
+    </p:spTree>
+    <p:extLst>
+      <p:ext uri="{BB962C8B-B14F-4D97-AF65-F5344CB8AC3E}">
+        <p14:creationId xmlns:p14="http://schemas.microsoft.com/office/powerpoint/2010/main" val="3435854758"/>
+      </p:ext>
+    </p:extLst>
+  </p:cSld>
+  <p:clrMapOvr>
+    <a:masterClrMapping/>
+  </p:clrMapOvr>
+</p:sld>
+</file>
+
+<file path=ppt/slides/slide35.xml><?xml version="1.0" encoding="utf-8"?>
+<p:sld xmlns:a="http://schemas.openxmlformats.org/drawingml/2006/main" xmlns:r="http://schemas.openxmlformats.org/officeDocument/2006/relationships" xmlns:p="http://schemas.openxmlformats.org/presentationml/2006/main">
+  <p:cSld>
+    <p:spTree>
+      <p:nvGrpSpPr>
+        <p:cNvPr id="1" name=""/>
+        <p:cNvGrpSpPr/>
+        <p:nvPr/>
+      </p:nvGrpSpPr>
+      <p:grpSpPr>
+        <a:xfrm>
+          <a:off x="0" y="0"/>
+          <a:ext cx="0" cy="0"/>
+          <a:chOff x="0" y="0"/>
+          <a:chExt cx="0" cy="0"/>
+        </a:xfrm>
+      </p:grpSpPr>
+      <p:sp>
+        <p:nvSpPr>
+          <p:cNvPr id="2" name="Title 1">
+            <a:extLst>
+              <a:ext uri="{FF2B5EF4-FFF2-40B4-BE49-F238E27FC236}">
+                <a16:creationId xmlns:a16="http://schemas.microsoft.com/office/drawing/2014/main" id="{64A601E7-1C47-C5E5-F206-D80C99624A86}"/>
+              </a:ext>
+            </a:extLst>
+          </p:cNvPr>
+          <p:cNvSpPr>
+            <a:spLocks noGrp="1"/>
+          </p:cNvSpPr>
+          <p:nvPr>
+            <p:ph type="title"/>
+          </p:nvPr>
+        </p:nvSpPr>
+        <p:spPr/>
+        <p:txBody>
+          <a:bodyPr/>
+          <a:lstStyle/>
+          <a:p>
+            <a:r>
+              <a:rPr lang="en-CA" dirty="0"/>
+              <a:t>Convolution in action</a:t>
+            </a:r>
+          </a:p>
+        </p:txBody>
+      </p:sp>
+      <p:pic>
+        <p:nvPicPr>
+          <p:cNvPr id="2050" name="Picture 2" descr="A gentle introduction to Convolutions (Visually explained) - DEV Community">
+            <a:extLst>
+              <a:ext uri="{FF2B5EF4-FFF2-40B4-BE49-F238E27FC236}">
+                <a16:creationId xmlns:a16="http://schemas.microsoft.com/office/drawing/2014/main" id="{563043B1-2CFE-EB75-E69D-CD0B8FCC46CF}"/>
+              </a:ext>
+            </a:extLst>
+          </p:cNvPr>
+          <p:cNvPicPr>
+            <a:picLocks noGrp="1" noChangeAspect="1" noChangeArrowheads="1"/>
+          </p:cNvPicPr>
+          <p:nvPr>
+            <p:ph idx="1"/>
+          </p:nvPr>
+        </p:nvPicPr>
+        <p:blipFill>
+          <a:blip r:embed="rId2">
+            <a:extLst>
+              <a:ext uri="{28A0092B-C50C-407E-A947-70E740481C1C}">
+                <a14:useLocalDpi xmlns:a14="http://schemas.microsoft.com/office/drawing/2010/main" val="0"/>
+              </a:ext>
+            </a:extLst>
+          </a:blip>
+          <a:srcRect/>
+          <a:stretch>
+            <a:fillRect/>
+          </a:stretch>
+        </p:blipFill>
+        <p:spPr bwMode="auto">
+          <a:xfrm>
+            <a:off x="3183148" y="2211492"/>
+            <a:ext cx="5575180" cy="3913889"/>
+          </a:xfrm>
+          <a:prstGeom prst="rect">
+            <a:avLst/>
+          </a:prstGeom>
+          <a:noFill/>
+          <a:extLst>
+            <a:ext uri="{909E8E84-426E-40DD-AFC4-6F175D3DCCD1}">
+              <a14:hiddenFill xmlns:a14="http://schemas.microsoft.com/office/drawing/2010/main">
+                <a:solidFill>
+                  <a:srgbClr val="FFFFFF"/>
+                </a:solidFill>
+              </a14:hiddenFill>
+            </a:ext>
+          </a:extLst>
+        </p:spPr>
+      </p:pic>
+    </p:spTree>
+    <p:extLst>
+      <p:ext uri="{BB962C8B-B14F-4D97-AF65-F5344CB8AC3E}">
+        <p14:creationId xmlns:p14="http://schemas.microsoft.com/office/powerpoint/2010/main" val="455574037"/>
+      </p:ext>
+    </p:extLst>
+  </p:cSld>
+  <p:clrMapOvr>
+    <a:masterClrMapping/>
+  </p:clrMapOvr>
+</p:sld>
+</file>
+
+<file path=ppt/slides/slide36.xml><?xml version="1.0" encoding="utf-8"?>
+<p:sld xmlns:a="http://schemas.openxmlformats.org/drawingml/2006/main" xmlns:r="http://schemas.openxmlformats.org/officeDocument/2006/relationships" xmlns:p="http://schemas.openxmlformats.org/presentationml/2006/main">
+  <p:cSld>
+    <p:spTree>
+      <p:nvGrpSpPr>
+        <p:cNvPr id="1" name=""/>
+        <p:cNvGrpSpPr/>
+        <p:nvPr/>
+      </p:nvGrpSpPr>
+      <p:grpSpPr>
+        <a:xfrm>
+          <a:off x="0" y="0"/>
+          <a:ext cx="0" cy="0"/>
+          <a:chOff x="0" y="0"/>
+          <a:chExt cx="0" cy="0"/>
+        </a:xfrm>
+      </p:grpSpPr>
+      <p:sp>
+        <p:nvSpPr>
+          <p:cNvPr id="2" name="Title 1">
+            <a:extLst>
+              <a:ext uri="{FF2B5EF4-FFF2-40B4-BE49-F238E27FC236}">
+                <a16:creationId xmlns:a16="http://schemas.microsoft.com/office/drawing/2014/main" id="{8663DD71-BE24-59BE-FB63-452FC4300FDD}"/>
+              </a:ext>
+            </a:extLst>
+          </p:cNvPr>
+          <p:cNvSpPr>
+            <a:spLocks noGrp="1"/>
+          </p:cNvSpPr>
+          <p:nvPr>
+            <p:ph type="title"/>
+          </p:nvPr>
+        </p:nvSpPr>
+        <p:spPr/>
+        <p:txBody>
+          <a:bodyPr/>
+          <a:lstStyle/>
+          <a:p>
+            <a:r>
+              <a:rPr lang="en-CA" dirty="0"/>
+              <a:t>Convolution of image for edge highlighting.</a:t>
+            </a:r>
+          </a:p>
+        </p:txBody>
+      </p:sp>
+      <p:sp>
+        <p:nvSpPr>
+          <p:cNvPr id="3" name="Content Placeholder 2">
+            <a:extLst>
+              <a:ext uri="{FF2B5EF4-FFF2-40B4-BE49-F238E27FC236}">
+                <a16:creationId xmlns:a16="http://schemas.microsoft.com/office/drawing/2014/main" id="{DBECB6C9-A533-35B9-5873-E889FF31D1F5}"/>
+              </a:ext>
+            </a:extLst>
+          </p:cNvPr>
+          <p:cNvSpPr>
+            <a:spLocks noGrp="1"/>
+          </p:cNvSpPr>
+          <p:nvPr>
+            <p:ph idx="1"/>
+          </p:nvPr>
+        </p:nvSpPr>
+        <p:spPr/>
+        <p:txBody>
+          <a:bodyPr>
+            <a:normAutofit fontScale="85000" lnSpcReduction="20000"/>
+          </a:bodyPr>
+          <a:lstStyle/>
+          <a:p>
+            <a:r>
+              <a:rPr lang="en-CA" dirty="0"/>
+              <a:t>A special kind of convolution can be applied to the images before training to highlight the edges in the image.</a:t>
+            </a:r>
+          </a:p>
+          <a:p>
+            <a:r>
+              <a:rPr lang="en-CA" dirty="0"/>
+              <a:t>Here the convolution is not part of the learning process but is only used to pre highlight the image.</a:t>
+            </a:r>
+          </a:p>
+          <a:p>
+            <a:r>
+              <a:rPr lang="en-CA" dirty="0"/>
+              <a:t>Different techniques are used to highlight an image. Here are some common filter types.</a:t>
+            </a:r>
+          </a:p>
+          <a:p>
+            <a:r>
+              <a:rPr lang="en-CA" i="1" dirty="0"/>
+              <a:t>Horizontal</a:t>
+            </a:r>
+          </a:p>
+          <a:p>
+            <a:r>
+              <a:rPr lang="en-CA" i="1" dirty="0"/>
+              <a:t>Vertical</a:t>
+            </a:r>
+          </a:p>
+          <a:p>
+            <a:r>
+              <a:rPr lang="en-CA" i="1" dirty="0"/>
+              <a:t>Sobel Horizontal</a:t>
+            </a:r>
+          </a:p>
+          <a:p>
+            <a:r>
+              <a:rPr lang="en-CA" i="1" dirty="0"/>
+              <a:t>Sobel Vertical</a:t>
+            </a:r>
+          </a:p>
+          <a:p>
+            <a:r>
+              <a:rPr lang="en-CA" i="1" dirty="0" err="1"/>
+              <a:t>Scharr</a:t>
+            </a:r>
+            <a:r>
+              <a:rPr lang="en-CA" i="1" dirty="0"/>
+              <a:t> Horizontal</a:t>
+            </a:r>
+          </a:p>
+          <a:p>
+            <a:r>
+              <a:rPr lang="en-CA" i="1" dirty="0" err="1"/>
+              <a:t>Scharr</a:t>
+            </a:r>
+            <a:r>
+              <a:rPr lang="en-CA" i="1" dirty="0"/>
+              <a:t> Vertical</a:t>
+            </a:r>
+          </a:p>
+        </p:txBody>
+      </p:sp>
+    </p:spTree>
+    <p:extLst>
+      <p:ext uri="{BB962C8B-B14F-4D97-AF65-F5344CB8AC3E}">
+        <p14:creationId xmlns:p14="http://schemas.microsoft.com/office/powerpoint/2010/main" val="720583776"/>
+      </p:ext>
+    </p:extLst>
+  </p:cSld>
+  <p:clrMapOvr>
+    <a:masterClrMapping/>
+  </p:clrMapOvr>
+</p:sld>
+</file>
+
+<file path=ppt/slides/slide37.xml><?xml version="1.0" encoding="utf-8"?>
+<p:sld xmlns:a="http://schemas.openxmlformats.org/drawingml/2006/main" xmlns:r="http://schemas.openxmlformats.org/officeDocument/2006/relationships" xmlns:p="http://schemas.openxmlformats.org/presentationml/2006/main">
+  <p:cSld>
+    <p:spTree>
+      <p:nvGrpSpPr>
+        <p:cNvPr id="1" name=""/>
+        <p:cNvGrpSpPr/>
+        <p:nvPr/>
+      </p:nvGrpSpPr>
+      <p:grpSpPr>
+        <a:xfrm>
+          <a:off x="0" y="0"/>
+          <a:ext cx="0" cy="0"/>
+          <a:chOff x="0" y="0"/>
+          <a:chExt cx="0" cy="0"/>
+        </a:xfrm>
+      </p:grpSpPr>
+      <p:sp>
+        <p:nvSpPr>
+          <p:cNvPr id="2" name="Title 1">
+            <a:extLst>
+              <a:ext uri="{FF2B5EF4-FFF2-40B4-BE49-F238E27FC236}">
+                <a16:creationId xmlns:a16="http://schemas.microsoft.com/office/drawing/2014/main" id="{661B95B0-8887-5666-B5E1-FFD0B79C1EE6}"/>
+              </a:ext>
+            </a:extLst>
+          </p:cNvPr>
+          <p:cNvSpPr>
+            <a:spLocks noGrp="1"/>
+          </p:cNvSpPr>
+          <p:nvPr>
+            <p:ph type="title"/>
+          </p:nvPr>
+        </p:nvSpPr>
+        <p:spPr/>
+        <p:txBody>
+          <a:bodyPr/>
+          <a:lstStyle/>
+          <a:p>
+            <a:r>
+              <a:rPr lang="en-CA" dirty="0"/>
+              <a:t>Topology for Image Recognition using a Convolutional Neural Network</a:t>
+            </a:r>
+          </a:p>
+        </p:txBody>
+      </p:sp>
+      <p:graphicFrame>
+        <p:nvGraphicFramePr>
+          <p:cNvPr id="66" name="Content Placeholder 3">
+            <a:extLst>
+              <a:ext uri="{FF2B5EF4-FFF2-40B4-BE49-F238E27FC236}">
+                <a16:creationId xmlns:a16="http://schemas.microsoft.com/office/drawing/2014/main" id="{0D034C57-6FA3-51FA-039D-2E62D4DD43E5}"/>
+              </a:ext>
+            </a:extLst>
+          </p:cNvPr>
+          <p:cNvGraphicFramePr>
+            <a:graphicFrameLocks/>
+          </p:cNvGraphicFramePr>
+          <p:nvPr>
+            <p:extLst>
+              <p:ext uri="{D42A27DB-BD31-4B8C-83A1-F6EECF244321}">
+                <p14:modId xmlns:p14="http://schemas.microsoft.com/office/powerpoint/2010/main" val="2996831107"/>
+              </p:ext>
+            </p:extLst>
+          </p:nvPr>
+        </p:nvGraphicFramePr>
+        <p:xfrm>
+          <a:off x="775530" y="2967380"/>
+          <a:ext cx="10515600" cy="365760"/>
+        </p:xfrm>
+        <a:graphic>
+          <a:graphicData uri="http://schemas.openxmlformats.org/drawingml/2006/table">
+            <a:tbl>
+              <a:tblPr firstRow="1" bandRow="1">
+                <a:tableStyleId>{5C22544A-7EE6-4342-B048-85BDC9FD1C3A}</a:tableStyleId>
+              </a:tblPr>
+              <a:tblGrid>
+                <a:gridCol w="10515600">
+                  <a:extLst>
+                    <a:ext uri="{9D8B030D-6E8A-4147-A177-3AD203B41FA5}">
+                      <a16:colId xmlns:a16="http://schemas.microsoft.com/office/drawing/2014/main" val="3974089026"/>
+                    </a:ext>
+                  </a:extLst>
+                </a:gridCol>
+              </a:tblGrid>
+              <a:tr h="0">
+                <a:tc>
+                  <a:txBody>
+                    <a:bodyPr/>
+                    <a:lstStyle/>
+                    <a:p>
+                      <a:pPr algn="ctr"/>
+                      <a:r>
+                        <a:rPr lang="en-US" dirty="0"/>
+                        <a:t>Max Pool Layer</a:t>
+                      </a:r>
+                    </a:p>
+                  </a:txBody>
+                  <a:tcPr/>
+                </a:tc>
+                <a:extLst>
+                  <a:ext uri="{0D108BD9-81ED-4DB2-BD59-A6C34878D82A}">
+                    <a16:rowId xmlns:a16="http://schemas.microsoft.com/office/drawing/2014/main" val="1794039430"/>
+                  </a:ext>
+                </a:extLst>
+              </a:tr>
+            </a:tbl>
+          </a:graphicData>
+        </a:graphic>
+      </p:graphicFrame>
+      <p:graphicFrame>
+        <p:nvGraphicFramePr>
+          <p:cNvPr id="67" name="Table 66">
+            <a:extLst>
+              <a:ext uri="{FF2B5EF4-FFF2-40B4-BE49-F238E27FC236}">
+                <a16:creationId xmlns:a16="http://schemas.microsoft.com/office/drawing/2014/main" id="{B61C439D-916E-2CBE-6E4B-37F40FFBF405}"/>
+              </a:ext>
+            </a:extLst>
+          </p:cNvPr>
+          <p:cNvGraphicFramePr>
+            <a:graphicFrameLocks noGrp="1"/>
+          </p:cNvGraphicFramePr>
+          <p:nvPr>
+            <p:extLst>
+              <p:ext uri="{D42A27DB-BD31-4B8C-83A1-F6EECF244321}">
+                <p14:modId xmlns:p14="http://schemas.microsoft.com/office/powerpoint/2010/main" val="2557237355"/>
+              </p:ext>
+            </p:extLst>
+          </p:nvPr>
+        </p:nvGraphicFramePr>
+        <p:xfrm>
+          <a:off x="838199" y="4097218"/>
+          <a:ext cx="10515599" cy="370840"/>
+        </p:xfrm>
+        <a:graphic>
+          <a:graphicData uri="http://schemas.openxmlformats.org/drawingml/2006/table">
+            <a:tbl>
+              <a:tblPr firstRow="1" bandRow="1">
+                <a:tableStyleId>{5C22544A-7EE6-4342-B048-85BDC9FD1C3A}</a:tableStyleId>
+              </a:tblPr>
+              <a:tblGrid>
+                <a:gridCol w="10515599">
+                  <a:extLst>
+                    <a:ext uri="{9D8B030D-6E8A-4147-A177-3AD203B41FA5}">
+                      <a16:colId xmlns:a16="http://schemas.microsoft.com/office/drawing/2014/main" val="3127348772"/>
+                    </a:ext>
+                  </a:extLst>
+                </a:gridCol>
+              </a:tblGrid>
+              <a:tr h="370840">
+                <a:tc>
+                  <a:txBody>
+                    <a:bodyPr/>
+                    <a:lstStyle/>
+                    <a:p>
+                      <a:pPr algn="ctr"/>
+                      <a:r>
+                        <a:rPr lang="en-US" dirty="0"/>
+                        <a:t>Connected Layer (Learning happens here) Output size = output of max layer/2</a:t>
+                      </a:r>
+                    </a:p>
+                  </a:txBody>
+                  <a:tcPr/>
+                </a:tc>
+                <a:extLst>
+                  <a:ext uri="{0D108BD9-81ED-4DB2-BD59-A6C34878D82A}">
+                    <a16:rowId xmlns:a16="http://schemas.microsoft.com/office/drawing/2014/main" val="1149183532"/>
+                  </a:ext>
+                </a:extLst>
+              </a:tr>
+            </a:tbl>
+          </a:graphicData>
+        </a:graphic>
+      </p:graphicFrame>
+      <p:sp>
+        <p:nvSpPr>
+          <p:cNvPr id="68" name="Arrow: Up-Down 67">
+            <a:extLst>
+              <a:ext uri="{FF2B5EF4-FFF2-40B4-BE49-F238E27FC236}">
+                <a16:creationId xmlns:a16="http://schemas.microsoft.com/office/drawing/2014/main" id="{CB3815BE-2E74-19AC-B28F-35C0D95FB11F}"/>
+              </a:ext>
+            </a:extLst>
+          </p:cNvPr>
+          <p:cNvSpPr/>
+          <p:nvPr/>
+        </p:nvSpPr>
+        <p:spPr>
+          <a:xfrm>
+            <a:off x="5565445" y="3321160"/>
+            <a:ext cx="591085" cy="774408"/>
+          </a:xfrm>
+          <a:prstGeom prst="upDownArrow">
+            <a:avLst/>
+          </a:prstGeom>
+        </p:spPr>
+        <p:style>
+          <a:lnRef idx="2">
+            <a:schemeClr val="accent1">
+              <a:shade val="15000"/>
+            </a:schemeClr>
+          </a:lnRef>
+          <a:fillRef idx="1">
+            <a:schemeClr val="accent1"/>
+          </a:fillRef>
+          <a:effectRef idx="0">
+            <a:schemeClr val="accent1"/>
+          </a:effectRef>
+          <a:fontRef idx="minor">
+            <a:schemeClr val="lt1"/>
+          </a:fontRef>
+        </p:style>
+        <p:txBody>
+          <a:bodyPr rtlCol="0" anchor="ctr"/>
+          <a:lstStyle/>
+          <a:p>
+            <a:pPr algn="ctr"/>
+            <a:endParaRPr lang="en-US"/>
+          </a:p>
+        </p:txBody>
+      </p:sp>
+      <p:graphicFrame>
+        <p:nvGraphicFramePr>
+          <p:cNvPr id="69" name="Table 68">
+            <a:extLst>
+              <a:ext uri="{FF2B5EF4-FFF2-40B4-BE49-F238E27FC236}">
+                <a16:creationId xmlns:a16="http://schemas.microsoft.com/office/drawing/2014/main" id="{FC6120B8-8083-AF7C-7F82-A8EC224D3A53}"/>
+              </a:ext>
+            </a:extLst>
+          </p:cNvPr>
+          <p:cNvGraphicFramePr>
+            <a:graphicFrameLocks noGrp="1"/>
+          </p:cNvGraphicFramePr>
+          <p:nvPr>
+            <p:extLst>
+              <p:ext uri="{D42A27DB-BD31-4B8C-83A1-F6EECF244321}">
+                <p14:modId xmlns:p14="http://schemas.microsoft.com/office/powerpoint/2010/main" val="3630576522"/>
+              </p:ext>
+            </p:extLst>
+          </p:nvPr>
+        </p:nvGraphicFramePr>
+        <p:xfrm>
+          <a:off x="838199" y="5254775"/>
+          <a:ext cx="10515599" cy="370840"/>
+        </p:xfrm>
+        <a:graphic>
+          <a:graphicData uri="http://schemas.openxmlformats.org/drawingml/2006/table">
+            <a:tbl>
+              <a:tblPr firstRow="1" bandRow="1">
+                <a:tableStyleId>{5C22544A-7EE6-4342-B048-85BDC9FD1C3A}</a:tableStyleId>
+              </a:tblPr>
+              <a:tblGrid>
+                <a:gridCol w="10515599">
+                  <a:extLst>
+                    <a:ext uri="{9D8B030D-6E8A-4147-A177-3AD203B41FA5}">
+                      <a16:colId xmlns:a16="http://schemas.microsoft.com/office/drawing/2014/main" val="3127348772"/>
+                    </a:ext>
+                  </a:extLst>
+                </a:gridCol>
+              </a:tblGrid>
+              <a:tr h="370840">
+                <a:tc>
+                  <a:txBody>
+                    <a:bodyPr/>
+                    <a:lstStyle/>
+                    <a:p>
+                      <a:pPr algn="ctr"/>
+                      <a:r>
+                        <a:rPr lang="en-US" dirty="0"/>
+                        <a:t>Connected Layer (Learning happens here) Output size = 2 (0,1)</a:t>
+                      </a:r>
+                    </a:p>
+                  </a:txBody>
+                  <a:tcPr/>
+                </a:tc>
+                <a:extLst>
+                  <a:ext uri="{0D108BD9-81ED-4DB2-BD59-A6C34878D82A}">
+                    <a16:rowId xmlns:a16="http://schemas.microsoft.com/office/drawing/2014/main" val="1149183532"/>
+                  </a:ext>
+                </a:extLst>
+              </a:tr>
+            </a:tbl>
+          </a:graphicData>
+        </a:graphic>
+      </p:graphicFrame>
+      <p:sp>
+        <p:nvSpPr>
+          <p:cNvPr id="70" name="Arrow: Up-Down 69">
+            <a:extLst>
+              <a:ext uri="{FF2B5EF4-FFF2-40B4-BE49-F238E27FC236}">
+                <a16:creationId xmlns:a16="http://schemas.microsoft.com/office/drawing/2014/main" id="{42BA1570-E89C-AE00-5870-C21CDFADBD7C}"/>
+              </a:ext>
+            </a:extLst>
+          </p:cNvPr>
+          <p:cNvSpPr/>
+          <p:nvPr/>
+        </p:nvSpPr>
+        <p:spPr>
+          <a:xfrm>
+            <a:off x="5587524" y="4468483"/>
+            <a:ext cx="599631" cy="765361"/>
+          </a:xfrm>
+          <a:prstGeom prst="upDownArrow">
+            <a:avLst/>
+          </a:prstGeom>
+        </p:spPr>
+        <p:style>
+          <a:lnRef idx="2">
+            <a:schemeClr val="accent1">
+              <a:shade val="15000"/>
+            </a:schemeClr>
+          </a:lnRef>
+          <a:fillRef idx="1">
+            <a:schemeClr val="accent1"/>
+          </a:fillRef>
+          <a:effectRef idx="0">
+            <a:schemeClr val="accent1"/>
+          </a:effectRef>
+          <a:fontRef idx="minor">
+            <a:schemeClr val="lt1"/>
+          </a:fontRef>
+        </p:style>
+        <p:txBody>
+          <a:bodyPr rtlCol="0" anchor="ctr"/>
+          <a:lstStyle/>
+          <a:p>
+            <a:pPr algn="ctr"/>
+            <a:endParaRPr lang="en-US"/>
+          </a:p>
+        </p:txBody>
+      </p:sp>
+      <p:sp>
+        <p:nvSpPr>
+          <p:cNvPr id="71" name="Arrow: Up-Down 70">
+            <a:extLst>
+              <a:ext uri="{FF2B5EF4-FFF2-40B4-BE49-F238E27FC236}">
+                <a16:creationId xmlns:a16="http://schemas.microsoft.com/office/drawing/2014/main" id="{EEE05BD1-EE8B-6C64-1349-69203060F256}"/>
+              </a:ext>
+            </a:extLst>
+          </p:cNvPr>
+          <p:cNvSpPr/>
+          <p:nvPr/>
+        </p:nvSpPr>
+        <p:spPr>
+          <a:xfrm>
+            <a:off x="5860988" y="5604684"/>
+            <a:ext cx="172342" cy="687351"/>
+          </a:xfrm>
+          <a:prstGeom prst="upDownArrow">
+            <a:avLst/>
+          </a:prstGeom>
+        </p:spPr>
+        <p:style>
+          <a:lnRef idx="2">
+            <a:schemeClr val="accent1">
+              <a:shade val="15000"/>
+            </a:schemeClr>
+          </a:lnRef>
+          <a:fillRef idx="1">
+            <a:schemeClr val="accent1"/>
+          </a:fillRef>
+          <a:effectRef idx="0">
+            <a:schemeClr val="accent1"/>
+          </a:effectRef>
+          <a:fontRef idx="minor">
+            <a:schemeClr val="lt1"/>
+          </a:fontRef>
+        </p:style>
+        <p:txBody>
+          <a:bodyPr rtlCol="0" anchor="ctr"/>
+          <a:lstStyle/>
+          <a:p>
+            <a:pPr algn="ctr"/>
+            <a:endParaRPr lang="en-US"/>
+          </a:p>
+        </p:txBody>
+      </p:sp>
+      <p:graphicFrame>
+        <p:nvGraphicFramePr>
+          <p:cNvPr id="72" name="Table 71">
+            <a:extLst>
+              <a:ext uri="{FF2B5EF4-FFF2-40B4-BE49-F238E27FC236}">
+                <a16:creationId xmlns:a16="http://schemas.microsoft.com/office/drawing/2014/main" id="{E355FA4A-1E37-D618-FE88-5616EADC78E5}"/>
+              </a:ext>
+            </a:extLst>
+          </p:cNvPr>
+          <p:cNvGraphicFramePr>
+            <a:graphicFrameLocks noGrp="1"/>
+          </p:cNvGraphicFramePr>
+          <p:nvPr>
+            <p:extLst>
+              <p:ext uri="{D42A27DB-BD31-4B8C-83A1-F6EECF244321}">
+                <p14:modId xmlns:p14="http://schemas.microsoft.com/office/powerpoint/2010/main" val="1552403260"/>
+              </p:ext>
+            </p:extLst>
+          </p:nvPr>
+        </p:nvGraphicFramePr>
+        <p:xfrm>
+          <a:off x="3904000" y="6292035"/>
+          <a:ext cx="4086319" cy="370840"/>
+        </p:xfrm>
+        <a:graphic>
+          <a:graphicData uri="http://schemas.openxmlformats.org/drawingml/2006/table">
+            <a:tbl>
+              <a:tblPr firstRow="1" bandRow="1">
+                <a:tableStyleId>{5C22544A-7EE6-4342-B048-85BDC9FD1C3A}</a:tableStyleId>
+              </a:tblPr>
+              <a:tblGrid>
+                <a:gridCol w="2033232">
+                  <a:extLst>
+                    <a:ext uri="{9D8B030D-6E8A-4147-A177-3AD203B41FA5}">
+                      <a16:colId xmlns:a16="http://schemas.microsoft.com/office/drawing/2014/main" val="1357361425"/>
+                    </a:ext>
+                  </a:extLst>
+                </a:gridCol>
+                <a:gridCol w="2053087">
+                  <a:extLst>
+                    <a:ext uri="{9D8B030D-6E8A-4147-A177-3AD203B41FA5}">
+                      <a16:colId xmlns:a16="http://schemas.microsoft.com/office/drawing/2014/main" val="3629873916"/>
+                    </a:ext>
+                  </a:extLst>
+                </a:gridCol>
+              </a:tblGrid>
+              <a:tr h="370840">
+                <a:tc>
+                  <a:txBody>
+                    <a:bodyPr/>
+                    <a:lstStyle/>
+                    <a:p>
+                      <a:r>
+                        <a:rPr lang="en-US" dirty="0"/>
+                        <a:t>0</a:t>
+                      </a:r>
+                    </a:p>
+                  </a:txBody>
+                  <a:tcPr/>
+                </a:tc>
+                <a:tc>
+                  <a:txBody>
+                    <a:bodyPr/>
+                    <a:lstStyle/>
+                    <a:p>
+                      <a:r>
+                        <a:rPr lang="en-US" dirty="0"/>
+                        <a:t>1</a:t>
+                      </a:r>
+                    </a:p>
+                  </a:txBody>
+                  <a:tcPr/>
+                </a:tc>
+                <a:extLst>
+                  <a:ext uri="{0D108BD9-81ED-4DB2-BD59-A6C34878D82A}">
+                    <a16:rowId xmlns:a16="http://schemas.microsoft.com/office/drawing/2014/main" val="894860689"/>
+                  </a:ext>
+                </a:extLst>
+              </a:tr>
+            </a:tbl>
+          </a:graphicData>
+        </a:graphic>
+      </p:graphicFrame>
+      <p:graphicFrame>
+        <p:nvGraphicFramePr>
+          <p:cNvPr id="76" name="Content Placeholder 3">
+            <a:extLst>
+              <a:ext uri="{FF2B5EF4-FFF2-40B4-BE49-F238E27FC236}">
+                <a16:creationId xmlns:a16="http://schemas.microsoft.com/office/drawing/2014/main" id="{7E46F952-DBFF-3E8A-6D6B-B1CB2B94EDC1}"/>
+              </a:ext>
+            </a:extLst>
+          </p:cNvPr>
+          <p:cNvGraphicFramePr>
+            <a:graphicFrameLocks/>
+          </p:cNvGraphicFramePr>
+          <p:nvPr>
+            <p:extLst>
+              <p:ext uri="{D42A27DB-BD31-4B8C-83A1-F6EECF244321}">
+                <p14:modId xmlns:p14="http://schemas.microsoft.com/office/powerpoint/2010/main" val="2352501027"/>
+              </p:ext>
+            </p:extLst>
+          </p:nvPr>
+        </p:nvGraphicFramePr>
+        <p:xfrm>
+          <a:off x="775530" y="1824685"/>
+          <a:ext cx="10515600" cy="365760"/>
+        </p:xfrm>
+        <a:graphic>
+          <a:graphicData uri="http://schemas.openxmlformats.org/drawingml/2006/table">
+            <a:tbl>
+              <a:tblPr firstRow="1" bandRow="1">
+                <a:tableStyleId>{5C22544A-7EE6-4342-B048-85BDC9FD1C3A}</a:tableStyleId>
+              </a:tblPr>
+              <a:tblGrid>
+                <a:gridCol w="10515600">
+                  <a:extLst>
+                    <a:ext uri="{9D8B030D-6E8A-4147-A177-3AD203B41FA5}">
+                      <a16:colId xmlns:a16="http://schemas.microsoft.com/office/drawing/2014/main" val="3974089026"/>
+                    </a:ext>
+                  </a:extLst>
+                </a:gridCol>
+              </a:tblGrid>
+              <a:tr h="0">
+                <a:tc>
+                  <a:txBody>
+                    <a:bodyPr/>
+                    <a:lstStyle/>
+                    <a:p>
+                      <a:pPr algn="ctr"/>
+                      <a:r>
+                        <a:rPr lang="en-US" dirty="0"/>
+                        <a:t>Convolution Layer</a:t>
+                      </a:r>
+                    </a:p>
+                  </a:txBody>
+                  <a:tcPr/>
+                </a:tc>
+                <a:extLst>
+                  <a:ext uri="{0D108BD9-81ED-4DB2-BD59-A6C34878D82A}">
+                    <a16:rowId xmlns:a16="http://schemas.microsoft.com/office/drawing/2014/main" val="1794039430"/>
+                  </a:ext>
+                </a:extLst>
+              </a:tr>
+            </a:tbl>
+          </a:graphicData>
+        </a:graphic>
+      </p:graphicFrame>
+      <p:sp>
+        <p:nvSpPr>
+          <p:cNvPr id="77" name="Arrow: Up-Down 76">
+            <a:extLst>
+              <a:ext uri="{FF2B5EF4-FFF2-40B4-BE49-F238E27FC236}">
+                <a16:creationId xmlns:a16="http://schemas.microsoft.com/office/drawing/2014/main" id="{188580A6-C6DF-BBF3-1DA0-70CA818CE13F}"/>
+              </a:ext>
+            </a:extLst>
+          </p:cNvPr>
+          <p:cNvSpPr/>
+          <p:nvPr/>
+        </p:nvSpPr>
+        <p:spPr>
+          <a:xfrm>
+            <a:off x="5510809" y="2171741"/>
+            <a:ext cx="591085" cy="774408"/>
+          </a:xfrm>
+          <a:prstGeom prst="upDownArrow">
+            <a:avLst/>
+          </a:prstGeom>
+        </p:spPr>
+        <p:style>
+          <a:lnRef idx="2">
+            <a:schemeClr val="accent1">
+              <a:shade val="15000"/>
+            </a:schemeClr>
+          </a:lnRef>
+          <a:fillRef idx="1">
+            <a:schemeClr val="accent1"/>
+          </a:fillRef>
+          <a:effectRef idx="0">
+            <a:schemeClr val="accent1"/>
+          </a:effectRef>
+          <a:fontRef idx="minor">
+            <a:schemeClr val="lt1"/>
+          </a:fontRef>
+        </p:style>
+        <p:txBody>
+          <a:bodyPr rtlCol="0" anchor="ctr"/>
+          <a:lstStyle/>
+          <a:p>
+            <a:pPr algn="ctr"/>
+            <a:endParaRPr lang="en-US"/>
+          </a:p>
+        </p:txBody>
+      </p:sp>
+    </p:spTree>
+    <p:extLst>
+      <p:ext uri="{BB962C8B-B14F-4D97-AF65-F5344CB8AC3E}">
+        <p14:creationId xmlns:p14="http://schemas.microsoft.com/office/powerpoint/2010/main" val="3809917557"/>
       </p:ext>
     </p:extLst>
   </p:cSld>
